--- a/Using the Compiler API in Real-World Scenarios.pptx
+++ b/Using the Compiler API in Real-World Scenarios.pptx
@@ -5,7 +5,7 @@
     <p:sldMasterId id="2147483648" r:id="rId4"/>
   </p:sldMasterIdLst>
   <p:notesMasterIdLst>
-    <p:notesMasterId r:id="rId20"/>
+    <p:notesMasterId r:id="rId21"/>
   </p:notesMasterIdLst>
   <p:sldIdLst>
     <p:sldId id="271" r:id="rId5"/>
@@ -22,7 +22,8 @@
     <p:sldId id="281" r:id="rId16"/>
     <p:sldId id="282" r:id="rId17"/>
     <p:sldId id="290" r:id="rId18"/>
-    <p:sldId id="317" r:id="rId19"/>
+    <p:sldId id="346" r:id="rId19"/>
+    <p:sldId id="317" r:id="rId20"/>
   </p:sldIdLst>
   <p:sldSz cx="12192000" cy="6858000"/>
   <p:notesSz cx="6858000" cy="9144000"/>
@@ -3183,7 +3184,7 @@
           <a:p>
             <a:fld id="{9ECE5BDF-9B7E-3646-B6C9-FC2C3E116129}" type="datetimeFigureOut">
               <a:rPr lang="en-US" smtClean="0"/>
-              <a:t>4/14/2020</a:t>
+              <a:t>5/12/2020</a:t>
             </a:fld>
             <a:endParaRPr lang="en-US"/>
           </a:p>
@@ -3789,6 +3790,93 @@
           <a:lstStyle/>
           <a:p>
             <a:r>
+              <a:rPr lang="en-US" dirty="0"/>
+              <a:t>This is (probably) coming in C#9. Dive in!</a:t>
+            </a:r>
+          </a:p>
+        </p:txBody>
+      </p:sp>
+      <p:sp>
+        <p:nvSpPr>
+          <p:cNvPr id="4" name="Slide Number Placeholder 3"/>
+          <p:cNvSpPr>
+            <a:spLocks noGrp="1"/>
+          </p:cNvSpPr>
+          <p:nvPr>
+            <p:ph type="sldNum" sz="quarter" idx="10"/>
+          </p:nvPr>
+        </p:nvSpPr>
+        <p:spPr/>
+        <p:txBody>
+          <a:bodyPr/>
+          <a:lstStyle/>
+          <a:p>
+            <a:fld id="{4E8BADB7-1FBB-B74E-B90C-DA1567BD042E}" type="slidenum">
+              <a:rPr lang="en-US" smtClean="0"/>
+              <a:t>15</a:t>
+            </a:fld>
+            <a:endParaRPr lang="en-US"/>
+          </a:p>
+        </p:txBody>
+      </p:sp>
+    </p:spTree>
+    <p:extLst>
+      <p:ext uri="{BB962C8B-B14F-4D97-AF65-F5344CB8AC3E}">
+        <p14:creationId xmlns:p14="http://schemas.microsoft.com/office/powerpoint/2010/main" val="3412222013"/>
+      </p:ext>
+    </p:extLst>
+  </p:cSld>
+  <p:clrMapOvr>
+    <a:masterClrMapping/>
+  </p:clrMapOvr>
+</p:notes>
+</file>
+
+<file path=ppt/notesSlides/notesSlide13.xml><?xml version="1.0" encoding="utf-8"?>
+<p:notes xmlns:a="http://schemas.openxmlformats.org/drawingml/2006/main" xmlns:r="http://schemas.openxmlformats.org/officeDocument/2006/relationships" xmlns:p="http://schemas.openxmlformats.org/presentationml/2006/main">
+  <p:cSld>
+    <p:spTree>
+      <p:nvGrpSpPr>
+        <p:cNvPr id="1" name=""/>
+        <p:cNvGrpSpPr/>
+        <p:nvPr/>
+      </p:nvGrpSpPr>
+      <p:grpSpPr>
+        <a:xfrm>
+          <a:off x="0" y="0"/>
+          <a:ext cx="0" cy="0"/>
+          <a:chOff x="0" y="0"/>
+          <a:chExt cx="0" cy="0"/>
+        </a:xfrm>
+      </p:grpSpPr>
+      <p:sp>
+        <p:nvSpPr>
+          <p:cNvPr id="2" name="Slide Image Placeholder 1"/>
+          <p:cNvSpPr>
+            <a:spLocks noGrp="1" noRot="1" noChangeAspect="1"/>
+          </p:cNvSpPr>
+          <p:nvPr>
+            <p:ph type="sldImg"/>
+          </p:nvPr>
+        </p:nvSpPr>
+        <p:spPr/>
+      </p:sp>
+      <p:sp>
+        <p:nvSpPr>
+          <p:cNvPr id="3" name="Notes Placeholder 2"/>
+          <p:cNvSpPr>
+            <a:spLocks noGrp="1"/>
+          </p:cNvSpPr>
+          <p:nvPr>
+            <p:ph type="body" idx="1"/>
+          </p:nvPr>
+        </p:nvSpPr>
+        <p:spPr/>
+        <p:txBody>
+          <a:bodyPr/>
+          <a:lstStyle/>
+          <a:p>
+            <a:r>
               <a:rPr lang="en-US" sz="1200" kern="1200" dirty="0">
                 <a:solidFill>
                   <a:schemeClr val="tx1"/>
@@ -3876,6 +3964,125 @@
                 <a:ea typeface="+mn-ea"/>
                 <a:cs typeface="Arial" charset="0"/>
               </a:rPr>
+              <a:t>Source Generators</a:t>
+            </a:r>
+          </a:p>
+          <a:p>
+            <a:r>
+              <a:rPr lang="en-US" sz="1200" kern="1200" dirty="0">
+                <a:solidFill>
+                  <a:schemeClr val="tx1"/>
+                </a:solidFill>
+                <a:effectLst/>
+                <a:latin typeface="Franklin Gothic Medium" pitchFamily="34" charset="0"/>
+                <a:ea typeface="+mn-ea"/>
+                <a:cs typeface="Arial" charset="0"/>
+              </a:rPr>
+              <a:t>Introducing C# Source Generators - </a:t>
+            </a:r>
+            <a:r>
+              <a:rPr lang="en-US" dirty="0"/>
+              <a:t>https://devblogs.microsoft.com/dotnet/introducing-c-source-generators/</a:t>
+            </a:r>
+            <a:endParaRPr lang="en-US" sz="1200" kern="1200" dirty="0">
+              <a:solidFill>
+                <a:schemeClr val="tx1"/>
+              </a:solidFill>
+              <a:effectLst/>
+              <a:latin typeface="+mn-lt"/>
+              <a:ea typeface="+mn-ea"/>
+              <a:cs typeface="+mn-cs"/>
+            </a:endParaRPr>
+          </a:p>
+          <a:p>
+            <a:r>
+              <a:rPr lang="en-US" sz="1200" kern="1200" dirty="0">
+                <a:solidFill>
+                  <a:schemeClr val="tx1"/>
+                </a:solidFill>
+                <a:effectLst/>
+                <a:latin typeface="+mn-lt"/>
+                <a:ea typeface="+mn-ea"/>
+                <a:cs typeface="+mn-cs"/>
+              </a:rPr>
+              <a:t>Source Generators Samples - </a:t>
+            </a:r>
+            <a:r>
+              <a:rPr lang="en-US" dirty="0"/>
+              <a:t>https://github.com/dotnet/roslyn-sdk/tree/master/samples/CSharp/SourceGenerators</a:t>
+            </a:r>
+          </a:p>
+          <a:p>
+            <a:r>
+              <a:rPr lang="en-US" sz="1200" kern="1200" dirty="0" err="1">
+                <a:solidFill>
+                  <a:schemeClr val="tx1"/>
+                </a:solidFill>
+                <a:effectLst/>
+                <a:latin typeface="Franklin Gothic Medium" pitchFamily="34" charset="0"/>
+                <a:ea typeface="+mn-ea"/>
+                <a:cs typeface="Arial" charset="0"/>
+              </a:rPr>
+              <a:t>INotifyPropertyChanged</a:t>
+            </a:r>
+            <a:r>
+              <a:rPr lang="en-US" sz="1200" kern="1200" dirty="0">
+                <a:solidFill>
+                  <a:schemeClr val="tx1"/>
+                </a:solidFill>
+                <a:effectLst/>
+                <a:latin typeface="Franklin Gothic Medium" pitchFamily="34" charset="0"/>
+                <a:ea typeface="+mn-ea"/>
+                <a:cs typeface="Arial" charset="0"/>
+              </a:rPr>
+              <a:t> with C# 9.0 Source Generators - </a:t>
+            </a:r>
+            <a:r>
+              <a:rPr lang="en-US" dirty="0"/>
+              <a:t>https://jaylee.org/archive/2020/04/29/notify-property-changed-with-rosyln-generators.html</a:t>
+            </a:r>
+          </a:p>
+          <a:p>
+            <a:r>
+              <a:rPr lang="en-US"/>
+              <a:t>C# Source Generators: Less Boilerplate Code, More Productivity - https</a:t>
+            </a:r>
+            <a:r>
+              <a:rPr lang="en-US" dirty="0"/>
+              <a:t>://dontcodetired.com/blog/post/C-Source-Generators-Less-Boilerplate-Code-More-Productivity</a:t>
+            </a:r>
+            <a:endParaRPr lang="en-US" sz="1200" kern="1200" dirty="0">
+              <a:solidFill>
+                <a:schemeClr val="tx1"/>
+              </a:solidFill>
+              <a:effectLst/>
+              <a:latin typeface="Franklin Gothic Medium" pitchFamily="34" charset="0"/>
+              <a:ea typeface="+mn-ea"/>
+              <a:cs typeface="Arial" charset="0"/>
+            </a:endParaRPr>
+          </a:p>
+          <a:p>
+            <a:endParaRPr lang="en-US" sz="1200" kern="1200" dirty="0">
+              <a:solidFill>
+                <a:schemeClr val="tx1"/>
+              </a:solidFill>
+              <a:effectLst/>
+              <a:latin typeface="Franklin Gothic Medium" pitchFamily="34" charset="0"/>
+              <a:ea typeface="+mn-ea"/>
+              <a:cs typeface="Arial" charset="0"/>
+            </a:endParaRPr>
+          </a:p>
+          <a:p>
+            <a:r>
+              <a:rPr lang="en-US" sz="1200" kern="1200" dirty="0">
+                <a:solidFill>
+                  <a:schemeClr val="tx1"/>
+                </a:solidFill>
+                <a:effectLst/>
+                <a:latin typeface="Franklin Gothic Medium" pitchFamily="34" charset="0"/>
+                <a:ea typeface="+mn-ea"/>
+                <a:cs typeface="Arial" charset="0"/>
+              </a:rPr>
               <a:t>Articles</a:t>
             </a:r>
           </a:p>
@@ -4612,7 +4819,7 @@
           <a:p>
             <a:fld id="{4E8BADB7-1FBB-B74E-B90C-DA1567BD042E}" type="slidenum">
               <a:rPr lang="en-US" smtClean="0"/>
-              <a:t>15</a:t>
+              <a:t>16</a:t>
             </a:fld>
             <a:endParaRPr lang="en-US"/>
           </a:p>
@@ -9308,6 +9515,120 @@
 </file>
 
 <file path=ppt/slides/slide15.xml><?xml version="1.0" encoding="utf-8"?>
+<p:sld xmlns:a="http://schemas.openxmlformats.org/drawingml/2006/main" xmlns:r="http://schemas.openxmlformats.org/officeDocument/2006/relationships" xmlns:p="http://schemas.openxmlformats.org/presentationml/2006/main">
+  <p:cSld>
+    <p:spTree>
+      <p:nvGrpSpPr>
+        <p:cNvPr id="1" name=""/>
+        <p:cNvGrpSpPr/>
+        <p:nvPr/>
+      </p:nvGrpSpPr>
+      <p:grpSpPr>
+        <a:xfrm>
+          <a:off x="0" y="0"/>
+          <a:ext cx="0" cy="0"/>
+          <a:chOff x="0" y="0"/>
+          <a:chExt cx="0" cy="0"/>
+        </a:xfrm>
+      </p:grpSpPr>
+      <p:sp>
+        <p:nvSpPr>
+          <p:cNvPr id="3" name="Title 2"/>
+          <p:cNvSpPr>
+            <a:spLocks noGrp="1"/>
+          </p:cNvSpPr>
+          <p:nvPr>
+            <p:ph type="title"/>
+          </p:nvPr>
+        </p:nvSpPr>
+        <p:spPr/>
+        <p:txBody>
+          <a:bodyPr/>
+          <a:lstStyle/>
+          <a:p>
+            <a:r>
+              <a:rPr lang="en-US" dirty="0"/>
+              <a:t>Source Generators</a:t>
+            </a:r>
+          </a:p>
+        </p:txBody>
+      </p:sp>
+      <p:sp>
+        <p:nvSpPr>
+          <p:cNvPr id="6" name="Rectangle 5"/>
+          <p:cNvSpPr/>
+          <p:nvPr/>
+        </p:nvSpPr>
+        <p:spPr>
+          <a:xfrm>
+            <a:off x="5610225" y="6276894"/>
+            <a:ext cx="6581775" cy="453605"/>
+          </a:xfrm>
+          <a:prstGeom prst="rect">
+            <a:avLst/>
+          </a:prstGeom>
+        </p:spPr>
+        <p:txBody>
+          <a:bodyPr wrap="square" anchor="ctr" anchorCtr="0">
+            <a:noAutofit/>
+          </a:bodyPr>
+          <a:lstStyle/>
+          <a:p>
+            <a:pPr algn="r"/>
+            <a:r>
+              <a:rPr lang="en-US" sz="1200" dirty="0">
+                <a:latin typeface="+mj-lt"/>
+                <a:cs typeface="Calibri" pitchFamily="34" charset="0"/>
+              </a:rPr>
+              <a:t>https://devblogs.microsoft.com/dotnet/introducing-c-source-generators/</a:t>
+            </a:r>
+          </a:p>
+        </p:txBody>
+      </p:sp>
+      <p:pic>
+        <p:nvPicPr>
+          <p:cNvPr id="2" name="Picture 1">
+            <a:extLst>
+              <a:ext uri="{FF2B5EF4-FFF2-40B4-BE49-F238E27FC236}">
+                <a16:creationId xmlns:a16="http://schemas.microsoft.com/office/drawing/2014/main" id="{3EF20BF3-4456-46F0-B3AF-94A78D523D72}"/>
+              </a:ext>
+            </a:extLst>
+          </p:cNvPr>
+          <p:cNvPicPr>
+            <a:picLocks noChangeAspect="1"/>
+          </p:cNvPicPr>
+          <p:nvPr/>
+        </p:nvPicPr>
+        <p:blipFill>
+          <a:blip r:embed="rId3"/>
+          <a:stretch>
+            <a:fillRect/>
+          </a:stretch>
+        </p:blipFill>
+        <p:spPr>
+          <a:xfrm>
+            <a:off x="2080652" y="1099812"/>
+            <a:ext cx="8030696" cy="4658375"/>
+          </a:xfrm>
+          <a:prstGeom prst="rect">
+            <a:avLst/>
+          </a:prstGeom>
+        </p:spPr>
+      </p:pic>
+    </p:spTree>
+    <p:extLst>
+      <p:ext uri="{BB962C8B-B14F-4D97-AF65-F5344CB8AC3E}">
+        <p14:creationId xmlns:p14="http://schemas.microsoft.com/office/powerpoint/2010/main" val="1826738028"/>
+      </p:ext>
+    </p:extLst>
+  </p:cSld>
+  <p:clrMapOvr>
+    <a:masterClrMapping/>
+  </p:clrMapOvr>
+</p:sld>
+</file>
+
+<file path=ppt/slides/slide16.xml><?xml version="1.0" encoding="utf-8"?>
 <p:sld xmlns:a="http://schemas.openxmlformats.org/drawingml/2006/main" xmlns:r="http://schemas.openxmlformats.org/officeDocument/2006/relationships" xmlns:p="http://schemas.openxmlformats.org/presentationml/2006/main">
   <p:cSld>
     <p:spTree>
@@ -11541,28 +11862,6 @@
 </file>
 
 <file path=customXml/item1.xml><?xml version="1.0" encoding="utf-8"?>
-<?mso-contentType ?>
-<FormTemplates xmlns="http://schemas.microsoft.com/sharepoint/v3/contenttype/forms">
-  <Display>DocumentLibraryForm</Display>
-  <Edit>DocumentLibraryForm</Edit>
-  <New>DocumentLibraryForm</New>
-</FormTemplates>
-</file>
-
-<file path=customXml/item2.xml><?xml version="1.0" encoding="utf-8"?>
-<p:properties xmlns:p="http://schemas.microsoft.com/office/2006/metadata/properties" xmlns:xsi="http://www.w3.org/2001/XMLSchema-instance" xmlns:pc="http://schemas.microsoft.com/office/infopath/2007/PartnerControls">
-  <documentManagement>
-    <Company xmlns="f0d6b4bb-fd12-4740-8884-687737dcca9a">Magenic</Company>
-    <Tech_x0020_Used xmlns="f0d6b4bb-fd12-4740-8884-687737dcca9a"/>
-    <Document_x0020_Type xmlns="f0d6b4bb-fd12-4740-8884-687737dcca9a">
-      <Value>Template</Value>
-    </Document_x0020_Type>
-    <Industry_x002f_Vertical xmlns="f0d6b4bb-fd12-4740-8884-687737dcca9a" xsi:nil="true"/>
-  </documentManagement>
-</p:properties>
-</file>
-
-<file path=customXml/item3.xml><?xml version="1.0" encoding="utf-8"?>
 <ct:contentTypeSchema xmlns:ct="http://schemas.microsoft.com/office/2006/metadata/contentType" xmlns:ma="http://schemas.microsoft.com/office/2006/metadata/properties/metaAttributes" ct:_="" ma:_="" ma:contentTypeName="Document" ma:contentTypeID="0x010100FD047A0B1BD8FE45B080D14CD83AD5DB" ma:contentTypeVersion="4" ma:contentTypeDescription="Create a new document." ma:contentTypeScope="" ma:versionID="bb8fe93aa668ed2e9af0b4a91588e96f">
   <xsd:schema xmlns:xsd="http://www.w3.org/2001/XMLSchema" xmlns:xs="http://www.w3.org/2001/XMLSchema" xmlns:p="http://schemas.microsoft.com/office/2006/metadata/properties" xmlns:ns2="f0d6b4bb-fd12-4740-8884-687737dcca9a" targetNamespace="http://schemas.microsoft.com/office/2006/metadata/properties" ma:root="true" ma:fieldsID="9ccf4b7a71e6b6cf55d0a74afbac0ca8" ns2:_="">
     <xsd:import namespace="f0d6b4bb-fd12-4740-8884-687737dcca9a"/>
@@ -11760,10 +12059,42 @@
 </ct:contentTypeSchema>
 </file>
 
+<file path=customXml/item2.xml><?xml version="1.0" encoding="utf-8"?>
+<p:properties xmlns:p="http://schemas.microsoft.com/office/2006/metadata/properties" xmlns:xsi="http://www.w3.org/2001/XMLSchema-instance" xmlns:pc="http://schemas.microsoft.com/office/infopath/2007/PartnerControls">
+  <documentManagement>
+    <Company xmlns="f0d6b4bb-fd12-4740-8884-687737dcca9a">Magenic</Company>
+    <Tech_x0020_Used xmlns="f0d6b4bb-fd12-4740-8884-687737dcca9a"/>
+    <Document_x0020_Type xmlns="f0d6b4bb-fd12-4740-8884-687737dcca9a">
+      <Value>Template</Value>
+    </Document_x0020_Type>
+    <Industry_x002f_Vertical xmlns="f0d6b4bb-fd12-4740-8884-687737dcca9a" xsi:nil="true"/>
+  </documentManagement>
+</p:properties>
+</file>
+
+<file path=customXml/item3.xml><?xml version="1.0" encoding="utf-8"?>
+<?mso-contentType ?>
+<FormTemplates xmlns="http://schemas.microsoft.com/sharepoint/v3/contenttype/forms">
+  <Display>DocumentLibraryForm</Display>
+  <Edit>DocumentLibraryForm</Edit>
+  <New>DocumentLibraryForm</New>
+</FormTemplates>
+</file>
+
 <file path=customXml/itemProps1.xml><?xml version="1.0" encoding="utf-8"?>
-<ds:datastoreItem xmlns:ds="http://schemas.openxmlformats.org/officeDocument/2006/customXml" ds:itemID="{D18D97D8-3C52-47EE-88EC-CF46155D7428}">
+<ds:datastoreItem xmlns:ds="http://schemas.openxmlformats.org/officeDocument/2006/customXml" ds:itemID="{554ECF4A-C03F-4D49-9C40-03179AA8928E}">
   <ds:schemaRefs>
-    <ds:schemaRef ds:uri="http://schemas.microsoft.com/sharepoint/v3/contenttype/forms"/>
+    <ds:schemaRef ds:uri="http://schemas.microsoft.com/office/2006/metadata/contentType"/>
+    <ds:schemaRef ds:uri="http://schemas.microsoft.com/office/2006/metadata/properties/metaAttributes"/>
+    <ds:schemaRef ds:uri="http://www.w3.org/2001/XMLSchema"/>
+    <ds:schemaRef ds:uri="http://schemas.microsoft.com/office/2006/metadata/properties"/>
+    <ds:schemaRef ds:uri="f0d6b4bb-fd12-4740-8884-687737dcca9a"/>
+    <ds:schemaRef ds:uri="http://schemas.microsoft.com/office/2006/documentManagement/types"/>
+    <ds:schemaRef ds:uri="http://schemas.microsoft.com/office/infopath/2007/PartnerControls"/>
+    <ds:schemaRef ds:uri="http://schemas.openxmlformats.org/package/2006/metadata/core-properties"/>
+    <ds:schemaRef ds:uri="http://purl.org/dc/elements/1.1/"/>
+    <ds:schemaRef ds:uri="http://purl.org/dc/terms/"/>
+    <ds:schemaRef ds:uri="http://schemas.microsoft.com/internal/obd"/>
   </ds:schemaRefs>
 </ds:datastoreItem>
 </file>
@@ -11785,19 +12116,9 @@
 </file>
 
 <file path=customXml/itemProps3.xml><?xml version="1.0" encoding="utf-8"?>
-<ds:datastoreItem xmlns:ds="http://schemas.openxmlformats.org/officeDocument/2006/customXml" ds:itemID="{554ECF4A-C03F-4D49-9C40-03179AA8928E}">
+<ds:datastoreItem xmlns:ds="http://schemas.openxmlformats.org/officeDocument/2006/customXml" ds:itemID="{D18D97D8-3C52-47EE-88EC-CF46155D7428}">
   <ds:schemaRefs>
-    <ds:schemaRef ds:uri="http://schemas.microsoft.com/office/2006/metadata/contentType"/>
-    <ds:schemaRef ds:uri="http://schemas.microsoft.com/office/2006/metadata/properties/metaAttributes"/>
-    <ds:schemaRef ds:uri="http://www.w3.org/2001/XMLSchema"/>
-    <ds:schemaRef ds:uri="http://schemas.microsoft.com/office/2006/metadata/properties"/>
-    <ds:schemaRef ds:uri="f0d6b4bb-fd12-4740-8884-687737dcca9a"/>
-    <ds:schemaRef ds:uri="http://schemas.microsoft.com/office/2006/documentManagement/types"/>
-    <ds:schemaRef ds:uri="http://schemas.microsoft.com/office/infopath/2007/PartnerControls"/>
-    <ds:schemaRef ds:uri="http://schemas.openxmlformats.org/package/2006/metadata/core-properties"/>
-    <ds:schemaRef ds:uri="http://purl.org/dc/elements/1.1/"/>
-    <ds:schemaRef ds:uri="http://purl.org/dc/terms/"/>
-    <ds:schemaRef ds:uri="http://schemas.microsoft.com/internal/obd"/>
+    <ds:schemaRef ds:uri="http://schemas.microsoft.com/sharepoint/v3/contenttype/forms"/>
   </ds:schemaRefs>
 </ds:datastoreItem>
 </file>
--- a/Using the Compiler API in Real-World Scenarios.pptx
+++ b/Using the Compiler API in Real-World Scenarios.pptx
@@ -2,28 +2,28 @@
 <file path=ppt/presentation.xml><?xml version="1.0" encoding="utf-8"?>
 <p:presentation xmlns:a="http://schemas.openxmlformats.org/drawingml/2006/main" xmlns:r="http://schemas.openxmlformats.org/officeDocument/2006/relationships" xmlns:p="http://schemas.openxmlformats.org/presentationml/2006/main" saveSubsetFonts="1">
   <p:sldMasterIdLst>
-    <p:sldMasterId id="2147483648" r:id="rId4"/>
+    <p:sldMasterId id="2147483648" r:id="rId1"/>
   </p:sldMasterIdLst>
   <p:notesMasterIdLst>
-    <p:notesMasterId r:id="rId21"/>
+    <p:notesMasterId r:id="rId18"/>
   </p:notesMasterIdLst>
   <p:sldIdLst>
-    <p:sldId id="271" r:id="rId5"/>
-    <p:sldId id="272" r:id="rId6"/>
-    <p:sldId id="273" r:id="rId7"/>
-    <p:sldId id="274" r:id="rId8"/>
-    <p:sldId id="345" r:id="rId9"/>
-    <p:sldId id="275" r:id="rId10"/>
-    <p:sldId id="276" r:id="rId11"/>
-    <p:sldId id="277" r:id="rId12"/>
-    <p:sldId id="278" r:id="rId13"/>
-    <p:sldId id="279" r:id="rId14"/>
-    <p:sldId id="280" r:id="rId15"/>
-    <p:sldId id="281" r:id="rId16"/>
-    <p:sldId id="282" r:id="rId17"/>
-    <p:sldId id="290" r:id="rId18"/>
-    <p:sldId id="346" r:id="rId19"/>
-    <p:sldId id="317" r:id="rId20"/>
+    <p:sldId id="256" r:id="rId2"/>
+    <p:sldId id="257" r:id="rId3"/>
+    <p:sldId id="258" r:id="rId4"/>
+    <p:sldId id="259" r:id="rId5"/>
+    <p:sldId id="339" r:id="rId6"/>
+    <p:sldId id="340" r:id="rId7"/>
+    <p:sldId id="341" r:id="rId8"/>
+    <p:sldId id="342" r:id="rId9"/>
+    <p:sldId id="343" r:id="rId10"/>
+    <p:sldId id="344" r:id="rId11"/>
+    <p:sldId id="345" r:id="rId12"/>
+    <p:sldId id="346" r:id="rId13"/>
+    <p:sldId id="347" r:id="rId14"/>
+    <p:sldId id="348" r:id="rId15"/>
+    <p:sldId id="349" r:id="rId16"/>
+    <p:sldId id="299" r:id="rId17"/>
   </p:sldIdLst>
   <p:sldSz cx="12192000" cy="6858000"/>
   <p:notesSz cx="6858000" cy="9144000"/>
@@ -124,18 +124,7 @@
   </p:defaultTextStyle>
   <p:extLst>
     <p:ext uri="{EFAFB233-063F-42B5-8137-9DF3F51BA10A}">
-      <p15:sldGuideLst xmlns:p15="http://schemas.microsoft.com/office/powerpoint/2012/main">
-        <p15:guide id="1" orient="horz" pos="1872" userDrawn="1">
-          <p15:clr>
-            <a:srgbClr val="A4A3A4"/>
-          </p15:clr>
-        </p15:guide>
-        <p15:guide id="2" pos="3840" userDrawn="1">
-          <p15:clr>
-            <a:srgbClr val="A4A3A4"/>
-          </p15:clr>
-        </p15:guide>
-      </p15:sldGuideLst>
+      <p15:sldGuideLst xmlns:p15="http://schemas.microsoft.com/office/powerpoint/2012/main"/>
     </p:ext>
   </p:extLst>
 </p:presentation>
@@ -1329,12 +1318,12 @@
         </a:fontRef>
       </dsp:style>
       <dsp:txBody>
-        <a:bodyPr spcFirstLastPara="0" vert="horz" wrap="square" lIns="307087" tIns="125730" rIns="234696" bIns="125730" numCol="1" spcCol="1270" anchor="ctr" anchorCtr="0">
+        <a:bodyPr spcFirstLastPara="0" vert="horz" wrap="square" lIns="307087" tIns="121920" rIns="227584" bIns="121920" numCol="1" spcCol="1270" anchor="ctr" anchorCtr="0">
           <a:noAutofit/>
         </a:bodyPr>
         <a:lstStyle/>
         <a:p>
-          <a:pPr marL="0" lvl="0" indent="0" algn="ctr" defTabSz="1466850" rtl="0">
+          <a:pPr marL="0" lvl="0" indent="0" algn="ctr" defTabSz="1422400" rtl="0">
             <a:lnSpc>
               <a:spcPct val="90000"/>
             </a:lnSpc>
@@ -1347,10 +1336,10 @@
             <a:buNone/>
           </a:pPr>
           <a:r>
-            <a:rPr lang="en-US" sz="3300" kern="1200" dirty="0" err="1"/>
+            <a:rPr lang="en-US" sz="3200" kern="1200" dirty="0" err="1"/>
             <a:t>Resharper</a:t>
           </a:r>
-          <a:endParaRPr lang="en-US" sz="3300" kern="1200" dirty="0"/>
+          <a:endParaRPr lang="en-US" sz="3200" kern="1200" dirty="0"/>
         </a:p>
       </dsp:txBody>
       <dsp:txXfrm rot="10800000">
@@ -1454,12 +1443,12 @@
         </a:fontRef>
       </dsp:style>
       <dsp:txBody>
-        <a:bodyPr spcFirstLastPara="0" vert="horz" wrap="square" lIns="307087" tIns="125730" rIns="234696" bIns="125730" numCol="1" spcCol="1270" anchor="ctr" anchorCtr="0">
+        <a:bodyPr spcFirstLastPara="0" vert="horz" wrap="square" lIns="307087" tIns="121920" rIns="227584" bIns="121920" numCol="1" spcCol="1270" anchor="ctr" anchorCtr="0">
           <a:noAutofit/>
         </a:bodyPr>
         <a:lstStyle/>
         <a:p>
-          <a:pPr marL="0" lvl="0" indent="0" algn="ctr" defTabSz="1466850">
+          <a:pPr marL="0" lvl="0" indent="0" algn="ctr" defTabSz="1422400">
             <a:lnSpc>
               <a:spcPct val="90000"/>
             </a:lnSpc>
@@ -1472,10 +1461,10 @@
             <a:buNone/>
           </a:pPr>
           <a:r>
-            <a:rPr lang="en-US" sz="3300" kern="1200" dirty="0" err="1"/>
+            <a:rPr lang="en-US" sz="3200" kern="1200" dirty="0" err="1"/>
             <a:t>CodeRush</a:t>
           </a:r>
-          <a:endParaRPr lang="en-US" sz="3300" kern="1200" dirty="0"/>
+          <a:endParaRPr lang="en-US" sz="3200" kern="1200" dirty="0"/>
         </a:p>
       </dsp:txBody>
       <dsp:txXfrm rot="10800000">
@@ -1579,12 +1568,12 @@
         </a:fontRef>
       </dsp:style>
       <dsp:txBody>
-        <a:bodyPr spcFirstLastPara="0" vert="horz" wrap="square" lIns="307087" tIns="125730" rIns="234696" bIns="125730" numCol="1" spcCol="1270" anchor="ctr" anchorCtr="0">
+        <a:bodyPr spcFirstLastPara="0" vert="horz" wrap="square" lIns="307087" tIns="121920" rIns="227584" bIns="121920" numCol="1" spcCol="1270" anchor="ctr" anchorCtr="0">
           <a:noAutofit/>
         </a:bodyPr>
         <a:lstStyle/>
         <a:p>
-          <a:pPr marL="0" lvl="0" indent="0" algn="ctr" defTabSz="1466850" rtl="0">
+          <a:pPr marL="0" lvl="0" indent="0" algn="ctr" defTabSz="1422400" rtl="0">
             <a:lnSpc>
               <a:spcPct val="90000"/>
             </a:lnSpc>
@@ -1597,7 +1586,7 @@
             <a:buNone/>
           </a:pPr>
           <a:r>
-            <a:rPr lang="en-US" sz="3300" kern="1200"/>
+            <a:rPr lang="en-US" sz="3200" kern="1200"/>
             <a:t>SharpDevelop</a:t>
           </a:r>
         </a:p>
@@ -1703,12 +1692,12 @@
         </a:fontRef>
       </dsp:style>
       <dsp:txBody>
-        <a:bodyPr spcFirstLastPara="0" vert="horz" wrap="square" lIns="307087" tIns="125730" rIns="234696" bIns="125730" numCol="1" spcCol="1270" anchor="ctr" anchorCtr="0">
+        <a:bodyPr spcFirstLastPara="0" vert="horz" wrap="square" lIns="307087" tIns="121920" rIns="227584" bIns="121920" numCol="1" spcCol="1270" anchor="ctr" anchorCtr="0">
           <a:noAutofit/>
         </a:bodyPr>
         <a:lstStyle/>
         <a:p>
-          <a:pPr marL="0" lvl="0" indent="0" algn="ctr" defTabSz="1466850" rtl="0">
+          <a:pPr marL="0" lvl="0" indent="0" algn="ctr" defTabSz="1422400" rtl="0">
             <a:lnSpc>
               <a:spcPct val="90000"/>
             </a:lnSpc>
@@ -1721,7 +1710,7 @@
             <a:buNone/>
           </a:pPr>
           <a:r>
-            <a:rPr lang="en-US" sz="3300" kern="1200"/>
+            <a:rPr lang="en-US" sz="3200" kern="1200"/>
             <a:t>NCover</a:t>
           </a:r>
         </a:p>
@@ -1827,12 +1816,12 @@
         </a:fontRef>
       </dsp:style>
       <dsp:txBody>
-        <a:bodyPr spcFirstLastPara="0" vert="horz" wrap="square" lIns="307087" tIns="125730" rIns="234696" bIns="125730" numCol="1" spcCol="1270" anchor="ctr" anchorCtr="0">
+        <a:bodyPr spcFirstLastPara="0" vert="horz" wrap="square" lIns="307087" tIns="121920" rIns="227584" bIns="121920" numCol="1" spcCol="1270" anchor="ctr" anchorCtr="0">
           <a:noAutofit/>
         </a:bodyPr>
         <a:lstStyle/>
         <a:p>
-          <a:pPr marL="0" lvl="0" indent="0" algn="ctr" defTabSz="1466850" rtl="0">
+          <a:pPr marL="0" lvl="0" indent="0" algn="ctr" defTabSz="1422400" rtl="0">
             <a:lnSpc>
               <a:spcPct val="90000"/>
             </a:lnSpc>
@@ -1845,7 +1834,7 @@
             <a:buNone/>
           </a:pPr>
           <a:r>
-            <a:rPr lang="en-US" sz="3300" kern="1200"/>
+            <a:rPr lang="en-US" sz="3200" kern="1200"/>
             <a:t>NDepend</a:t>
           </a:r>
         </a:p>
@@ -3137,7 +3126,7 @@
         <p:spPr>
           <a:xfrm>
             <a:off x="0" y="0"/>
-            <a:ext cx="2971800" cy="457200"/>
+            <a:ext cx="2971800" cy="458788"/>
           </a:xfrm>
           <a:prstGeom prst="rect">
             <a:avLst/>
@@ -3168,7 +3157,7 @@
         <p:spPr>
           <a:xfrm>
             <a:off x="3884613" y="0"/>
-            <a:ext cx="2971800" cy="457200"/>
+            <a:ext cx="2971800" cy="458788"/>
           </a:xfrm>
           <a:prstGeom prst="rect">
             <a:avLst/>
@@ -3182,9 +3171,9 @@
             </a:lvl1pPr>
           </a:lstStyle>
           <a:p>
-            <a:fld id="{9ECE5BDF-9B7E-3646-B6C9-FC2C3E116129}" type="datetimeFigureOut">
+            <a:fld id="{3BF7900A-5984-4627-90CC-DA4A16B17B42}" type="datetimeFigureOut">
               <a:rPr lang="en-US" smtClean="0"/>
-              <a:t>5/12/2020</a:t>
+              <a:t>6/8/2020</a:t>
             </a:fld>
             <a:endParaRPr lang="en-US"/>
           </a:p>
@@ -3202,8 +3191,8 @@
         </p:nvSpPr>
         <p:spPr>
           <a:xfrm>
-            <a:off x="381000" y="685800"/>
-            <a:ext cx="6096000" cy="3429000"/>
+            <a:off x="685800" y="1143000"/>
+            <a:ext cx="5486400" cy="3086100"/>
           </a:xfrm>
           <a:prstGeom prst="rect">
             <a:avLst/>
@@ -3235,8 +3224,8 @@
         </p:nvSpPr>
         <p:spPr>
           <a:xfrm>
-            <a:off x="685800" y="4343400"/>
-            <a:ext cx="5486400" cy="4114800"/>
+            <a:off x="685800" y="4400550"/>
+            <a:ext cx="5486400" cy="3600450"/>
           </a:xfrm>
           <a:prstGeom prst="rect">
             <a:avLst/>
@@ -3295,7 +3284,7 @@
         <p:spPr>
           <a:xfrm>
             <a:off x="0" y="8685213"/>
-            <a:ext cx="2971800" cy="457200"/>
+            <a:ext cx="2971800" cy="458787"/>
           </a:xfrm>
           <a:prstGeom prst="rect">
             <a:avLst/>
@@ -3326,7 +3315,7 @@
         <p:spPr>
           <a:xfrm>
             <a:off x="3884613" y="8685213"/>
-            <a:ext cx="2971800" cy="457200"/>
+            <a:ext cx="2971800" cy="458787"/>
           </a:xfrm>
           <a:prstGeom prst="rect">
             <a:avLst/>
@@ -3340,7 +3329,7 @@
             </a:lvl1pPr>
           </a:lstStyle>
           <a:p>
-            <a:fld id="{4E8BADB7-1FBB-B74E-B90C-DA1567BD042E}" type="slidenum">
+            <a:fld id="{DE7031FE-F148-41F2-AA91-6C6E1601A8AB}" type="slidenum">
               <a:rPr lang="en-US" smtClean="0"/>
               <a:t>‹#›</a:t>
             </a:fld>
@@ -3351,13 +3340,13 @@
     </p:spTree>
     <p:extLst>
       <p:ext uri="{BB962C8B-B14F-4D97-AF65-F5344CB8AC3E}">
-        <p14:creationId xmlns:p14="http://schemas.microsoft.com/office/powerpoint/2010/main" val="970338898"/>
+        <p14:creationId xmlns:p14="http://schemas.microsoft.com/office/powerpoint/2010/main" val="2224135332"/>
       </p:ext>
     </p:extLst>
   </p:cSld>
   <p:clrMap bg1="lt1" tx1="dk1" bg2="lt2" tx2="dk2" accent1="accent1" accent2="accent2" accent3="accent3" accent4="accent4" accent5="accent5" accent6="accent6" hlink="hlink" folHlink="folHlink"/>
   <p:notesStyle>
-    <a:lvl1pPr marL="0" algn="l" defTabSz="457200" rtl="0" eaLnBrk="1" latinLnBrk="0" hangingPunct="1">
+    <a:lvl1pPr marL="0" algn="l" defTabSz="914400" rtl="0" eaLnBrk="1" latinLnBrk="0" hangingPunct="1">
       <a:defRPr sz="1200" kern="1200">
         <a:solidFill>
           <a:schemeClr val="tx1"/>
@@ -3367,7 +3356,7 @@
         <a:cs typeface="+mn-cs"/>
       </a:defRPr>
     </a:lvl1pPr>
-    <a:lvl2pPr marL="457200" algn="l" defTabSz="457200" rtl="0" eaLnBrk="1" latinLnBrk="0" hangingPunct="1">
+    <a:lvl2pPr marL="457200" algn="l" defTabSz="914400" rtl="0" eaLnBrk="1" latinLnBrk="0" hangingPunct="1">
       <a:defRPr sz="1200" kern="1200">
         <a:solidFill>
           <a:schemeClr val="tx1"/>
@@ -3377,7 +3366,7 @@
         <a:cs typeface="+mn-cs"/>
       </a:defRPr>
     </a:lvl2pPr>
-    <a:lvl3pPr marL="914400" algn="l" defTabSz="457200" rtl="0" eaLnBrk="1" latinLnBrk="0" hangingPunct="1">
+    <a:lvl3pPr marL="914400" algn="l" defTabSz="914400" rtl="0" eaLnBrk="1" latinLnBrk="0" hangingPunct="1">
       <a:defRPr sz="1200" kern="1200">
         <a:solidFill>
           <a:schemeClr val="tx1"/>
@@ -3387,7 +3376,7 @@
         <a:cs typeface="+mn-cs"/>
       </a:defRPr>
     </a:lvl3pPr>
-    <a:lvl4pPr marL="1371600" algn="l" defTabSz="457200" rtl="0" eaLnBrk="1" latinLnBrk="0" hangingPunct="1">
+    <a:lvl4pPr marL="1371600" algn="l" defTabSz="914400" rtl="0" eaLnBrk="1" latinLnBrk="0" hangingPunct="1">
       <a:defRPr sz="1200" kern="1200">
         <a:solidFill>
           <a:schemeClr val="tx1"/>
@@ -3397,7 +3386,7 @@
         <a:cs typeface="+mn-cs"/>
       </a:defRPr>
     </a:lvl4pPr>
-    <a:lvl5pPr marL="1828800" algn="l" defTabSz="457200" rtl="0" eaLnBrk="1" latinLnBrk="0" hangingPunct="1">
+    <a:lvl5pPr marL="1828800" algn="l" defTabSz="914400" rtl="0" eaLnBrk="1" latinLnBrk="0" hangingPunct="1">
       <a:defRPr sz="1200" kern="1200">
         <a:solidFill>
           <a:schemeClr val="tx1"/>
@@ -3407,7 +3396,7 @@
         <a:cs typeface="+mn-cs"/>
       </a:defRPr>
     </a:lvl5pPr>
-    <a:lvl6pPr marL="2286000" algn="l" defTabSz="457200" rtl="0" eaLnBrk="1" latinLnBrk="0" hangingPunct="1">
+    <a:lvl6pPr marL="2286000" algn="l" defTabSz="914400" rtl="0" eaLnBrk="1" latinLnBrk="0" hangingPunct="1">
       <a:defRPr sz="1200" kern="1200">
         <a:solidFill>
           <a:schemeClr val="tx1"/>
@@ -3417,7 +3406,7 @@
         <a:cs typeface="+mn-cs"/>
       </a:defRPr>
     </a:lvl6pPr>
-    <a:lvl7pPr marL="2743200" algn="l" defTabSz="457200" rtl="0" eaLnBrk="1" latinLnBrk="0" hangingPunct="1">
+    <a:lvl7pPr marL="2743200" algn="l" defTabSz="914400" rtl="0" eaLnBrk="1" latinLnBrk="0" hangingPunct="1">
       <a:defRPr sz="1200" kern="1200">
         <a:solidFill>
           <a:schemeClr val="tx1"/>
@@ -3427,7 +3416,7 @@
         <a:cs typeface="+mn-cs"/>
       </a:defRPr>
     </a:lvl7pPr>
-    <a:lvl8pPr marL="3200400" algn="l" defTabSz="457200" rtl="0" eaLnBrk="1" latinLnBrk="0" hangingPunct="1">
+    <a:lvl8pPr marL="3200400" algn="l" defTabSz="914400" rtl="0" eaLnBrk="1" latinLnBrk="0" hangingPunct="1">
       <a:defRPr sz="1200" kern="1200">
         <a:solidFill>
           <a:schemeClr val="tx1"/>
@@ -3437,7 +3426,7 @@
         <a:cs typeface="+mn-cs"/>
       </a:defRPr>
     </a:lvl8pPr>
-    <a:lvl9pPr marL="3657600" algn="l" defTabSz="457200" rtl="0" eaLnBrk="1" latinLnBrk="0" hangingPunct="1">
+    <a:lvl9pPr marL="3657600" algn="l" defTabSz="914400" rtl="0" eaLnBrk="1" latinLnBrk="0" hangingPunct="1">
       <a:defRPr sz="1200" kern="1200">
         <a:solidFill>
           <a:schemeClr val="tx1"/>
@@ -3495,6 +3484,31 @@
           <a:bodyPr/>
           <a:lstStyle/>
           <a:p>
+            <a:pPr marL="0" marR="0" indent="0" algn="l" defTabSz="457200" rtl="0" eaLnBrk="1" fontAlgn="auto" latinLnBrk="0" hangingPunct="1">
+              <a:lnSpc>
+                <a:spcPct val="100000"/>
+              </a:lnSpc>
+              <a:spcBef>
+                <a:spcPts val="0"/>
+              </a:spcBef>
+              <a:spcAft>
+                <a:spcPts val="0"/>
+              </a:spcAft>
+              <a:buClrTx/>
+              <a:buSzTx/>
+              <a:buFontTx/>
+              <a:buNone/>
+              <a:tabLst/>
+              <a:defRPr/>
+            </a:pPr>
+            <a:r>
+              <a:rPr lang="en-US" dirty="0"/>
+              <a:t>Traditionally,</a:t>
+            </a:r>
+            <a:r>
+              <a:rPr lang="en-US" baseline="0" dirty="0"/>
+              <a:t> compilers have been black boxes. You don’t have access to their internals.</a:t>
+            </a:r>
             <a:endParaRPr lang="en-US" dirty="0"/>
           </a:p>
         </p:txBody>
@@ -3506,7 +3520,7 @@
             <a:spLocks noGrp="1"/>
           </p:cNvSpPr>
           <p:nvPr>
-            <p:ph type="sldNum" sz="quarter" idx="10"/>
+            <p:ph type="sldNum" sz="quarter" idx="5"/>
           </p:nvPr>
         </p:nvSpPr>
         <p:spPr/>
@@ -3514,9 +3528,9 @@
           <a:bodyPr/>
           <a:lstStyle/>
           <a:p>
-            <a:fld id="{4E8BADB7-1FBB-B74E-B90C-DA1567BD042E}" type="slidenum">
+            <a:fld id="{DE7031FE-F148-41F2-AA91-6C6E1601A8AB}" type="slidenum">
               <a:rPr lang="en-US" smtClean="0"/>
-              <a:t>1</a:t>
+              <a:t>5</a:t>
             </a:fld>
             <a:endParaRPr lang="en-US"/>
           </a:p>
@@ -3525,7 +3539,7 @@
     </p:spTree>
     <p:extLst>
       <p:ext uri="{BB962C8B-B14F-4D97-AF65-F5344CB8AC3E}">
-        <p14:creationId xmlns:p14="http://schemas.microsoft.com/office/powerpoint/2010/main" val="1805136064"/>
+        <p14:creationId xmlns:p14="http://schemas.microsoft.com/office/powerpoint/2010/main" val="3083665989"/>
       </p:ext>
     </p:extLst>
   </p:cSld>
@@ -3581,14 +3595,43 @@
           <a:p>
             <a:r>
               <a:rPr lang="en-US" dirty="0"/>
-              <a:t>That’s the intent of Project</a:t>
-            </a:r>
-            <a:r>
-              <a:rPr lang="en-US" baseline="0" dirty="0"/>
-              <a:t> Roslyn: to provide all of that to you as a .NET API.</a:t>
-            </a:r>
+              <a:t>We’ll look at three usages:</a:t>
+            </a:r>
+          </a:p>
+          <a:p>
             <a:endParaRPr lang="en-US" dirty="0"/>
           </a:p>
+          <a:p>
+            <a:r>
+              <a:rPr lang="en-US" dirty="0"/>
+              <a:t>Analyzers: CSLA</a:t>
+            </a:r>
+          </a:p>
+          <a:p>
+            <a:r>
+              <a:rPr lang="en-US" dirty="0"/>
+              <a:t>Refactoring: </a:t>
+            </a:r>
+            <a:r>
+              <a:rPr lang="en-US" dirty="0" err="1"/>
+              <a:t>AutoArrange</a:t>
+            </a:r>
+            <a:endParaRPr lang="en-US" dirty="0"/>
+          </a:p>
+          <a:p>
+            <a:r>
+              <a:rPr lang="en-US" dirty="0"/>
+              <a:t>Code Generation: Rocks and </a:t>
+            </a:r>
+            <a:r>
+              <a:rPr lang="en-US" dirty="0" err="1"/>
+              <a:t>EditorConfigGenerator</a:t>
+            </a:r>
+            <a:endParaRPr lang="en-US" dirty="0"/>
+          </a:p>
+          <a:p>
+            <a:endParaRPr lang="en-US" dirty="0"/>
+          </a:p>
         </p:txBody>
       </p:sp>
       <p:sp>
@@ -3598,7 +3641,7 @@
             <a:spLocks noGrp="1"/>
           </p:cNvSpPr>
           <p:nvPr>
-            <p:ph type="sldNum" sz="quarter" idx="10"/>
+            <p:ph type="sldNum" sz="quarter" idx="5"/>
           </p:nvPr>
         </p:nvSpPr>
         <p:spPr/>
@@ -3606,9 +3649,9 @@
           <a:bodyPr/>
           <a:lstStyle/>
           <a:p>
-            <a:fld id="{4E8BADB7-1FBB-B74E-B90C-DA1567BD042E}" type="slidenum">
+            <a:fld id="{DE7031FE-F148-41F2-AA91-6C6E1601A8AB}" type="slidenum">
               <a:rPr lang="en-US" smtClean="0"/>
-              <a:t>13</a:t>
+              <a:t>14</a:t>
             </a:fld>
             <a:endParaRPr lang="en-US"/>
           </a:p>
@@ -3617,7 +3660,7 @@
     </p:spTree>
     <p:extLst>
       <p:ext uri="{BB962C8B-B14F-4D97-AF65-F5344CB8AC3E}">
-        <p14:creationId xmlns:p14="http://schemas.microsoft.com/office/powerpoint/2010/main" val="3440909251"/>
+        <p14:creationId xmlns:p14="http://schemas.microsoft.com/office/powerpoint/2010/main" val="1102670492"/>
       </p:ext>
     </p:extLst>
   </p:cSld>
@@ -3673,39 +3716,8 @@
           <a:p>
             <a:r>
               <a:rPr lang="en-US" dirty="0"/>
-              <a:t>We’ll look at three usages:</a:t>
-            </a:r>
-          </a:p>
-          <a:p>
-            <a:endParaRPr lang="en-US" dirty="0"/>
-          </a:p>
-          <a:p>
-            <a:r>
-              <a:rPr lang="en-US" dirty="0"/>
-              <a:t>Analyzers: CSLA</a:t>
-            </a:r>
-          </a:p>
-          <a:p>
-            <a:r>
-              <a:rPr lang="en-US" dirty="0"/>
-              <a:t>Refactoring: </a:t>
-            </a:r>
-            <a:r>
-              <a:rPr lang="en-US" dirty="0" err="1"/>
-              <a:t>AutoArrange</a:t>
-            </a:r>
-            <a:endParaRPr lang="en-US" dirty="0"/>
-          </a:p>
-          <a:p>
-            <a:r>
-              <a:rPr lang="en-US" dirty="0"/>
-              <a:t>Code Generation: Rocks and </a:t>
-            </a:r>
-            <a:r>
-              <a:rPr lang="en-US" dirty="0" err="1"/>
-              <a:t>EditorConfigGenerator</a:t>
-            </a:r>
-            <a:endParaRPr lang="en-US" dirty="0"/>
+              <a:t>This is (probably) coming in C#9. Dive in!</a:t>
+            </a:r>
           </a:p>
         </p:txBody>
       </p:sp>
@@ -3716,7 +3728,7 @@
             <a:spLocks noGrp="1"/>
           </p:cNvSpPr>
           <p:nvPr>
-            <p:ph type="sldNum" sz="quarter" idx="10"/>
+            <p:ph type="sldNum" sz="quarter" idx="5"/>
           </p:nvPr>
         </p:nvSpPr>
         <p:spPr/>
@@ -3724,9 +3736,9 @@
           <a:bodyPr/>
           <a:lstStyle/>
           <a:p>
-            <a:fld id="{4E8BADB7-1FBB-B74E-B90C-DA1567BD042E}" type="slidenum">
+            <a:fld id="{DE7031FE-F148-41F2-AA91-6C6E1601A8AB}" type="slidenum">
               <a:rPr lang="en-US" smtClean="0"/>
-              <a:t>14</a:t>
+              <a:t>15</a:t>
             </a:fld>
             <a:endParaRPr lang="en-US"/>
           </a:p>
@@ -3735,7 +3747,7 @@
     </p:spTree>
     <p:extLst>
       <p:ext uri="{BB962C8B-B14F-4D97-AF65-F5344CB8AC3E}">
-        <p14:creationId xmlns:p14="http://schemas.microsoft.com/office/powerpoint/2010/main" val="972434670"/>
+        <p14:creationId xmlns:p14="http://schemas.microsoft.com/office/powerpoint/2010/main" val="2598717079"/>
       </p:ext>
     </p:extLst>
   </p:cSld>
@@ -3790,93 +3802,6 @@
           <a:lstStyle/>
           <a:p>
             <a:r>
-              <a:rPr lang="en-US" dirty="0"/>
-              <a:t>This is (probably) coming in C#9. Dive in!</a:t>
-            </a:r>
-          </a:p>
-        </p:txBody>
-      </p:sp>
-      <p:sp>
-        <p:nvSpPr>
-          <p:cNvPr id="4" name="Slide Number Placeholder 3"/>
-          <p:cNvSpPr>
-            <a:spLocks noGrp="1"/>
-          </p:cNvSpPr>
-          <p:nvPr>
-            <p:ph type="sldNum" sz="quarter" idx="10"/>
-          </p:nvPr>
-        </p:nvSpPr>
-        <p:spPr/>
-        <p:txBody>
-          <a:bodyPr/>
-          <a:lstStyle/>
-          <a:p>
-            <a:fld id="{4E8BADB7-1FBB-B74E-B90C-DA1567BD042E}" type="slidenum">
-              <a:rPr lang="en-US" smtClean="0"/>
-              <a:t>15</a:t>
-            </a:fld>
-            <a:endParaRPr lang="en-US"/>
-          </a:p>
-        </p:txBody>
-      </p:sp>
-    </p:spTree>
-    <p:extLst>
-      <p:ext uri="{BB962C8B-B14F-4D97-AF65-F5344CB8AC3E}">
-        <p14:creationId xmlns:p14="http://schemas.microsoft.com/office/powerpoint/2010/main" val="3412222013"/>
-      </p:ext>
-    </p:extLst>
-  </p:cSld>
-  <p:clrMapOvr>
-    <a:masterClrMapping/>
-  </p:clrMapOvr>
-</p:notes>
-</file>
-
-<file path=ppt/notesSlides/notesSlide13.xml><?xml version="1.0" encoding="utf-8"?>
-<p:notes xmlns:a="http://schemas.openxmlformats.org/drawingml/2006/main" xmlns:r="http://schemas.openxmlformats.org/officeDocument/2006/relationships" xmlns:p="http://schemas.openxmlformats.org/presentationml/2006/main">
-  <p:cSld>
-    <p:spTree>
-      <p:nvGrpSpPr>
-        <p:cNvPr id="1" name=""/>
-        <p:cNvGrpSpPr/>
-        <p:nvPr/>
-      </p:nvGrpSpPr>
-      <p:grpSpPr>
-        <a:xfrm>
-          <a:off x="0" y="0"/>
-          <a:ext cx="0" cy="0"/>
-          <a:chOff x="0" y="0"/>
-          <a:chExt cx="0" cy="0"/>
-        </a:xfrm>
-      </p:grpSpPr>
-      <p:sp>
-        <p:nvSpPr>
-          <p:cNvPr id="2" name="Slide Image Placeholder 1"/>
-          <p:cNvSpPr>
-            <a:spLocks noGrp="1" noRot="1" noChangeAspect="1"/>
-          </p:cNvSpPr>
-          <p:nvPr>
-            <p:ph type="sldImg"/>
-          </p:nvPr>
-        </p:nvSpPr>
-        <p:spPr/>
-      </p:sp>
-      <p:sp>
-        <p:nvSpPr>
-          <p:cNvPr id="3" name="Notes Placeholder 2"/>
-          <p:cNvSpPr>
-            <a:spLocks noGrp="1"/>
-          </p:cNvSpPr>
-          <p:nvPr>
-            <p:ph type="body" idx="1"/>
-          </p:nvPr>
-        </p:nvSpPr>
-        <p:spPr/>
-        <p:txBody>
-          <a:bodyPr/>
-          <a:lstStyle/>
-          <a:p>
-            <a:r>
               <a:rPr lang="en-US" sz="1200" kern="1200" dirty="0">
                 <a:solidFill>
                   <a:schemeClr val="tx1"/>
@@ -4044,12 +3969,8 @@
           </a:p>
           <a:p>
             <a:r>
-              <a:rPr lang="en-US"/>
-              <a:t>C# Source Generators: Less Boilerplate Code, More Productivity - https</a:t>
-            </a:r>
-            <a:r>
               <a:rPr lang="en-US" dirty="0"/>
-              <a:t>://dontcodetired.com/blog/post/C-Source-Generators-Less-Boilerplate-Code-More-Productivity</a:t>
+              <a:t>C# Source Generators: Less Boilerplate Code, More Productivity - https://dontcodetired.com/blog/post/C-Source-Generators-Less-Boilerplate-Code-More-Productivity</a:t>
             </a:r>
             <a:endParaRPr lang="en-US" sz="1200" kern="1200" dirty="0">
               <a:solidFill>
@@ -4779,6 +4700,17 @@
             </a:r>
           </a:p>
           <a:p>
+            <a:endParaRPr lang="en-US" sz="1200" kern="1200">
+              <a:solidFill>
+                <a:schemeClr val="tx1"/>
+              </a:solidFill>
+              <a:effectLst/>
+              <a:latin typeface="Franklin Gothic Medium" pitchFamily="34" charset="0"/>
+              <a:ea typeface="+mn-ea"/>
+              <a:cs typeface="Arial" charset="0"/>
+            </a:endParaRPr>
+          </a:p>
+          <a:p>
             <a:endParaRPr lang="en-US" sz="1200" kern="1200" dirty="0">
               <a:solidFill>
                 <a:schemeClr val="tx1"/>
@@ -4789,17 +4721,6 @@
               <a:cs typeface="Arial" charset="0"/>
             </a:endParaRPr>
           </a:p>
-          <a:p>
-            <a:endParaRPr lang="en-US" sz="1200" kern="1200" dirty="0">
-              <a:solidFill>
-                <a:schemeClr val="tx1"/>
-              </a:solidFill>
-              <a:effectLst/>
-              <a:latin typeface="Franklin Gothic Medium" pitchFamily="34" charset="0"/>
-              <a:ea typeface="+mn-ea"/>
-              <a:cs typeface="Arial" charset="0"/>
-            </a:endParaRPr>
-          </a:p>
         </p:txBody>
       </p:sp>
       <p:sp>
@@ -4809,7 +4730,7 @@
             <a:spLocks noGrp="1"/>
           </p:cNvSpPr>
           <p:nvPr>
-            <p:ph type="sldNum" sz="quarter" idx="10"/>
+            <p:ph type="sldNum" sz="quarter" idx="5"/>
           </p:nvPr>
         </p:nvSpPr>
         <p:spPr/>
@@ -4817,7 +4738,7 @@
           <a:bodyPr/>
           <a:lstStyle/>
           <a:p>
-            <a:fld id="{4E8BADB7-1FBB-B74E-B90C-DA1567BD042E}" type="slidenum">
+            <a:fld id="{DE7031FE-F148-41F2-AA91-6C6E1601A8AB}" type="slidenum">
               <a:rPr lang="en-US" smtClean="0"/>
               <a:t>16</a:t>
             </a:fld>
@@ -4828,7 +4749,7 @@
     </p:spTree>
     <p:extLst>
       <p:ext uri="{BB962C8B-B14F-4D97-AF65-F5344CB8AC3E}">
-        <p14:creationId xmlns:p14="http://schemas.microsoft.com/office/powerpoint/2010/main" val="487741135"/>
+        <p14:creationId xmlns:p14="http://schemas.microsoft.com/office/powerpoint/2010/main" val="2858248927"/>
       </p:ext>
     </p:extLst>
   </p:cSld>
@@ -4901,11 +4822,11 @@
             </a:pPr>
             <a:r>
               <a:rPr lang="en-US" dirty="0"/>
-              <a:t>Traditionally,</a:t>
+              <a:t>This is definitely true of the .NET world.</a:t>
             </a:r>
             <a:r>
               <a:rPr lang="en-US" baseline="0" dirty="0"/>
-              <a:t> compilers have been black boxes. You don’t have access to their internals.</a:t>
+              <a:t> You give the compiler a bunch of code files and other assets, and the compiler magically turns that into a file that contains executable code.</a:t>
             </a:r>
             <a:endParaRPr lang="en-US" dirty="0"/>
           </a:p>
@@ -4918,7 +4839,7 @@
             <a:spLocks noGrp="1"/>
           </p:cNvSpPr>
           <p:nvPr>
-            <p:ph type="sldNum" sz="quarter" idx="10"/>
+            <p:ph type="sldNum" sz="quarter" idx="5"/>
           </p:nvPr>
         </p:nvSpPr>
         <p:spPr/>
@@ -4926,9 +4847,9 @@
           <a:bodyPr/>
           <a:lstStyle/>
           <a:p>
-            <a:fld id="{4E8BADB7-1FBB-B74E-B90C-DA1567BD042E}" type="slidenum">
+            <a:fld id="{DE7031FE-F148-41F2-AA91-6C6E1601A8AB}" type="slidenum">
               <a:rPr lang="en-US" smtClean="0"/>
-              <a:t>5</a:t>
+              <a:t>6</a:t>
             </a:fld>
             <a:endParaRPr lang="en-US"/>
           </a:p>
@@ -4937,7 +4858,7 @@
     </p:spTree>
     <p:extLst>
       <p:ext uri="{BB962C8B-B14F-4D97-AF65-F5344CB8AC3E}">
-        <p14:creationId xmlns:p14="http://schemas.microsoft.com/office/powerpoint/2010/main" val="2421453082"/>
+        <p14:creationId xmlns:p14="http://schemas.microsoft.com/office/powerpoint/2010/main" val="221612311"/>
       </p:ext>
     </p:extLst>
   </p:cSld>
@@ -4991,30 +4912,13 @@
           <a:bodyPr/>
           <a:lstStyle/>
           <a:p>
-            <a:pPr marL="0" marR="0" indent="0" algn="l" defTabSz="457200" rtl="0" eaLnBrk="1" fontAlgn="auto" latinLnBrk="0" hangingPunct="1">
-              <a:lnSpc>
-                <a:spcPct val="100000"/>
-              </a:lnSpc>
-              <a:spcBef>
-                <a:spcPts val="0"/>
-              </a:spcBef>
-              <a:spcAft>
-                <a:spcPts val="0"/>
-              </a:spcAft>
-              <a:buClrTx/>
-              <a:buSzTx/>
-              <a:buFontTx/>
-              <a:buNone/>
-              <a:tabLst/>
-              <a:defRPr/>
-            </a:pPr>
             <a:r>
               <a:rPr lang="en-US" dirty="0"/>
-              <a:t>This is definitely true of the .NET world.</a:t>
+              <a:t>You</a:t>
             </a:r>
             <a:r>
               <a:rPr lang="en-US" baseline="0" dirty="0"/>
-              <a:t> You give the compiler a bunch of code files and other assets, and the compiler magically turns that into a file that contains executable code.</a:t>
+              <a:t> have very little control over the current .NET compiler. You can pass in some switches, but they’re not very interactive.</a:t>
             </a:r>
             <a:endParaRPr lang="en-US" dirty="0"/>
           </a:p>
@@ -5027,7 +4931,7 @@
             <a:spLocks noGrp="1"/>
           </p:cNvSpPr>
           <p:nvPr>
-            <p:ph type="sldNum" sz="quarter" idx="10"/>
+            <p:ph type="sldNum" sz="quarter" idx="5"/>
           </p:nvPr>
         </p:nvSpPr>
         <p:spPr/>
@@ -5035,9 +4939,9 @@
           <a:bodyPr/>
           <a:lstStyle/>
           <a:p>
-            <a:fld id="{4E8BADB7-1FBB-B74E-B90C-DA1567BD042E}" type="slidenum">
+            <a:fld id="{DE7031FE-F148-41F2-AA91-6C6E1601A8AB}" type="slidenum">
               <a:rPr lang="en-US" smtClean="0"/>
-              <a:t>6</a:t>
+              <a:t>7</a:t>
             </a:fld>
             <a:endParaRPr lang="en-US"/>
           </a:p>
@@ -5046,7 +4950,7 @@
     </p:spTree>
     <p:extLst>
       <p:ext uri="{BB962C8B-B14F-4D97-AF65-F5344CB8AC3E}">
-        <p14:creationId xmlns:p14="http://schemas.microsoft.com/office/powerpoint/2010/main" val="2099781602"/>
+        <p14:creationId xmlns:p14="http://schemas.microsoft.com/office/powerpoint/2010/main" val="1575943478"/>
       </p:ext>
     </p:extLst>
   </p:cSld>
@@ -5102,11 +5006,11 @@
           <a:p>
             <a:r>
               <a:rPr lang="en-US" dirty="0"/>
-              <a:t>You</a:t>
+              <a:t>This is sad, because the compiler generates a lot of useful information about your code. Other tools</a:t>
             </a:r>
             <a:r>
               <a:rPr lang="en-US" baseline="0" dirty="0"/>
-              <a:t> have very little control over the current .NET compiler. You can pass in some switches, but they’re not very interactive.</a:t>
+              <a:t> have to, in a sense, create their own compilers to provide their great functionality. They’re forced to duplicate what’s already been done. But what happens if they don’t do the exact same thing that the MS compiler does?</a:t>
             </a:r>
             <a:endParaRPr lang="en-US" dirty="0"/>
           </a:p>
@@ -5119,7 +5023,7 @@
             <a:spLocks noGrp="1"/>
           </p:cNvSpPr>
           <p:nvPr>
-            <p:ph type="sldNum" sz="quarter" idx="10"/>
+            <p:ph type="sldNum" sz="quarter" idx="5"/>
           </p:nvPr>
         </p:nvSpPr>
         <p:spPr/>
@@ -5127,9 +5031,9 @@
           <a:bodyPr/>
           <a:lstStyle/>
           <a:p>
-            <a:fld id="{4E8BADB7-1FBB-B74E-B90C-DA1567BD042E}" type="slidenum">
+            <a:fld id="{DE7031FE-F148-41F2-AA91-6C6E1601A8AB}" type="slidenum">
               <a:rPr lang="en-US" smtClean="0"/>
-              <a:t>7</a:t>
+              <a:t>8</a:t>
             </a:fld>
             <a:endParaRPr lang="en-US"/>
           </a:p>
@@ -5138,7 +5042,7 @@
     </p:spTree>
     <p:extLst>
       <p:ext uri="{BB962C8B-B14F-4D97-AF65-F5344CB8AC3E}">
-        <p14:creationId xmlns:p14="http://schemas.microsoft.com/office/powerpoint/2010/main" val="2411910855"/>
+        <p14:creationId xmlns:p14="http://schemas.microsoft.com/office/powerpoint/2010/main" val="3494527861"/>
       </p:ext>
     </p:extLst>
   </p:cSld>
@@ -5194,11 +5098,11 @@
           <a:p>
             <a:r>
               <a:rPr lang="en-US" dirty="0"/>
-              <a:t>This is sad, because the compiler generates a lot of useful information about your code. Other tools</a:t>
+              <a:t>Also, this has</a:t>
             </a:r>
             <a:r>
               <a:rPr lang="en-US" baseline="0" dirty="0"/>
-              <a:t> have to, in a sense, create their own compilers to provide their great functionality. They’re forced to duplicate what’s already been done. But what happens if they don’t do the exact same thing that the MS compiler does?</a:t>
+              <a:t> limited MS in terms of the features they can add to C# and their toolchain.</a:t>
             </a:r>
             <a:endParaRPr lang="en-US" dirty="0"/>
           </a:p>
@@ -5211,7 +5115,7 @@
             <a:spLocks noGrp="1"/>
           </p:cNvSpPr>
           <p:nvPr>
-            <p:ph type="sldNum" sz="quarter" idx="10"/>
+            <p:ph type="sldNum" sz="quarter" idx="5"/>
           </p:nvPr>
         </p:nvSpPr>
         <p:spPr/>
@@ -5219,9 +5123,9 @@
           <a:bodyPr/>
           <a:lstStyle/>
           <a:p>
-            <a:fld id="{4E8BADB7-1FBB-B74E-B90C-DA1567BD042E}" type="slidenum">
+            <a:fld id="{DE7031FE-F148-41F2-AA91-6C6E1601A8AB}" type="slidenum">
               <a:rPr lang="en-US" smtClean="0"/>
-              <a:t>8</a:t>
+              <a:t>9</a:t>
             </a:fld>
             <a:endParaRPr lang="en-US"/>
           </a:p>
@@ -5230,7 +5134,7 @@
     </p:spTree>
     <p:extLst>
       <p:ext uri="{BB962C8B-B14F-4D97-AF65-F5344CB8AC3E}">
-        <p14:creationId xmlns:p14="http://schemas.microsoft.com/office/powerpoint/2010/main" val="1573667185"/>
+        <p14:creationId xmlns:p14="http://schemas.microsoft.com/office/powerpoint/2010/main" val="3471159531"/>
       </p:ext>
     </p:extLst>
   </p:cSld>
@@ -5286,11 +5190,11 @@
           <a:p>
             <a:r>
               <a:rPr lang="en-US" dirty="0"/>
-              <a:t>Also, this has</a:t>
+              <a:t>Let’s open</a:t>
             </a:r>
             <a:r>
               <a:rPr lang="en-US" baseline="0" dirty="0"/>
-              <a:t> limited MS in terms of the features they can add to C# and their toolchain.</a:t>
+              <a:t> up the compiler and provide that information and functionality to every developer.</a:t>
             </a:r>
             <a:endParaRPr lang="en-US" dirty="0"/>
           </a:p>
@@ -5303,7 +5207,7 @@
             <a:spLocks noGrp="1"/>
           </p:cNvSpPr>
           <p:nvPr>
-            <p:ph type="sldNum" sz="quarter" idx="10"/>
+            <p:ph type="sldNum" sz="quarter" idx="5"/>
           </p:nvPr>
         </p:nvSpPr>
         <p:spPr/>
@@ -5311,9 +5215,9 @@
           <a:bodyPr/>
           <a:lstStyle/>
           <a:p>
-            <a:fld id="{4E8BADB7-1FBB-B74E-B90C-DA1567BD042E}" type="slidenum">
+            <a:fld id="{DE7031FE-F148-41F2-AA91-6C6E1601A8AB}" type="slidenum">
               <a:rPr lang="en-US" smtClean="0"/>
-              <a:t>9</a:t>
+              <a:t>10</a:t>
             </a:fld>
             <a:endParaRPr lang="en-US"/>
           </a:p>
@@ -5322,7 +5226,7 @@
     </p:spTree>
     <p:extLst>
       <p:ext uri="{BB962C8B-B14F-4D97-AF65-F5344CB8AC3E}">
-        <p14:creationId xmlns:p14="http://schemas.microsoft.com/office/powerpoint/2010/main" val="555241115"/>
+        <p14:creationId xmlns:p14="http://schemas.microsoft.com/office/powerpoint/2010/main" val="3937013213"/>
       </p:ext>
     </p:extLst>
   </p:cSld>
@@ -5378,11 +5282,19 @@
           <a:p>
             <a:r>
               <a:rPr lang="en-US" dirty="0"/>
-              <a:t>Let’s open</a:t>
+              <a:t>All the</a:t>
             </a:r>
             <a:r>
               <a:rPr lang="en-US" baseline="0" dirty="0"/>
-              <a:t> up the compiler and provide that information and functionality to every developer.</a:t>
+              <a:t> parsing, emitting. </a:t>
+            </a:r>
+            <a:r>
+              <a:rPr lang="en-US" baseline="0" dirty="0" err="1"/>
+              <a:t>Etc</a:t>
+            </a:r>
+            <a:r>
+              <a:rPr lang="en-US" baseline="0" dirty="0"/>
+              <a:t> logic should be available to other tools to do all sorts of crazy, interesting stuff.</a:t>
             </a:r>
             <a:endParaRPr lang="en-US" dirty="0"/>
           </a:p>
@@ -5395,7 +5307,7 @@
             <a:spLocks noGrp="1"/>
           </p:cNvSpPr>
           <p:nvPr>
-            <p:ph type="sldNum" sz="quarter" idx="10"/>
+            <p:ph type="sldNum" sz="quarter" idx="5"/>
           </p:nvPr>
         </p:nvSpPr>
         <p:spPr/>
@@ -5403,9 +5315,9 @@
           <a:bodyPr/>
           <a:lstStyle/>
           <a:p>
-            <a:fld id="{4E8BADB7-1FBB-B74E-B90C-DA1567BD042E}" type="slidenum">
+            <a:fld id="{DE7031FE-F148-41F2-AA91-6C6E1601A8AB}" type="slidenum">
               <a:rPr lang="en-US" smtClean="0"/>
-              <a:t>10</a:t>
+              <a:t>11</a:t>
             </a:fld>
             <a:endParaRPr lang="en-US"/>
           </a:p>
@@ -5414,7 +5326,7 @@
     </p:spTree>
     <p:extLst>
       <p:ext uri="{BB962C8B-B14F-4D97-AF65-F5344CB8AC3E}">
-        <p14:creationId xmlns:p14="http://schemas.microsoft.com/office/powerpoint/2010/main" val="2626683875"/>
+        <p14:creationId xmlns:p14="http://schemas.microsoft.com/office/powerpoint/2010/main" val="1532463160"/>
       </p:ext>
     </p:extLst>
   </p:cSld>
@@ -5470,19 +5382,11 @@
           <a:p>
             <a:r>
               <a:rPr lang="en-US" dirty="0"/>
-              <a:t>All the</a:t>
+              <a:t>That’s what Project Roslyn, or the Compiler</a:t>
             </a:r>
             <a:r>
               <a:rPr lang="en-US" baseline="0" dirty="0"/>
-              <a:t> parsing, emitting. </a:t>
-            </a:r>
-            <a:r>
-              <a:rPr lang="en-US" baseline="0" dirty="0" err="1"/>
-              <a:t>Etc</a:t>
-            </a:r>
-            <a:r>
-              <a:rPr lang="en-US" baseline="0" dirty="0"/>
-              <a:t> logic should be available to other tools to do all sorts of crazy, interesting stuff.</a:t>
+              <a:t> API, is all about.</a:t>
             </a:r>
             <a:endParaRPr lang="en-US" dirty="0"/>
           </a:p>
@@ -5495,7 +5399,7 @@
             <a:spLocks noGrp="1"/>
           </p:cNvSpPr>
           <p:nvPr>
-            <p:ph type="sldNum" sz="quarter" idx="10"/>
+            <p:ph type="sldNum" sz="quarter" idx="5"/>
           </p:nvPr>
         </p:nvSpPr>
         <p:spPr/>
@@ -5503,9 +5407,9 @@
           <a:bodyPr/>
           <a:lstStyle/>
           <a:p>
-            <a:fld id="{4E8BADB7-1FBB-B74E-B90C-DA1567BD042E}" type="slidenum">
+            <a:fld id="{DE7031FE-F148-41F2-AA91-6C6E1601A8AB}" type="slidenum">
               <a:rPr lang="en-US" smtClean="0"/>
-              <a:t>11</a:t>
+              <a:t>12</a:t>
             </a:fld>
             <a:endParaRPr lang="en-US"/>
           </a:p>
@@ -5514,7 +5418,7 @@
     </p:spTree>
     <p:extLst>
       <p:ext uri="{BB962C8B-B14F-4D97-AF65-F5344CB8AC3E}">
-        <p14:creationId xmlns:p14="http://schemas.microsoft.com/office/powerpoint/2010/main" val="2634835079"/>
+        <p14:creationId xmlns:p14="http://schemas.microsoft.com/office/powerpoint/2010/main" val="1136071747"/>
       </p:ext>
     </p:extLst>
   </p:cSld>
@@ -5570,11 +5474,11 @@
           <a:p>
             <a:r>
               <a:rPr lang="en-US" dirty="0"/>
-              <a:t>That’s what Project Roslyn, or the Compiler</a:t>
+              <a:t>That’s the intent of Project</a:t>
             </a:r>
             <a:r>
               <a:rPr lang="en-US" baseline="0" dirty="0"/>
-              <a:t> API, is all about.</a:t>
+              <a:t> Roslyn: to provide all of that to you as a .NET API.</a:t>
             </a:r>
             <a:endParaRPr lang="en-US" dirty="0"/>
           </a:p>
@@ -5587,7 +5491,7 @@
             <a:spLocks noGrp="1"/>
           </p:cNvSpPr>
           <p:nvPr>
-            <p:ph type="sldNum" sz="quarter" idx="10"/>
+            <p:ph type="sldNum" sz="quarter" idx="5"/>
           </p:nvPr>
         </p:nvSpPr>
         <p:spPr/>
@@ -5595,9 +5499,9 @@
           <a:bodyPr/>
           <a:lstStyle/>
           <a:p>
-            <a:fld id="{4E8BADB7-1FBB-B74E-B90C-DA1567BD042E}" type="slidenum">
+            <a:fld id="{DE7031FE-F148-41F2-AA91-6C6E1601A8AB}" type="slidenum">
               <a:rPr lang="en-US" smtClean="0"/>
-              <a:t>12</a:t>
+              <a:t>13</a:t>
             </a:fld>
             <a:endParaRPr lang="en-US"/>
           </a:p>
@@ -5606,7 +5510,7 @@
     </p:spTree>
     <p:extLst>
       <p:ext uri="{BB962C8B-B14F-4D97-AF65-F5344CB8AC3E}">
-        <p14:creationId xmlns:p14="http://schemas.microsoft.com/office/powerpoint/2010/main" val="3733563036"/>
+        <p14:creationId xmlns:p14="http://schemas.microsoft.com/office/powerpoint/2010/main" val="738226455"/>
       </p:ext>
     </p:extLst>
   </p:cSld>
@@ -5617,22 +5521,8 @@
 </file>
 
 <file path=ppt/slideLayouts/slideLayout1.xml><?xml version="1.0" encoding="utf-8"?>
-<p:sldLayout xmlns:a="http://schemas.openxmlformats.org/drawingml/2006/main" xmlns:r="http://schemas.openxmlformats.org/officeDocument/2006/relationships" xmlns:p="http://schemas.openxmlformats.org/presentationml/2006/main" preserve="1" userDrawn="1">
+<p:sldLayout xmlns:a="http://schemas.openxmlformats.org/drawingml/2006/main" xmlns:r="http://schemas.openxmlformats.org/officeDocument/2006/relationships" xmlns:p="http://schemas.openxmlformats.org/presentationml/2006/main" type="title" preserve="1">
   <p:cSld name="Title Slide">
-    <p:bg>
-      <p:bgPr>
-        <a:blipFill dpi="0" rotWithShape="1">
-          <a:blip r:embed="rId2">
-            <a:lum/>
-          </a:blip>
-          <a:srcRect/>
-          <a:stretch>
-            <a:fillRect/>
-          </a:stretch>
-        </a:blipFill>
-        <a:effectLst/>
-      </p:bgPr>
-    </p:bg>
     <p:spTree>
       <p:nvGrpSpPr>
         <p:cNvPr id="1" name=""/>
@@ -5649,96 +5539,69 @@
       </p:grpSpPr>
       <p:sp>
         <p:nvSpPr>
-          <p:cNvPr id="2" name="Title 1"/>
+          <p:cNvPr id="2" name="Title 1">
+            <a:extLst>
+              <a:ext uri="{FF2B5EF4-FFF2-40B4-BE49-F238E27FC236}">
+                <a16:creationId xmlns:a16="http://schemas.microsoft.com/office/drawing/2014/main" id="{179B8441-1FF1-47FB-878A-040B29EEAFDF}"/>
+              </a:ext>
+            </a:extLst>
+          </p:cNvPr>
           <p:cNvSpPr>
             <a:spLocks noGrp="1"/>
           </p:cNvSpPr>
           <p:nvPr>
-            <p:ph type="ctrTitle" hasCustomPrompt="1"/>
+            <p:ph type="ctrTitle"/>
           </p:nvPr>
         </p:nvSpPr>
         <p:spPr>
           <a:xfrm>
-            <a:off x="580846" y="1454203"/>
-            <a:ext cx="7226060" cy="1862379"/>
+            <a:off x="1524000" y="1122363"/>
+            <a:ext cx="9144000" cy="2387600"/>
           </a:xfrm>
         </p:spPr>
         <p:txBody>
-          <a:bodyPr anchor="t">
-            <a:noAutofit/>
-          </a:bodyPr>
+          <a:bodyPr anchor="b"/>
           <a:lstStyle>
-            <a:lvl1pPr algn="l">
-              <a:lnSpc>
-                <a:spcPts val="5500"/>
-              </a:lnSpc>
-              <a:defRPr sz="6000" i="1" baseline="0">
-                <a:solidFill>
-                  <a:schemeClr val="tx1"/>
-                </a:solidFill>
-                <a:latin typeface="+mn-lt"/>
-                <a:cs typeface="Cordia New" panose="020B0304020202020204" pitchFamily="34" charset="-34"/>
-              </a:defRPr>
+            <a:lvl1pPr algn="ctr">
+              <a:defRPr sz="6000"/>
             </a:lvl1pPr>
           </a:lstStyle>
           <a:p>
             <a:r>
-              <a:rPr lang="en-US" dirty="0"/>
-              <a:t>TITLE OF THE</a:t>
-            </a:r>
-            <a:br>
-              <a:rPr lang="en-US" dirty="0"/>
-            </a:br>
-            <a:r>
-              <a:rPr lang="en-US" dirty="0"/>
-              <a:t>PRESENTATION</a:t>
-            </a:r>
-            <a:br>
-              <a:rPr lang="en-US" dirty="0"/>
-            </a:br>
-            <a:r>
-              <a:rPr lang="en-US" dirty="0"/>
-              <a:t>WILL GO HERE</a:t>
-            </a:r>
-          </a:p>
-        </p:txBody>
-      </p:sp>
-      <p:sp>
-        <p:nvSpPr>
-          <p:cNvPr id="3" name="Subtitle 2"/>
+              <a:rPr lang="en-US"/>
+              <a:t>Click to edit Master title style</a:t>
+            </a:r>
+          </a:p>
+        </p:txBody>
+      </p:sp>
+      <p:sp>
+        <p:nvSpPr>
+          <p:cNvPr id="3" name="Subtitle 2">
+            <a:extLst>
+              <a:ext uri="{FF2B5EF4-FFF2-40B4-BE49-F238E27FC236}">
+                <a16:creationId xmlns:a16="http://schemas.microsoft.com/office/drawing/2014/main" id="{75EB91FC-1DE4-4D87-B7D2-0A0D3A2ED30F}"/>
+              </a:ext>
+            </a:extLst>
+          </p:cNvPr>
           <p:cNvSpPr>
             <a:spLocks noGrp="1"/>
           </p:cNvSpPr>
           <p:nvPr>
-            <p:ph type="subTitle" idx="1" hasCustomPrompt="1"/>
+            <p:ph type="subTitle" idx="1"/>
           </p:nvPr>
         </p:nvSpPr>
         <p:spPr>
           <a:xfrm>
-            <a:off x="641228" y="3554081"/>
-            <a:ext cx="7165678" cy="379561"/>
+            <a:off x="1524000" y="3602038"/>
+            <a:ext cx="9144000" cy="1655762"/>
           </a:xfrm>
         </p:spPr>
         <p:txBody>
-          <a:bodyPr>
-            <a:noAutofit/>
-          </a:bodyPr>
+          <a:bodyPr/>
           <a:lstStyle>
-            <a:lvl1pPr marL="0" indent="0" algn="l">
-              <a:lnSpc>
-                <a:spcPts val="1700"/>
-              </a:lnSpc>
-              <a:spcBef>
-                <a:spcPts val="0"/>
-              </a:spcBef>
+            <a:lvl1pPr marL="0" indent="0" algn="ctr">
               <a:buNone/>
-              <a:defRPr sz="1350" b="0" kern="0" spc="30" baseline="0">
-                <a:solidFill>
-                  <a:schemeClr val="accent5"/>
-                </a:solidFill>
-                <a:latin typeface="+mn-lt"/>
-                <a:cs typeface="Cordia New" panose="020B0304020202020204" pitchFamily="34" charset="-34"/>
-              </a:defRPr>
+              <a:defRPr sz="2400"/>
             </a:lvl1pPr>
             <a:lvl2pPr marL="457200" indent="0" algn="ctr">
               <a:buNone/>
@@ -5775,178 +5638,99 @@
           </a:lstStyle>
           <a:p>
             <a:r>
-              <a:rPr lang="en-US" dirty="0"/>
-              <a:t>Title of the presentation will be no longer than three lines</a:t>
-            </a:r>
-          </a:p>
-        </p:txBody>
-      </p:sp>
-      <p:sp>
-        <p:nvSpPr>
-          <p:cNvPr id="6" name="Text Placeholder 2"/>
+              <a:rPr lang="en-US"/>
+              <a:t>Click to edit Master subtitle style</a:t>
+            </a:r>
+          </a:p>
+        </p:txBody>
+      </p:sp>
+      <p:sp>
+        <p:nvSpPr>
+          <p:cNvPr id="4" name="Date Placeholder 3">
+            <a:extLst>
+              <a:ext uri="{FF2B5EF4-FFF2-40B4-BE49-F238E27FC236}">
+                <a16:creationId xmlns:a16="http://schemas.microsoft.com/office/drawing/2014/main" id="{09033192-8979-4AD2-8D5D-757058654FE7}"/>
+              </a:ext>
+            </a:extLst>
+          </p:cNvPr>
           <p:cNvSpPr>
             <a:spLocks noGrp="1"/>
           </p:cNvSpPr>
           <p:nvPr>
-            <p:ph type="body" idx="10" hasCustomPrompt="1"/>
-          </p:nvPr>
-        </p:nvSpPr>
-        <p:spPr>
-          <a:xfrm>
-            <a:off x="641228" y="3933642"/>
-            <a:ext cx="3254188" cy="2104849"/>
-          </a:xfrm>
-        </p:spPr>
-        <p:txBody>
-          <a:bodyPr anchor="ctr"/>
-          <a:lstStyle>
-            <a:lvl1pPr marL="0" indent="0" algn="l" defTabSz="182880">
-              <a:lnSpc>
-                <a:spcPts val="1800"/>
-              </a:lnSpc>
-              <a:spcBef>
-                <a:spcPts val="0"/>
-              </a:spcBef>
-              <a:buNone/>
-              <a:defRPr sz="1150" b="1" baseline="0">
-                <a:solidFill>
-                  <a:schemeClr val="tx2"/>
-                </a:solidFill>
-                <a:latin typeface="+mn-lt"/>
-                <a:cs typeface="Cordia New" panose="020B0304020202020204" pitchFamily="34" charset="-34"/>
-              </a:defRPr>
-            </a:lvl1pPr>
-            <a:lvl2pPr marL="457200" indent="0">
-              <a:buNone/>
-              <a:defRPr sz="2000" b="1"/>
-            </a:lvl2pPr>
-            <a:lvl3pPr marL="914400" indent="0">
-              <a:buNone/>
-              <a:defRPr sz="1800" b="1"/>
-            </a:lvl3pPr>
-            <a:lvl4pPr marL="1371600" indent="0">
-              <a:buNone/>
-              <a:defRPr sz="1600" b="1"/>
-            </a:lvl4pPr>
-            <a:lvl5pPr marL="1828800" indent="0">
-              <a:buNone/>
-              <a:defRPr sz="1600" b="1"/>
-            </a:lvl5pPr>
-            <a:lvl6pPr marL="2286000" indent="0">
-              <a:buNone/>
-              <a:defRPr sz="1600" b="1"/>
-            </a:lvl6pPr>
-            <a:lvl7pPr marL="2743200" indent="0">
-              <a:buNone/>
-              <a:defRPr sz="1600" b="1"/>
-            </a:lvl7pPr>
-            <a:lvl8pPr marL="3200400" indent="0">
-              <a:buNone/>
-              <a:defRPr sz="1600" b="1"/>
-            </a:lvl8pPr>
-            <a:lvl9pPr marL="3657600" indent="0">
-              <a:buNone/>
-              <a:defRPr sz="1600" b="1"/>
-            </a:lvl9pPr>
-          </a:lstStyle>
-          <a:p>
-            <a:pPr lvl="0"/>
-            <a:r>
-              <a:rPr lang="en-US" dirty="0"/>
-              <a:t>Presenter One</a:t>
-            </a:r>
-          </a:p>
-          <a:p>
-            <a:pPr lvl="0"/>
-            <a:r>
-              <a:rPr lang="en-US" dirty="0"/>
-              <a:t>Presenter Two	</a:t>
-            </a:r>
-          </a:p>
-          <a:p>
-            <a:pPr lvl="0"/>
-            <a:r>
-              <a:rPr lang="en-US" dirty="0"/>
-              <a:t>Presenter Three		</a:t>
-            </a:r>
-          </a:p>
-        </p:txBody>
-      </p:sp>
-      <p:sp>
-        <p:nvSpPr>
-          <p:cNvPr id="8" name="Text Placeholder 2"/>
+            <p:ph type="dt" sz="half" idx="10"/>
+          </p:nvPr>
+        </p:nvSpPr>
+        <p:spPr/>
+        <p:txBody>
+          <a:bodyPr/>
+          <a:lstStyle/>
+          <a:p>
+            <a:fld id="{3B9F33C8-8A6A-49A2-8949-28E9F813AC6F}" type="datetimeFigureOut">
+              <a:rPr lang="en-US" smtClean="0"/>
+              <a:t>6/8/2020</a:t>
+            </a:fld>
+            <a:endParaRPr lang="en-US"/>
+          </a:p>
+        </p:txBody>
+      </p:sp>
+      <p:sp>
+        <p:nvSpPr>
+          <p:cNvPr id="5" name="Footer Placeholder 4">
+            <a:extLst>
+              <a:ext uri="{FF2B5EF4-FFF2-40B4-BE49-F238E27FC236}">
+                <a16:creationId xmlns:a16="http://schemas.microsoft.com/office/drawing/2014/main" id="{C8C21E92-47E4-4241-BBC3-9098D5129EB2}"/>
+              </a:ext>
+            </a:extLst>
+          </p:cNvPr>
           <p:cNvSpPr>
             <a:spLocks noGrp="1"/>
           </p:cNvSpPr>
           <p:nvPr>
-            <p:ph type="body" idx="11" hasCustomPrompt="1"/>
-          </p:nvPr>
-        </p:nvSpPr>
-        <p:spPr>
-          <a:xfrm>
-            <a:off x="641228" y="668256"/>
-            <a:ext cx="3782275" cy="412233"/>
-          </a:xfrm>
-        </p:spPr>
-        <p:txBody>
-          <a:bodyPr anchor="t"/>
-          <a:lstStyle>
-            <a:lvl1pPr marL="0" indent="0">
-              <a:buNone/>
-              <a:defRPr sz="2600" b="1">
-                <a:solidFill>
-                  <a:schemeClr val="accent6"/>
-                </a:solidFill>
-                <a:latin typeface="Cordia New" panose="020B0304020202020204" pitchFamily="34" charset="-34"/>
-                <a:cs typeface="Cordia New" panose="020B0304020202020204" pitchFamily="34" charset="-34"/>
-              </a:defRPr>
-            </a:lvl1pPr>
-            <a:lvl2pPr marL="457200" indent="0">
-              <a:buNone/>
-              <a:defRPr sz="2000" b="1"/>
-            </a:lvl2pPr>
-            <a:lvl3pPr marL="914400" indent="0">
-              <a:buNone/>
-              <a:defRPr sz="1800" b="1"/>
-            </a:lvl3pPr>
-            <a:lvl4pPr marL="1371600" indent="0">
-              <a:buNone/>
-              <a:defRPr sz="1600" b="1"/>
-            </a:lvl4pPr>
-            <a:lvl5pPr marL="1828800" indent="0">
-              <a:buNone/>
-              <a:defRPr sz="1600" b="1"/>
-            </a:lvl5pPr>
-            <a:lvl6pPr marL="2286000" indent="0">
-              <a:buNone/>
-              <a:defRPr sz="1600" b="1"/>
-            </a:lvl6pPr>
-            <a:lvl7pPr marL="2743200" indent="0">
-              <a:buNone/>
-              <a:defRPr sz="1600" b="1"/>
-            </a:lvl7pPr>
-            <a:lvl8pPr marL="3200400" indent="0">
-              <a:buNone/>
-              <a:defRPr sz="1600" b="1"/>
-            </a:lvl8pPr>
-            <a:lvl9pPr marL="3657600" indent="0">
-              <a:buNone/>
-              <a:defRPr sz="1600" b="1"/>
-            </a:lvl9pPr>
-          </a:lstStyle>
-          <a:p>
-            <a:pPr lvl="0"/>
-            <a:r>
-              <a:rPr lang="en-US" dirty="0"/>
-              <a:t>XX.XX.18</a:t>
-            </a:r>
+            <p:ph type="ftr" sz="quarter" idx="11"/>
+          </p:nvPr>
+        </p:nvSpPr>
+        <p:spPr/>
+        <p:txBody>
+          <a:bodyPr/>
+          <a:lstStyle/>
+          <a:p>
+            <a:endParaRPr lang="en-US"/>
+          </a:p>
+        </p:txBody>
+      </p:sp>
+      <p:sp>
+        <p:nvSpPr>
+          <p:cNvPr id="6" name="Slide Number Placeholder 5">
+            <a:extLst>
+              <a:ext uri="{FF2B5EF4-FFF2-40B4-BE49-F238E27FC236}">
+                <a16:creationId xmlns:a16="http://schemas.microsoft.com/office/drawing/2014/main" id="{3733D5FE-3F7F-45C9-B7FF-E242949F8A9D}"/>
+              </a:ext>
+            </a:extLst>
+          </p:cNvPr>
+          <p:cNvSpPr>
+            <a:spLocks noGrp="1"/>
+          </p:cNvSpPr>
+          <p:nvPr>
+            <p:ph type="sldNum" sz="quarter" idx="12"/>
+          </p:nvPr>
+        </p:nvSpPr>
+        <p:spPr/>
+        <p:txBody>
+          <a:bodyPr/>
+          <a:lstStyle/>
+          <a:p>
+            <a:fld id="{311E45DA-37E0-4DEF-A6F5-3567A4B31782}" type="slidenum">
+              <a:rPr lang="en-US" smtClean="0"/>
+              <a:t>‹#›</a:t>
+            </a:fld>
+            <a:endParaRPr lang="en-US"/>
           </a:p>
         </p:txBody>
       </p:sp>
     </p:spTree>
     <p:extLst>
       <p:ext uri="{BB962C8B-B14F-4D97-AF65-F5344CB8AC3E}">
-        <p14:creationId xmlns:p14="http://schemas.microsoft.com/office/powerpoint/2010/main" val="3230847097"/>
+        <p14:creationId xmlns:p14="http://schemas.microsoft.com/office/powerpoint/2010/main" val="137994687"/>
       </p:ext>
     </p:extLst>
   </p:cSld>
@@ -5957,22 +5741,8 @@
 </file>
 
 <file path=ppt/slideLayouts/slideLayout10.xml><?xml version="1.0" encoding="utf-8"?>
-<p:sldLayout xmlns:a="http://schemas.openxmlformats.org/drawingml/2006/main" xmlns:r="http://schemas.openxmlformats.org/officeDocument/2006/relationships" xmlns:p="http://schemas.openxmlformats.org/presentationml/2006/main" preserve="1" userDrawn="1">
+<p:sldLayout xmlns:a="http://schemas.openxmlformats.org/drawingml/2006/main" xmlns:r="http://schemas.openxmlformats.org/officeDocument/2006/relationships" xmlns:p="http://schemas.openxmlformats.org/presentationml/2006/main" type="vertTx" preserve="1">
   <p:cSld name="Title and Vertical Text">
-    <p:bg>
-      <p:bgPr>
-        <a:blipFill dpi="0" rotWithShape="1">
-          <a:blip r:embed="rId2">
-            <a:lum/>
-          </a:blip>
-          <a:srcRect/>
-          <a:stretch>
-            <a:fillRect/>
-          </a:stretch>
-        </a:blipFill>
-        <a:effectLst/>
-      </p:bgPr>
-    </p:bg>
     <p:spTree>
       <p:nvGrpSpPr>
         <p:cNvPr id="1" name=""/>
@@ -5989,20 +5759,49 @@
       </p:grpSpPr>
       <p:sp>
         <p:nvSpPr>
-          <p:cNvPr id="3" name="Vertical Text Placeholder 2"/>
+          <p:cNvPr id="2" name="Title 1">
+            <a:extLst>
+              <a:ext uri="{FF2B5EF4-FFF2-40B4-BE49-F238E27FC236}">
+                <a16:creationId xmlns:a16="http://schemas.microsoft.com/office/drawing/2014/main" id="{0A876DC7-3400-43DC-894A-05C44BAA8880}"/>
+              </a:ext>
+            </a:extLst>
+          </p:cNvPr>
           <p:cNvSpPr>
             <a:spLocks noGrp="1"/>
           </p:cNvSpPr>
           <p:nvPr>
+            <p:ph type="title"/>
+          </p:nvPr>
+        </p:nvSpPr>
+        <p:spPr/>
+        <p:txBody>
+          <a:bodyPr/>
+          <a:lstStyle/>
+          <a:p>
+            <a:r>
+              <a:rPr lang="en-US"/>
+              <a:t>Click to edit Master title style</a:t>
+            </a:r>
+          </a:p>
+        </p:txBody>
+      </p:sp>
+      <p:sp>
+        <p:nvSpPr>
+          <p:cNvPr id="3" name="Vertical Text Placeholder 2">
+            <a:extLst>
+              <a:ext uri="{FF2B5EF4-FFF2-40B4-BE49-F238E27FC236}">
+                <a16:creationId xmlns:a16="http://schemas.microsoft.com/office/drawing/2014/main" id="{079FAD49-CE53-43D8-B5DA-D963F44077CF}"/>
+              </a:ext>
+            </a:extLst>
+          </p:cNvPr>
+          <p:cNvSpPr>
+            <a:spLocks noGrp="1"/>
+          </p:cNvSpPr>
+          <p:nvPr>
             <p:ph type="body" orient="vert" idx="1"/>
           </p:nvPr>
         </p:nvSpPr>
-        <p:spPr>
-          <a:xfrm>
-            <a:off x="432154" y="911225"/>
-            <a:ext cx="11430000" cy="4810845"/>
-          </a:xfrm>
-        </p:spPr>
+        <p:spPr/>
         <p:txBody>
           <a:bodyPr vert="eaVert"/>
           <a:lstStyle/>
@@ -6010,7 +5809,7 @@
             <a:pPr lvl="0"/>
             <a:r>
               <a:rPr lang="en-US"/>
-              <a:t>Edit Master text styles</a:t>
+              <a:t>Click to edit Master text styles</a:t>
             </a:r>
           </a:p>
           <a:p>
@@ -6040,42 +5839,96 @@
               <a:rPr lang="en-US"/>
               <a:t>Fifth level</a:t>
             </a:r>
-            <a:endParaRPr lang="en-US" dirty="0"/>
-          </a:p>
-        </p:txBody>
-      </p:sp>
-      <p:sp>
-        <p:nvSpPr>
-          <p:cNvPr id="5" name="Title 1"/>
+          </a:p>
+        </p:txBody>
+      </p:sp>
+      <p:sp>
+        <p:nvSpPr>
+          <p:cNvPr id="4" name="Date Placeholder 3">
+            <a:extLst>
+              <a:ext uri="{FF2B5EF4-FFF2-40B4-BE49-F238E27FC236}">
+                <a16:creationId xmlns:a16="http://schemas.microsoft.com/office/drawing/2014/main" id="{438A87A4-8D7F-42AA-89AB-9889CA96EF5B}"/>
+              </a:ext>
+            </a:extLst>
+          </p:cNvPr>
           <p:cNvSpPr>
             <a:spLocks noGrp="1"/>
           </p:cNvSpPr>
           <p:nvPr>
-            <p:ph type="title"/>
-          </p:nvPr>
-        </p:nvSpPr>
-        <p:spPr>
-          <a:xfrm>
-            <a:off x="386499" y="254524"/>
-            <a:ext cx="11425287" cy="540618"/>
-          </a:xfrm>
-        </p:spPr>
+            <p:ph type="dt" sz="half" idx="10"/>
+          </p:nvPr>
+        </p:nvSpPr>
+        <p:spPr/>
         <p:txBody>
           <a:bodyPr/>
           <a:lstStyle/>
           <a:p>
-            <a:r>
-              <a:rPr lang="en-US"/>
-              <a:t>Click to edit Master title style</a:t>
-            </a:r>
-            <a:endParaRPr lang="en-US" dirty="0"/>
+            <a:fld id="{3B9F33C8-8A6A-49A2-8949-28E9F813AC6F}" type="datetimeFigureOut">
+              <a:rPr lang="en-US" smtClean="0"/>
+              <a:t>6/8/2020</a:t>
+            </a:fld>
+            <a:endParaRPr lang="en-US"/>
+          </a:p>
+        </p:txBody>
+      </p:sp>
+      <p:sp>
+        <p:nvSpPr>
+          <p:cNvPr id="5" name="Footer Placeholder 4">
+            <a:extLst>
+              <a:ext uri="{FF2B5EF4-FFF2-40B4-BE49-F238E27FC236}">
+                <a16:creationId xmlns:a16="http://schemas.microsoft.com/office/drawing/2014/main" id="{760BA6C0-242A-4110-98C6-E7BD92DA10C6}"/>
+              </a:ext>
+            </a:extLst>
+          </p:cNvPr>
+          <p:cNvSpPr>
+            <a:spLocks noGrp="1"/>
+          </p:cNvSpPr>
+          <p:nvPr>
+            <p:ph type="ftr" sz="quarter" idx="11"/>
+          </p:nvPr>
+        </p:nvSpPr>
+        <p:spPr/>
+        <p:txBody>
+          <a:bodyPr/>
+          <a:lstStyle/>
+          <a:p>
+            <a:endParaRPr lang="en-US"/>
+          </a:p>
+        </p:txBody>
+      </p:sp>
+      <p:sp>
+        <p:nvSpPr>
+          <p:cNvPr id="6" name="Slide Number Placeholder 5">
+            <a:extLst>
+              <a:ext uri="{FF2B5EF4-FFF2-40B4-BE49-F238E27FC236}">
+                <a16:creationId xmlns:a16="http://schemas.microsoft.com/office/drawing/2014/main" id="{C6E3C66A-E38D-40A5-BF12-97A984AF8450}"/>
+              </a:ext>
+            </a:extLst>
+          </p:cNvPr>
+          <p:cNvSpPr>
+            <a:spLocks noGrp="1"/>
+          </p:cNvSpPr>
+          <p:nvPr>
+            <p:ph type="sldNum" sz="quarter" idx="12"/>
+          </p:nvPr>
+        </p:nvSpPr>
+        <p:spPr/>
+        <p:txBody>
+          <a:bodyPr/>
+          <a:lstStyle/>
+          <a:p>
+            <a:fld id="{311E45DA-37E0-4DEF-A6F5-3567A4B31782}" type="slidenum">
+              <a:rPr lang="en-US" smtClean="0"/>
+              <a:t>‹#›</a:t>
+            </a:fld>
+            <a:endParaRPr lang="en-US"/>
           </a:p>
         </p:txBody>
       </p:sp>
     </p:spTree>
     <p:extLst>
       <p:ext uri="{BB962C8B-B14F-4D97-AF65-F5344CB8AC3E}">
-        <p14:creationId xmlns:p14="http://schemas.microsoft.com/office/powerpoint/2010/main" val="3788593923"/>
+        <p14:creationId xmlns:p14="http://schemas.microsoft.com/office/powerpoint/2010/main" val="3221795935"/>
       </p:ext>
     </p:extLst>
   </p:cSld>
@@ -6086,22 +5939,8 @@
 </file>
 
 <file path=ppt/slideLayouts/slideLayout11.xml><?xml version="1.0" encoding="utf-8"?>
-<p:sldLayout xmlns:a="http://schemas.openxmlformats.org/drawingml/2006/main" xmlns:r="http://schemas.openxmlformats.org/officeDocument/2006/relationships" xmlns:p="http://schemas.openxmlformats.org/presentationml/2006/main" preserve="1" userDrawn="1">
+<p:sldLayout xmlns:a="http://schemas.openxmlformats.org/drawingml/2006/main" xmlns:r="http://schemas.openxmlformats.org/officeDocument/2006/relationships" xmlns:p="http://schemas.openxmlformats.org/presentationml/2006/main" type="vertTitleAndTx" preserve="1">
   <p:cSld name="Vertical Title and Text">
-    <p:bg>
-      <p:bgPr>
-        <a:blipFill dpi="0" rotWithShape="1">
-          <a:blip r:embed="rId2">
-            <a:lum/>
-          </a:blip>
-          <a:srcRect/>
-          <a:stretch>
-            <a:fillRect/>
-          </a:stretch>
-        </a:blipFill>
-        <a:effectLst/>
-      </p:bgPr>
-    </p:bg>
     <p:spTree>
       <p:nvGrpSpPr>
         <p:cNvPr id="1" name=""/>
@@ -6118,7 +5957,13 @@
       </p:grpSpPr>
       <p:sp>
         <p:nvSpPr>
-          <p:cNvPr id="2" name="Vertical Title 1"/>
+          <p:cNvPr id="2" name="Vertical Title 1">
+            <a:extLst>
+              <a:ext uri="{FF2B5EF4-FFF2-40B4-BE49-F238E27FC236}">
+                <a16:creationId xmlns:a16="http://schemas.microsoft.com/office/drawing/2014/main" id="{80CAA640-7A9A-4537-981A-AA0F84198984}"/>
+              </a:ext>
+            </a:extLst>
+          </p:cNvPr>
           <p:cNvSpPr>
             <a:spLocks noGrp="1"/>
           </p:cNvSpPr>
@@ -6128,8 +5973,8 @@
         </p:nvSpPr>
         <p:spPr>
           <a:xfrm>
-            <a:off x="8724900" y="235671"/>
-            <a:ext cx="3086886" cy="5486400"/>
+            <a:off x="8724900" y="365125"/>
+            <a:ext cx="2628900" cy="5811838"/>
           </a:xfrm>
         </p:spPr>
         <p:txBody>
@@ -6140,13 +5985,18 @@
               <a:rPr lang="en-US"/>
               <a:t>Click to edit Master title style</a:t>
             </a:r>
-            <a:endParaRPr lang="en-US" dirty="0"/>
-          </a:p>
-        </p:txBody>
-      </p:sp>
-      <p:sp>
-        <p:nvSpPr>
-          <p:cNvPr id="3" name="Vertical Text Placeholder 2"/>
+          </a:p>
+        </p:txBody>
+      </p:sp>
+      <p:sp>
+        <p:nvSpPr>
+          <p:cNvPr id="3" name="Vertical Text Placeholder 2">
+            <a:extLst>
+              <a:ext uri="{FF2B5EF4-FFF2-40B4-BE49-F238E27FC236}">
+                <a16:creationId xmlns:a16="http://schemas.microsoft.com/office/drawing/2014/main" id="{A31F7D6F-053E-4453-B16F-FEB59AA5DBE8}"/>
+              </a:ext>
+            </a:extLst>
+          </p:cNvPr>
           <p:cNvSpPr>
             <a:spLocks noGrp="1"/>
           </p:cNvSpPr>
@@ -6156,8 +6006,8 @@
         </p:nvSpPr>
         <p:spPr>
           <a:xfrm>
-            <a:off x="386499" y="235671"/>
-            <a:ext cx="8186001" cy="5486400"/>
+            <a:off x="838200" y="365125"/>
+            <a:ext cx="7734300" cy="5811838"/>
           </a:xfrm>
         </p:spPr>
         <p:txBody>
@@ -6167,7 +6017,7 @@
             <a:pPr lvl="0"/>
             <a:r>
               <a:rPr lang="en-US"/>
-              <a:t>Edit Master text styles</a:t>
+              <a:t>Click to edit Master text styles</a:t>
             </a:r>
           </a:p>
           <a:p>
@@ -6197,14 +6047,96 @@
               <a:rPr lang="en-US"/>
               <a:t>Fifth level</a:t>
             </a:r>
-            <a:endParaRPr lang="en-US" dirty="0"/>
+          </a:p>
+        </p:txBody>
+      </p:sp>
+      <p:sp>
+        <p:nvSpPr>
+          <p:cNvPr id="4" name="Date Placeholder 3">
+            <a:extLst>
+              <a:ext uri="{FF2B5EF4-FFF2-40B4-BE49-F238E27FC236}">
+                <a16:creationId xmlns:a16="http://schemas.microsoft.com/office/drawing/2014/main" id="{BFDCC8BF-41D5-4C87-AD68-B7DC3B2ECD78}"/>
+              </a:ext>
+            </a:extLst>
+          </p:cNvPr>
+          <p:cNvSpPr>
+            <a:spLocks noGrp="1"/>
+          </p:cNvSpPr>
+          <p:nvPr>
+            <p:ph type="dt" sz="half" idx="10"/>
+          </p:nvPr>
+        </p:nvSpPr>
+        <p:spPr/>
+        <p:txBody>
+          <a:bodyPr/>
+          <a:lstStyle/>
+          <a:p>
+            <a:fld id="{3B9F33C8-8A6A-49A2-8949-28E9F813AC6F}" type="datetimeFigureOut">
+              <a:rPr lang="en-US" smtClean="0"/>
+              <a:t>6/8/2020</a:t>
+            </a:fld>
+            <a:endParaRPr lang="en-US"/>
+          </a:p>
+        </p:txBody>
+      </p:sp>
+      <p:sp>
+        <p:nvSpPr>
+          <p:cNvPr id="5" name="Footer Placeholder 4">
+            <a:extLst>
+              <a:ext uri="{FF2B5EF4-FFF2-40B4-BE49-F238E27FC236}">
+                <a16:creationId xmlns:a16="http://schemas.microsoft.com/office/drawing/2014/main" id="{F47E28C1-4E05-45F5-8DC0-6129C28A97C7}"/>
+              </a:ext>
+            </a:extLst>
+          </p:cNvPr>
+          <p:cNvSpPr>
+            <a:spLocks noGrp="1"/>
+          </p:cNvSpPr>
+          <p:nvPr>
+            <p:ph type="ftr" sz="quarter" idx="11"/>
+          </p:nvPr>
+        </p:nvSpPr>
+        <p:spPr/>
+        <p:txBody>
+          <a:bodyPr/>
+          <a:lstStyle/>
+          <a:p>
+            <a:endParaRPr lang="en-US"/>
+          </a:p>
+        </p:txBody>
+      </p:sp>
+      <p:sp>
+        <p:nvSpPr>
+          <p:cNvPr id="6" name="Slide Number Placeholder 5">
+            <a:extLst>
+              <a:ext uri="{FF2B5EF4-FFF2-40B4-BE49-F238E27FC236}">
+                <a16:creationId xmlns:a16="http://schemas.microsoft.com/office/drawing/2014/main" id="{0BF9A298-6747-4E84-8C49-2602089745AF}"/>
+              </a:ext>
+            </a:extLst>
+          </p:cNvPr>
+          <p:cNvSpPr>
+            <a:spLocks noGrp="1"/>
+          </p:cNvSpPr>
+          <p:nvPr>
+            <p:ph type="sldNum" sz="quarter" idx="12"/>
+          </p:nvPr>
+        </p:nvSpPr>
+        <p:spPr/>
+        <p:txBody>
+          <a:bodyPr/>
+          <a:lstStyle/>
+          <a:p>
+            <a:fld id="{311E45DA-37E0-4DEF-A6F5-3567A4B31782}" type="slidenum">
+              <a:rPr lang="en-US" smtClean="0"/>
+              <a:t>‹#›</a:t>
+            </a:fld>
+            <a:endParaRPr lang="en-US"/>
           </a:p>
         </p:txBody>
       </p:sp>
     </p:spTree>
     <p:extLst>
       <p:ext uri="{BB962C8B-B14F-4D97-AF65-F5344CB8AC3E}">
-        <p14:creationId xmlns:p14="http://schemas.microsoft.com/office/powerpoint/2010/main" val="273309775"/>
+        <p14:creationId xmlns:p14="http://schemas.microsoft.com/office/powerpoint/2010/main" val="1941228364"/>
       </p:ext>
     </p:extLst>
   </p:cSld>
@@ -6214,23 +6146,9 @@
 </p:sldLayout>
 </file>
 
-<file path=ppt/slideLayouts/slideLayout12.xml><?xml version="1.0" encoding="utf-8"?>
-<p:sldLayout xmlns:a="http://schemas.openxmlformats.org/drawingml/2006/main" xmlns:r="http://schemas.openxmlformats.org/officeDocument/2006/relationships" xmlns:p="http://schemas.openxmlformats.org/presentationml/2006/main" preserve="1" userDrawn="1">
-  <p:cSld name="Custom Layout">
-    <p:bg>
-      <p:bgPr>
-        <a:blipFill dpi="0" rotWithShape="1">
-          <a:blip r:embed="rId2">
-            <a:lum/>
-          </a:blip>
-          <a:srcRect/>
-          <a:stretch>
-            <a:fillRect/>
-          </a:stretch>
-        </a:blipFill>
-        <a:effectLst/>
-      </p:bgPr>
-    </p:bg>
+<file path=ppt/slideLayouts/slideLayout2.xml><?xml version="1.0" encoding="utf-8"?>
+<p:sldLayout xmlns:a="http://schemas.openxmlformats.org/drawingml/2006/main" xmlns:r="http://schemas.openxmlformats.org/officeDocument/2006/relationships" xmlns:p="http://schemas.openxmlformats.org/presentationml/2006/main" type="obj" preserve="1">
+  <p:cSld name="Title and Content">
     <p:spTree>
       <p:nvGrpSpPr>
         <p:cNvPr id="1" name=""/>
@@ -6247,398 +6165,176 @@
       </p:grpSpPr>
       <p:sp>
         <p:nvSpPr>
-          <p:cNvPr id="3" name="Title 1"/>
-          <p:cNvSpPr txBox="1">
-            <a:spLocks/>
-          </p:cNvSpPr>
-          <p:nvPr userDrawn="1"/>
-        </p:nvSpPr>
-        <p:spPr>
-          <a:xfrm>
-            <a:off x="7047297" y="345238"/>
-            <a:ext cx="4433643" cy="361930"/>
-          </a:xfrm>
-          <a:prstGeom prst="rect">
-            <a:avLst/>
-          </a:prstGeom>
-        </p:spPr>
-        <p:txBody>
-          <a:bodyPr>
-            <a:noAutofit/>
-          </a:bodyPr>
-          <a:lstStyle>
-            <a:lvl1pPr algn="l" defTabSz="914400" rtl="0" eaLnBrk="1" latinLnBrk="0" hangingPunct="1">
-              <a:lnSpc>
-                <a:spcPct val="90000"/>
-              </a:lnSpc>
-              <a:spcBef>
-                <a:spcPct val="0"/>
-              </a:spcBef>
-              <a:buNone/>
-              <a:defRPr sz="4400" kern="1200">
-                <a:solidFill>
-                  <a:schemeClr val="tx1"/>
-                </a:solidFill>
-                <a:latin typeface="+mj-lt"/>
-                <a:ea typeface="+mj-ea"/>
-                <a:cs typeface="+mj-cs"/>
-              </a:defRPr>
-            </a:lvl1pPr>
-          </a:lstStyle>
-          <a:p>
-            <a:pPr algn="r"/>
-            <a:r>
-              <a:rPr lang="en-US" sz="1100" b="1" dirty="0">
-                <a:solidFill>
-                  <a:srgbClr val="56565A"/>
-                </a:solidFill>
-                <a:latin typeface="Franklin Gothic Medium Cond" charset="0"/>
-                <a:ea typeface="Franklin Gothic Medium Cond" charset="0"/>
-                <a:cs typeface="Franklin Gothic Medium Cond" charset="0"/>
-              </a:rPr>
-              <a:t>877.277.1044   </a:t>
-            </a:r>
-            <a:r>
-              <a:rPr lang="en-US" sz="1200" b="1" i="0" dirty="0">
-                <a:solidFill>
-                  <a:srgbClr val="7DC242"/>
-                </a:solidFill>
-                <a:latin typeface="Arial Black" charset="0"/>
-                <a:ea typeface="Arial Black" charset="0"/>
-                <a:cs typeface="Arial Black" charset="0"/>
-              </a:rPr>
-              <a:t>/</a:t>
-            </a:r>
-            <a:r>
-              <a:rPr lang="en-US" sz="1100" b="1" dirty="0">
-                <a:solidFill>
-                  <a:srgbClr val="56565A"/>
-                </a:solidFill>
-                <a:latin typeface="Franklin Gothic Medium Cond" charset="0"/>
-                <a:ea typeface="Franklin Gothic Medium Cond" charset="0"/>
-                <a:cs typeface="Franklin Gothic Medium Cond" charset="0"/>
-              </a:rPr>
-              <a:t>   </a:t>
-            </a:r>
-            <a:r>
-              <a:rPr lang="en-US" sz="1100" b="1" dirty="0" err="1">
-                <a:solidFill>
-                  <a:srgbClr val="56565A"/>
-                </a:solidFill>
-                <a:latin typeface="Franklin Gothic Medium Cond" charset="0"/>
-                <a:ea typeface="Franklin Gothic Medium Cond" charset="0"/>
-                <a:cs typeface="Franklin Gothic Medium Cond" charset="0"/>
-              </a:rPr>
-              <a:t>magenic.com</a:t>
-            </a:r>
-            <a:r>
-              <a:rPr lang="en-US" sz="1100" b="1" dirty="0">
-                <a:solidFill>
-                  <a:srgbClr val="56565A"/>
-                </a:solidFill>
-                <a:latin typeface="Franklin Gothic Medium Cond" charset="0"/>
-                <a:ea typeface="Franklin Gothic Medium Cond" charset="0"/>
-                <a:cs typeface="Franklin Gothic Medium Cond" charset="0"/>
-              </a:rPr>
-              <a:t>   </a:t>
-            </a:r>
-            <a:r>
-              <a:rPr lang="en-US" sz="1200" b="1" i="0" dirty="0">
-                <a:solidFill>
-                  <a:srgbClr val="7DC242"/>
-                </a:solidFill>
-                <a:latin typeface="Arial Black" charset="0"/>
-                <a:ea typeface="Arial Black" charset="0"/>
-                <a:cs typeface="Arial Black" charset="0"/>
-              </a:rPr>
-              <a:t>//</a:t>
-            </a:r>
-            <a:endParaRPr lang="en-US" sz="1200" b="1" i="0" dirty="0">
-              <a:solidFill>
-                <a:srgbClr val="56565A"/>
-              </a:solidFill>
-              <a:latin typeface="Arial Black" charset="0"/>
-              <a:ea typeface="Arial Black" charset="0"/>
-              <a:cs typeface="Arial Black" charset="0"/>
-            </a:endParaRPr>
-          </a:p>
-        </p:txBody>
-      </p:sp>
-      <p:sp>
-        <p:nvSpPr>
-          <p:cNvPr id="4" name="Title 1"/>
-          <p:cNvSpPr txBox="1">
-            <a:spLocks/>
-          </p:cNvSpPr>
-          <p:nvPr userDrawn="1"/>
-        </p:nvSpPr>
-        <p:spPr>
-          <a:xfrm>
-            <a:off x="11374267" y="345238"/>
-            <a:ext cx="457929" cy="299115"/>
-          </a:xfrm>
-          <a:prstGeom prst="rect">
-            <a:avLst/>
-          </a:prstGeom>
-        </p:spPr>
-        <p:txBody>
-          <a:bodyPr>
-            <a:noAutofit/>
-          </a:bodyPr>
-          <a:lstStyle>
-            <a:lvl1pPr algn="l" defTabSz="914400" rtl="0" eaLnBrk="1" latinLnBrk="0" hangingPunct="1">
-              <a:lnSpc>
-                <a:spcPct val="90000"/>
-              </a:lnSpc>
-              <a:spcBef>
-                <a:spcPct val="0"/>
-              </a:spcBef>
-              <a:buNone/>
-              <a:defRPr sz="4400" kern="1200">
-                <a:solidFill>
-                  <a:schemeClr val="tx1"/>
-                </a:solidFill>
-                <a:latin typeface="+mj-lt"/>
-                <a:ea typeface="+mj-ea"/>
-                <a:cs typeface="+mj-cs"/>
-              </a:defRPr>
-            </a:lvl1pPr>
-          </a:lstStyle>
-          <a:p>
-            <a:pPr algn="l"/>
-            <a:fld id="{28E39B6D-4B99-497D-9F61-EDE8F8EC9C63}" type="slidenum">
-              <a:rPr lang="en-US" sz="1100" b="1" baseline="0" smtClean="0">
-                <a:solidFill>
-                  <a:srgbClr val="56565A"/>
-                </a:solidFill>
-                <a:latin typeface="+mj-lt"/>
-                <a:cs typeface="Cordia New" panose="020B0304020202020204" pitchFamily="34" charset="-34"/>
-              </a:rPr>
-              <a:pPr algn="l"/>
+          <p:cNvPr id="2" name="Title 1">
+            <a:extLst>
+              <a:ext uri="{FF2B5EF4-FFF2-40B4-BE49-F238E27FC236}">
+                <a16:creationId xmlns:a16="http://schemas.microsoft.com/office/drawing/2014/main" id="{D4D2FC40-8C8E-4CD5-8CEC-8FC5856E3222}"/>
+              </a:ext>
+            </a:extLst>
+          </p:cNvPr>
+          <p:cNvSpPr>
+            <a:spLocks noGrp="1"/>
+          </p:cNvSpPr>
+          <p:nvPr>
+            <p:ph type="title"/>
+          </p:nvPr>
+        </p:nvSpPr>
+        <p:spPr/>
+        <p:txBody>
+          <a:bodyPr/>
+          <a:lstStyle/>
+          <a:p>
+            <a:r>
+              <a:rPr lang="en-US"/>
+              <a:t>Click to edit Master title style</a:t>
+            </a:r>
+          </a:p>
+        </p:txBody>
+      </p:sp>
+      <p:sp>
+        <p:nvSpPr>
+          <p:cNvPr id="3" name="Content Placeholder 2">
+            <a:extLst>
+              <a:ext uri="{FF2B5EF4-FFF2-40B4-BE49-F238E27FC236}">
+                <a16:creationId xmlns:a16="http://schemas.microsoft.com/office/drawing/2014/main" id="{CAF76AFB-EB0D-4266-AC2F-B7CA02252CB3}"/>
+              </a:ext>
+            </a:extLst>
+          </p:cNvPr>
+          <p:cNvSpPr>
+            <a:spLocks noGrp="1"/>
+          </p:cNvSpPr>
+          <p:nvPr>
+            <p:ph idx="1"/>
+          </p:nvPr>
+        </p:nvSpPr>
+        <p:spPr/>
+        <p:txBody>
+          <a:bodyPr/>
+          <a:lstStyle/>
+          <a:p>
+            <a:pPr lvl="0"/>
+            <a:r>
+              <a:rPr lang="en-US"/>
+              <a:t>Click to edit Master text styles</a:t>
+            </a:r>
+          </a:p>
+          <a:p>
+            <a:pPr lvl="1"/>
+            <a:r>
+              <a:rPr lang="en-US"/>
+              <a:t>Second level</a:t>
+            </a:r>
+          </a:p>
+          <a:p>
+            <a:pPr lvl="2"/>
+            <a:r>
+              <a:rPr lang="en-US"/>
+              <a:t>Third level</a:t>
+            </a:r>
+          </a:p>
+          <a:p>
+            <a:pPr lvl="3"/>
+            <a:r>
+              <a:rPr lang="en-US"/>
+              <a:t>Fourth level</a:t>
+            </a:r>
+          </a:p>
+          <a:p>
+            <a:pPr lvl="4"/>
+            <a:r>
+              <a:rPr lang="en-US"/>
+              <a:t>Fifth level</a:t>
+            </a:r>
+          </a:p>
+        </p:txBody>
+      </p:sp>
+      <p:sp>
+        <p:nvSpPr>
+          <p:cNvPr id="4" name="Date Placeholder 3">
+            <a:extLst>
+              <a:ext uri="{FF2B5EF4-FFF2-40B4-BE49-F238E27FC236}">
+                <a16:creationId xmlns:a16="http://schemas.microsoft.com/office/drawing/2014/main" id="{8C42D626-284A-463A-97E3-CF8EF93CB4D7}"/>
+              </a:ext>
+            </a:extLst>
+          </p:cNvPr>
+          <p:cNvSpPr>
+            <a:spLocks noGrp="1"/>
+          </p:cNvSpPr>
+          <p:nvPr>
+            <p:ph type="dt" sz="half" idx="10"/>
+          </p:nvPr>
+        </p:nvSpPr>
+        <p:spPr/>
+        <p:txBody>
+          <a:bodyPr/>
+          <a:lstStyle/>
+          <a:p>
+            <a:fld id="{3B9F33C8-8A6A-49A2-8949-28E9F813AC6F}" type="datetimeFigureOut">
+              <a:rPr lang="en-US" smtClean="0"/>
+              <a:t>6/8/2020</a:t>
+            </a:fld>
+            <a:endParaRPr lang="en-US"/>
+          </a:p>
+        </p:txBody>
+      </p:sp>
+      <p:sp>
+        <p:nvSpPr>
+          <p:cNvPr id="5" name="Footer Placeholder 4">
+            <a:extLst>
+              <a:ext uri="{FF2B5EF4-FFF2-40B4-BE49-F238E27FC236}">
+                <a16:creationId xmlns:a16="http://schemas.microsoft.com/office/drawing/2014/main" id="{F9F6239A-0202-4197-8BCD-0F6F3B1BADCA}"/>
+              </a:ext>
+            </a:extLst>
+          </p:cNvPr>
+          <p:cNvSpPr>
+            <a:spLocks noGrp="1"/>
+          </p:cNvSpPr>
+          <p:nvPr>
+            <p:ph type="ftr" sz="quarter" idx="11"/>
+          </p:nvPr>
+        </p:nvSpPr>
+        <p:spPr/>
+        <p:txBody>
+          <a:bodyPr/>
+          <a:lstStyle/>
+          <a:p>
+            <a:endParaRPr lang="en-US"/>
+          </a:p>
+        </p:txBody>
+      </p:sp>
+      <p:sp>
+        <p:nvSpPr>
+          <p:cNvPr id="6" name="Slide Number Placeholder 5">
+            <a:extLst>
+              <a:ext uri="{FF2B5EF4-FFF2-40B4-BE49-F238E27FC236}">
+                <a16:creationId xmlns:a16="http://schemas.microsoft.com/office/drawing/2014/main" id="{62A132B5-0C2F-445A-8657-984FD0FEB5B8}"/>
+              </a:ext>
+            </a:extLst>
+          </p:cNvPr>
+          <p:cNvSpPr>
+            <a:spLocks noGrp="1"/>
+          </p:cNvSpPr>
+          <p:nvPr>
+            <p:ph type="sldNum" sz="quarter" idx="12"/>
+          </p:nvPr>
+        </p:nvSpPr>
+        <p:spPr/>
+        <p:txBody>
+          <a:bodyPr/>
+          <a:lstStyle/>
+          <a:p>
+            <a:fld id="{311E45DA-37E0-4DEF-A6F5-3567A4B31782}" type="slidenum">
+              <a:rPr lang="en-US" smtClean="0"/>
               <a:t>‹#›</a:t>
             </a:fld>
-            <a:endParaRPr lang="en-US" sz="1100" b="1" baseline="0" dirty="0">
-              <a:solidFill>
-                <a:srgbClr val="56565A"/>
-              </a:solidFill>
-              <a:latin typeface="+mj-lt"/>
-              <a:cs typeface="Cordia New" panose="020B0304020202020204" pitchFamily="34" charset="-34"/>
-            </a:endParaRPr>
-          </a:p>
-        </p:txBody>
-      </p:sp>
-      <p:sp>
-        <p:nvSpPr>
-          <p:cNvPr id="5" name="Subtitle 2"/>
-          <p:cNvSpPr txBox="1">
-            <a:spLocks/>
-          </p:cNvSpPr>
-          <p:nvPr userDrawn="1"/>
-        </p:nvSpPr>
-        <p:spPr>
-          <a:xfrm>
-            <a:off x="6816011" y="4975156"/>
-            <a:ext cx="5267132" cy="669864"/>
-          </a:xfrm>
-          <a:prstGeom prst="rect">
-            <a:avLst/>
-          </a:prstGeom>
-        </p:spPr>
-        <p:txBody>
-          <a:bodyPr vert="horz" lIns="91440" tIns="45720" rIns="91440" bIns="45720" rtlCol="0">
-            <a:noAutofit/>
-          </a:bodyPr>
-          <a:lstStyle>
-            <a:lvl1pPr marL="0" indent="0" algn="ctr" defTabSz="914400" rtl="0" eaLnBrk="1" latinLnBrk="0" hangingPunct="1">
-              <a:lnSpc>
-                <a:spcPct val="90000"/>
-              </a:lnSpc>
-              <a:spcBef>
-                <a:spcPts val="1000"/>
-              </a:spcBef>
-              <a:buFont typeface="Arial" panose="020B0604020202020204" pitchFamily="34" charset="0"/>
-              <a:buNone/>
-              <a:defRPr sz="2400" kern="1200">
-                <a:solidFill>
-                  <a:schemeClr val="tx1"/>
-                </a:solidFill>
-                <a:latin typeface="+mn-lt"/>
-                <a:ea typeface="+mn-ea"/>
-                <a:cs typeface="+mn-cs"/>
-              </a:defRPr>
-            </a:lvl1pPr>
-            <a:lvl2pPr marL="457200" indent="0" algn="ctr" defTabSz="914400" rtl="0" eaLnBrk="1" latinLnBrk="0" hangingPunct="1">
-              <a:lnSpc>
-                <a:spcPct val="90000"/>
-              </a:lnSpc>
-              <a:spcBef>
-                <a:spcPts val="500"/>
-              </a:spcBef>
-              <a:buFont typeface="Arial" panose="020B0604020202020204" pitchFamily="34" charset="0"/>
-              <a:buNone/>
-              <a:defRPr sz="2000" kern="1200">
-                <a:solidFill>
-                  <a:schemeClr val="tx1"/>
-                </a:solidFill>
-                <a:latin typeface="+mn-lt"/>
-                <a:ea typeface="+mn-ea"/>
-                <a:cs typeface="+mn-cs"/>
-              </a:defRPr>
-            </a:lvl2pPr>
-            <a:lvl3pPr marL="914400" indent="0" algn="ctr" defTabSz="914400" rtl="0" eaLnBrk="1" latinLnBrk="0" hangingPunct="1">
-              <a:lnSpc>
-                <a:spcPct val="90000"/>
-              </a:lnSpc>
-              <a:spcBef>
-                <a:spcPts val="500"/>
-              </a:spcBef>
-              <a:buFont typeface="Arial" panose="020B0604020202020204" pitchFamily="34" charset="0"/>
-              <a:buNone/>
-              <a:defRPr sz="1800" kern="1200">
-                <a:solidFill>
-                  <a:schemeClr val="tx1"/>
-                </a:solidFill>
-                <a:latin typeface="+mn-lt"/>
-                <a:ea typeface="+mn-ea"/>
-                <a:cs typeface="+mn-cs"/>
-              </a:defRPr>
-            </a:lvl3pPr>
-            <a:lvl4pPr marL="1371600" indent="0" algn="ctr" defTabSz="914400" rtl="0" eaLnBrk="1" latinLnBrk="0" hangingPunct="1">
-              <a:lnSpc>
-                <a:spcPct val="90000"/>
-              </a:lnSpc>
-              <a:spcBef>
-                <a:spcPts val="500"/>
-              </a:spcBef>
-              <a:buFont typeface="Arial" panose="020B0604020202020204" pitchFamily="34" charset="0"/>
-              <a:buNone/>
-              <a:defRPr sz="1600" kern="1200">
-                <a:solidFill>
-                  <a:schemeClr val="tx1"/>
-                </a:solidFill>
-                <a:latin typeface="+mn-lt"/>
-                <a:ea typeface="+mn-ea"/>
-                <a:cs typeface="+mn-cs"/>
-              </a:defRPr>
-            </a:lvl4pPr>
-            <a:lvl5pPr marL="1828800" indent="0" algn="ctr" defTabSz="914400" rtl="0" eaLnBrk="1" latinLnBrk="0" hangingPunct="1">
-              <a:lnSpc>
-                <a:spcPct val="90000"/>
-              </a:lnSpc>
-              <a:spcBef>
-                <a:spcPts val="500"/>
-              </a:spcBef>
-              <a:buFont typeface="Arial" panose="020B0604020202020204" pitchFamily="34" charset="0"/>
-              <a:buNone/>
-              <a:defRPr sz="1600" kern="1200">
-                <a:solidFill>
-                  <a:schemeClr val="tx1"/>
-                </a:solidFill>
-                <a:latin typeface="+mn-lt"/>
-                <a:ea typeface="+mn-ea"/>
-                <a:cs typeface="+mn-cs"/>
-              </a:defRPr>
-            </a:lvl5pPr>
-            <a:lvl6pPr marL="2286000" indent="0" algn="ctr" defTabSz="914400" rtl="0" eaLnBrk="1" latinLnBrk="0" hangingPunct="1">
-              <a:lnSpc>
-                <a:spcPct val="90000"/>
-              </a:lnSpc>
-              <a:spcBef>
-                <a:spcPts val="500"/>
-              </a:spcBef>
-              <a:buFont typeface="Arial" panose="020B0604020202020204" pitchFamily="34" charset="0"/>
-              <a:buNone/>
-              <a:defRPr sz="1600" kern="1200">
-                <a:solidFill>
-                  <a:schemeClr val="tx1"/>
-                </a:solidFill>
-                <a:latin typeface="+mn-lt"/>
-                <a:ea typeface="+mn-ea"/>
-                <a:cs typeface="+mn-cs"/>
-              </a:defRPr>
-            </a:lvl6pPr>
-            <a:lvl7pPr marL="2743200" indent="0" algn="ctr" defTabSz="914400" rtl="0" eaLnBrk="1" latinLnBrk="0" hangingPunct="1">
-              <a:lnSpc>
-                <a:spcPct val="90000"/>
-              </a:lnSpc>
-              <a:spcBef>
-                <a:spcPts val="500"/>
-              </a:spcBef>
-              <a:buFont typeface="Arial" panose="020B0604020202020204" pitchFamily="34" charset="0"/>
-              <a:buNone/>
-              <a:defRPr sz="1600" kern="1200">
-                <a:solidFill>
-                  <a:schemeClr val="tx1"/>
-                </a:solidFill>
-                <a:latin typeface="+mn-lt"/>
-                <a:ea typeface="+mn-ea"/>
-                <a:cs typeface="+mn-cs"/>
-              </a:defRPr>
-            </a:lvl7pPr>
-            <a:lvl8pPr marL="3200400" indent="0" algn="ctr" defTabSz="914400" rtl="0" eaLnBrk="1" latinLnBrk="0" hangingPunct="1">
-              <a:lnSpc>
-                <a:spcPct val="90000"/>
-              </a:lnSpc>
-              <a:spcBef>
-                <a:spcPts val="500"/>
-              </a:spcBef>
-              <a:buFont typeface="Arial" panose="020B0604020202020204" pitchFamily="34" charset="0"/>
-              <a:buNone/>
-              <a:defRPr sz="1600" kern="1200">
-                <a:solidFill>
-                  <a:schemeClr val="tx1"/>
-                </a:solidFill>
-                <a:latin typeface="+mn-lt"/>
-                <a:ea typeface="+mn-ea"/>
-                <a:cs typeface="+mn-cs"/>
-              </a:defRPr>
-            </a:lvl8pPr>
-            <a:lvl9pPr marL="3657600" indent="0" algn="ctr" defTabSz="914400" rtl="0" eaLnBrk="1" latinLnBrk="0" hangingPunct="1">
-              <a:lnSpc>
-                <a:spcPct val="90000"/>
-              </a:lnSpc>
-              <a:spcBef>
-                <a:spcPts val="500"/>
-              </a:spcBef>
-              <a:buFont typeface="Arial" panose="020B0604020202020204" pitchFamily="34" charset="0"/>
-              <a:buNone/>
-              <a:defRPr sz="1600" kern="1200">
-                <a:solidFill>
-                  <a:schemeClr val="tx1"/>
-                </a:solidFill>
-                <a:latin typeface="+mn-lt"/>
-                <a:ea typeface="+mn-ea"/>
-                <a:cs typeface="+mn-cs"/>
-              </a:defRPr>
-            </a:lvl9pPr>
-          </a:lstStyle>
-          <a:p>
-            <a:pPr algn="l">
-              <a:lnSpc>
-                <a:spcPts val="5600"/>
-              </a:lnSpc>
-              <a:spcBef>
-                <a:spcPts val="0"/>
-              </a:spcBef>
-            </a:pPr>
-            <a:r>
-              <a:rPr lang="en-US" sz="6500" b="0" i="1" dirty="0">
-                <a:solidFill>
-                  <a:srgbClr val="56565A"/>
-                </a:solidFill>
-                <a:latin typeface="+mn-lt"/>
-                <a:ea typeface="Dotum" panose="020B0600000101010101" pitchFamily="34" charset="-127"/>
-                <a:cs typeface="Cordia New" panose="020B0304020202020204" pitchFamily="34" charset="-34"/>
-              </a:rPr>
-              <a:t>THANK YOU</a:t>
-            </a:r>
+            <a:endParaRPr lang="en-US"/>
           </a:p>
         </p:txBody>
       </p:sp>
     </p:spTree>
     <p:extLst>
       <p:ext uri="{BB962C8B-B14F-4D97-AF65-F5344CB8AC3E}">
-        <p14:creationId xmlns:p14="http://schemas.microsoft.com/office/powerpoint/2010/main" val="3026564041"/>
+        <p14:creationId xmlns:p14="http://schemas.microsoft.com/office/powerpoint/2010/main" val="4090566527"/>
       </p:ext>
     </p:extLst>
   </p:cSld>
@@ -6648,23 +6344,9 @@
 </p:sldLayout>
 </file>
 
-<file path=ppt/slideLayouts/slideLayout2.xml><?xml version="1.0" encoding="utf-8"?>
-<p:sldLayout xmlns:a="http://schemas.openxmlformats.org/drawingml/2006/main" xmlns:r="http://schemas.openxmlformats.org/officeDocument/2006/relationships" xmlns:p="http://schemas.openxmlformats.org/presentationml/2006/main" preserve="1" userDrawn="1">
-  <p:cSld name="Title and Content">
-    <p:bg>
-      <p:bgPr>
-        <a:blipFill dpi="0" rotWithShape="1">
-          <a:blip r:embed="rId2">
-            <a:lum/>
-          </a:blip>
-          <a:srcRect/>
-          <a:stretch>
-            <a:fillRect/>
-          </a:stretch>
-        </a:blipFill>
-        <a:effectLst/>
-      </p:bgPr>
-    </p:bg>
+<file path=ppt/slideLayouts/slideLayout3.xml><?xml version="1.0" encoding="utf-8"?>
+<p:sldLayout xmlns:a="http://schemas.openxmlformats.org/drawingml/2006/main" xmlns:r="http://schemas.openxmlformats.org/officeDocument/2006/relationships" xmlns:p="http://schemas.openxmlformats.org/presentationml/2006/main" type="secHead" preserve="1">
+  <p:cSld name="Section Header">
     <p:spTree>
       <p:nvGrpSpPr>
         <p:cNvPr id="1" name=""/>
@@ -6681,147 +6363,24 @@
       </p:grpSpPr>
       <p:sp>
         <p:nvSpPr>
-          <p:cNvPr id="3" name="Content Placeholder 2"/>
+          <p:cNvPr id="2" name="Title 1">
+            <a:extLst>
+              <a:ext uri="{FF2B5EF4-FFF2-40B4-BE49-F238E27FC236}">
+                <a16:creationId xmlns:a16="http://schemas.microsoft.com/office/drawing/2014/main" id="{E639FF13-BB9C-4EC2-895B-A167BDBD5AAD}"/>
+              </a:ext>
+            </a:extLst>
+          </p:cNvPr>
           <p:cNvSpPr>
             <a:spLocks noGrp="1"/>
           </p:cNvSpPr>
           <p:nvPr>
-            <p:ph idx="1"/>
+            <p:ph type="title"/>
           </p:nvPr>
         </p:nvSpPr>
         <p:spPr>
           <a:xfrm>
-            <a:off x="432154" y="911225"/>
-            <a:ext cx="11430000" cy="4810845"/>
-          </a:xfrm>
-        </p:spPr>
-        <p:txBody>
-          <a:bodyPr/>
-          <a:lstStyle/>
-          <a:p>
-            <a:pPr lvl="0"/>
-            <a:r>
-              <a:rPr lang="en-US"/>
-              <a:t>Edit Master text styles</a:t>
-            </a:r>
-          </a:p>
-          <a:p>
-            <a:pPr lvl="1"/>
-            <a:r>
-              <a:rPr lang="en-US"/>
-              <a:t>Second level</a:t>
-            </a:r>
-          </a:p>
-          <a:p>
-            <a:pPr lvl="2"/>
-            <a:r>
-              <a:rPr lang="en-US"/>
-              <a:t>Third level</a:t>
-            </a:r>
-          </a:p>
-          <a:p>
-            <a:pPr lvl="3"/>
-            <a:r>
-              <a:rPr lang="en-US"/>
-              <a:t>Fourth level</a:t>
-            </a:r>
-          </a:p>
-          <a:p>
-            <a:pPr lvl="4"/>
-            <a:r>
-              <a:rPr lang="en-US"/>
-              <a:t>Fifth level</a:t>
-            </a:r>
-            <a:endParaRPr lang="en-US" dirty="0"/>
-          </a:p>
-        </p:txBody>
-      </p:sp>
-      <p:sp>
-        <p:nvSpPr>
-          <p:cNvPr id="6" name="Title 1"/>
-          <p:cNvSpPr>
-            <a:spLocks noGrp="1"/>
-          </p:cNvSpPr>
-          <p:nvPr>
-            <p:ph type="title"/>
-          </p:nvPr>
-        </p:nvSpPr>
-        <p:spPr>
-          <a:xfrm>
-            <a:off x="386499" y="254524"/>
-            <a:ext cx="11425287" cy="540618"/>
-          </a:xfrm>
-        </p:spPr>
-        <p:txBody>
-          <a:bodyPr/>
-          <a:lstStyle/>
-          <a:p>
-            <a:r>
-              <a:rPr lang="en-US"/>
-              <a:t>Click to edit Master title style</a:t>
-            </a:r>
-            <a:endParaRPr lang="en-US" dirty="0"/>
-          </a:p>
-        </p:txBody>
-      </p:sp>
-    </p:spTree>
-    <p:extLst>
-      <p:ext uri="{BB962C8B-B14F-4D97-AF65-F5344CB8AC3E}">
-        <p14:creationId xmlns:p14="http://schemas.microsoft.com/office/powerpoint/2010/main" val="2003086153"/>
-      </p:ext>
-    </p:extLst>
-  </p:cSld>
-  <p:clrMapOvr>
-    <a:masterClrMapping/>
-  </p:clrMapOvr>
-</p:sldLayout>
-</file>
-
-<file path=ppt/slideLayouts/slideLayout3.xml><?xml version="1.0" encoding="utf-8"?>
-<p:sldLayout xmlns:a="http://schemas.openxmlformats.org/drawingml/2006/main" xmlns:r="http://schemas.openxmlformats.org/officeDocument/2006/relationships" xmlns:p="http://schemas.openxmlformats.org/presentationml/2006/main" preserve="1" userDrawn="1">
-  <p:cSld name="Section Header">
-    <p:bg>
-      <p:bgPr>
-        <a:blipFill dpi="0" rotWithShape="1">
-          <a:blip r:embed="rId2">
-            <a:lum/>
-          </a:blip>
-          <a:srcRect/>
-          <a:stretch>
-            <a:fillRect/>
-          </a:stretch>
-        </a:blipFill>
-        <a:effectLst/>
-      </p:bgPr>
-    </p:bg>
-    <p:spTree>
-      <p:nvGrpSpPr>
-        <p:cNvPr id="1" name=""/>
-        <p:cNvGrpSpPr/>
-        <p:nvPr/>
-      </p:nvGrpSpPr>
-      <p:grpSpPr>
-        <a:xfrm>
-          <a:off x="0" y="0"/>
-          <a:ext cx="0" cy="0"/>
-          <a:chOff x="0" y="0"/>
-          <a:chExt cx="0" cy="0"/>
-        </a:xfrm>
-      </p:grpSpPr>
-      <p:sp>
-        <p:nvSpPr>
-          <p:cNvPr id="2" name="Title 1"/>
-          <p:cNvSpPr>
-            <a:spLocks noGrp="1"/>
-          </p:cNvSpPr>
-          <p:nvPr>
-            <p:ph type="title"/>
-          </p:nvPr>
-        </p:nvSpPr>
-        <p:spPr>
-          <a:xfrm>
-            <a:off x="394447" y="252398"/>
-            <a:ext cx="11429999" cy="3423957"/>
+            <a:off x="831850" y="1709738"/>
+            <a:ext cx="10515600" cy="2852737"/>
           </a:xfrm>
         </p:spPr>
         <p:txBody>
@@ -6836,13 +6395,18 @@
               <a:rPr lang="en-US"/>
               <a:t>Click to edit Master title style</a:t>
             </a:r>
-            <a:endParaRPr lang="en-US" dirty="0"/>
-          </a:p>
-        </p:txBody>
-      </p:sp>
-      <p:sp>
-        <p:nvSpPr>
-          <p:cNvPr id="3" name="Text Placeholder 2"/>
+          </a:p>
+        </p:txBody>
+      </p:sp>
+      <p:sp>
+        <p:nvSpPr>
+          <p:cNvPr id="3" name="Text Placeholder 2">
+            <a:extLst>
+              <a:ext uri="{FF2B5EF4-FFF2-40B4-BE49-F238E27FC236}">
+                <a16:creationId xmlns:a16="http://schemas.microsoft.com/office/drawing/2014/main" id="{C832BB3D-8325-4020-AB88-A3E9672E5C64}"/>
+              </a:ext>
+            </a:extLst>
+          </p:cNvPr>
           <p:cNvSpPr>
             <a:spLocks noGrp="1"/>
           </p:cNvSpPr>
@@ -6852,8 +6416,8 @@
         </p:nvSpPr>
         <p:spPr>
           <a:xfrm>
-            <a:off x="394447" y="3703343"/>
-            <a:ext cx="11429999" cy="2018727"/>
+            <a:off x="831850" y="4589463"/>
+            <a:ext cx="10515600" cy="1500187"/>
           </a:xfrm>
         </p:spPr>
         <p:txBody>
@@ -6954,15 +6518,98 @@
             <a:pPr lvl="0"/>
             <a:r>
               <a:rPr lang="en-US"/>
-              <a:t>Edit Master text styles</a:t>
-            </a:r>
+              <a:t>Click to edit Master text styles</a:t>
+            </a:r>
+          </a:p>
+        </p:txBody>
+      </p:sp>
+      <p:sp>
+        <p:nvSpPr>
+          <p:cNvPr id="4" name="Date Placeholder 3">
+            <a:extLst>
+              <a:ext uri="{FF2B5EF4-FFF2-40B4-BE49-F238E27FC236}">
+                <a16:creationId xmlns:a16="http://schemas.microsoft.com/office/drawing/2014/main" id="{AF05F54F-564A-47D3-8B85-B5C4243538D9}"/>
+              </a:ext>
+            </a:extLst>
+          </p:cNvPr>
+          <p:cNvSpPr>
+            <a:spLocks noGrp="1"/>
+          </p:cNvSpPr>
+          <p:nvPr>
+            <p:ph type="dt" sz="half" idx="10"/>
+          </p:nvPr>
+        </p:nvSpPr>
+        <p:spPr/>
+        <p:txBody>
+          <a:bodyPr/>
+          <a:lstStyle/>
+          <a:p>
+            <a:fld id="{3B9F33C8-8A6A-49A2-8949-28E9F813AC6F}" type="datetimeFigureOut">
+              <a:rPr lang="en-US" smtClean="0"/>
+              <a:t>6/8/2020</a:t>
+            </a:fld>
+            <a:endParaRPr lang="en-US"/>
+          </a:p>
+        </p:txBody>
+      </p:sp>
+      <p:sp>
+        <p:nvSpPr>
+          <p:cNvPr id="5" name="Footer Placeholder 4">
+            <a:extLst>
+              <a:ext uri="{FF2B5EF4-FFF2-40B4-BE49-F238E27FC236}">
+                <a16:creationId xmlns:a16="http://schemas.microsoft.com/office/drawing/2014/main" id="{8ED23131-A06A-40FB-A003-5C292D00BB43}"/>
+              </a:ext>
+            </a:extLst>
+          </p:cNvPr>
+          <p:cNvSpPr>
+            <a:spLocks noGrp="1"/>
+          </p:cNvSpPr>
+          <p:nvPr>
+            <p:ph type="ftr" sz="quarter" idx="11"/>
+          </p:nvPr>
+        </p:nvSpPr>
+        <p:spPr/>
+        <p:txBody>
+          <a:bodyPr/>
+          <a:lstStyle/>
+          <a:p>
+            <a:endParaRPr lang="en-US"/>
+          </a:p>
+        </p:txBody>
+      </p:sp>
+      <p:sp>
+        <p:nvSpPr>
+          <p:cNvPr id="6" name="Slide Number Placeholder 5">
+            <a:extLst>
+              <a:ext uri="{FF2B5EF4-FFF2-40B4-BE49-F238E27FC236}">
+                <a16:creationId xmlns:a16="http://schemas.microsoft.com/office/drawing/2014/main" id="{3ECBB451-8661-42D6-812C-CC7240749123}"/>
+              </a:ext>
+            </a:extLst>
+          </p:cNvPr>
+          <p:cNvSpPr>
+            <a:spLocks noGrp="1"/>
+          </p:cNvSpPr>
+          <p:nvPr>
+            <p:ph type="sldNum" sz="quarter" idx="12"/>
+          </p:nvPr>
+        </p:nvSpPr>
+        <p:spPr/>
+        <p:txBody>
+          <a:bodyPr/>
+          <a:lstStyle/>
+          <a:p>
+            <a:fld id="{311E45DA-37E0-4DEF-A6F5-3567A4B31782}" type="slidenum">
+              <a:rPr lang="en-US" smtClean="0"/>
+              <a:t>‹#›</a:t>
+            </a:fld>
+            <a:endParaRPr lang="en-US"/>
           </a:p>
         </p:txBody>
       </p:sp>
     </p:spTree>
     <p:extLst>
       <p:ext uri="{BB962C8B-B14F-4D97-AF65-F5344CB8AC3E}">
-        <p14:creationId xmlns:p14="http://schemas.microsoft.com/office/powerpoint/2010/main" val="110963415"/>
+        <p14:creationId xmlns:p14="http://schemas.microsoft.com/office/powerpoint/2010/main" val="2333373568"/>
       </p:ext>
     </p:extLst>
   </p:cSld>
@@ -6973,22 +6620,8 @@
 </file>
 
 <file path=ppt/slideLayouts/slideLayout4.xml><?xml version="1.0" encoding="utf-8"?>
-<p:sldLayout xmlns:a="http://schemas.openxmlformats.org/drawingml/2006/main" xmlns:r="http://schemas.openxmlformats.org/officeDocument/2006/relationships" xmlns:p="http://schemas.openxmlformats.org/presentationml/2006/main" preserve="1" userDrawn="1">
+<p:sldLayout xmlns:a="http://schemas.openxmlformats.org/drawingml/2006/main" xmlns:r="http://schemas.openxmlformats.org/officeDocument/2006/relationships" xmlns:p="http://schemas.openxmlformats.org/presentationml/2006/main" type="twoObj" preserve="1">
   <p:cSld name="Two Content">
-    <p:bg>
-      <p:bgPr>
-        <a:blipFill dpi="0" rotWithShape="1">
-          <a:blip r:embed="rId2">
-            <a:lum/>
-          </a:blip>
-          <a:srcRect/>
-          <a:stretch>
-            <a:fillRect/>
-          </a:stretch>
-        </a:blipFill>
-        <a:effectLst/>
-      </p:bgPr>
-    </p:bg>
     <p:spTree>
       <p:nvGrpSpPr>
         <p:cNvPr id="1" name=""/>
@@ -7005,7 +6638,41 @@
       </p:grpSpPr>
       <p:sp>
         <p:nvSpPr>
-          <p:cNvPr id="3" name="Content Placeholder 2"/>
+          <p:cNvPr id="2" name="Title 1">
+            <a:extLst>
+              <a:ext uri="{FF2B5EF4-FFF2-40B4-BE49-F238E27FC236}">
+                <a16:creationId xmlns:a16="http://schemas.microsoft.com/office/drawing/2014/main" id="{674A45D7-0577-4ECC-AE1A-B9D0467A32A9}"/>
+              </a:ext>
+            </a:extLst>
+          </p:cNvPr>
+          <p:cNvSpPr>
+            <a:spLocks noGrp="1"/>
+          </p:cNvSpPr>
+          <p:nvPr>
+            <p:ph type="title"/>
+          </p:nvPr>
+        </p:nvSpPr>
+        <p:spPr/>
+        <p:txBody>
+          <a:bodyPr/>
+          <a:lstStyle/>
+          <a:p>
+            <a:r>
+              <a:rPr lang="en-US"/>
+              <a:t>Click to edit Master title style</a:t>
+            </a:r>
+          </a:p>
+        </p:txBody>
+      </p:sp>
+      <p:sp>
+        <p:nvSpPr>
+          <p:cNvPr id="3" name="Content Placeholder 2">
+            <a:extLst>
+              <a:ext uri="{FF2B5EF4-FFF2-40B4-BE49-F238E27FC236}">
+                <a16:creationId xmlns:a16="http://schemas.microsoft.com/office/drawing/2014/main" id="{C354D2DC-A330-4C30-9AC9-F0D43808AB60}"/>
+              </a:ext>
+            </a:extLst>
+          </p:cNvPr>
           <p:cNvSpPr>
             <a:spLocks noGrp="1"/>
           </p:cNvSpPr>
@@ -7015,8 +6682,8 @@
         </p:nvSpPr>
         <p:spPr>
           <a:xfrm>
-            <a:off x="394447" y="914401"/>
-            <a:ext cx="5625353" cy="4807670"/>
+            <a:off x="838200" y="1825625"/>
+            <a:ext cx="5181600" cy="4351338"/>
           </a:xfrm>
         </p:spPr>
         <p:txBody>
@@ -7026,7 +6693,7 @@
             <a:pPr lvl="0"/>
             <a:r>
               <a:rPr lang="en-US"/>
-              <a:t>Edit Master text styles</a:t>
+              <a:t>Click to edit Master text styles</a:t>
             </a:r>
           </a:p>
           <a:p>
@@ -7056,13 +6723,18 @@
               <a:rPr lang="en-US"/>
               <a:t>Fifth level</a:t>
             </a:r>
-            <a:endParaRPr lang="en-US" dirty="0"/>
-          </a:p>
-        </p:txBody>
-      </p:sp>
-      <p:sp>
-        <p:nvSpPr>
-          <p:cNvPr id="4" name="Content Placeholder 3"/>
+          </a:p>
+        </p:txBody>
+      </p:sp>
+      <p:sp>
+        <p:nvSpPr>
+          <p:cNvPr id="4" name="Content Placeholder 3">
+            <a:extLst>
+              <a:ext uri="{FF2B5EF4-FFF2-40B4-BE49-F238E27FC236}">
+                <a16:creationId xmlns:a16="http://schemas.microsoft.com/office/drawing/2014/main" id="{1021711A-AE9E-4551-AD8D-EF1F6299379F}"/>
+              </a:ext>
+            </a:extLst>
+          </p:cNvPr>
           <p:cNvSpPr>
             <a:spLocks noGrp="1"/>
           </p:cNvSpPr>
@@ -7072,8 +6744,8 @@
         </p:nvSpPr>
         <p:spPr>
           <a:xfrm>
-            <a:off x="6172199" y="914401"/>
-            <a:ext cx="5652247" cy="4807670"/>
+            <a:off x="6172200" y="1825625"/>
+            <a:ext cx="5181600" cy="4351338"/>
           </a:xfrm>
         </p:spPr>
         <p:txBody>
@@ -7083,7 +6755,7 @@
             <a:pPr lvl="0"/>
             <a:r>
               <a:rPr lang="en-US"/>
-              <a:t>Edit Master text styles</a:t>
+              <a:t>Click to edit Master text styles</a:t>
             </a:r>
           </a:p>
           <a:p>
@@ -7118,36 +6790,91 @@
       </p:sp>
       <p:sp>
         <p:nvSpPr>
-          <p:cNvPr id="6" name="Title 1"/>
+          <p:cNvPr id="5" name="Date Placeholder 4">
+            <a:extLst>
+              <a:ext uri="{FF2B5EF4-FFF2-40B4-BE49-F238E27FC236}">
+                <a16:creationId xmlns:a16="http://schemas.microsoft.com/office/drawing/2014/main" id="{EEDA2060-7CD5-4430-ABA8-01C736E04DBF}"/>
+              </a:ext>
+            </a:extLst>
+          </p:cNvPr>
           <p:cNvSpPr>
             <a:spLocks noGrp="1"/>
           </p:cNvSpPr>
           <p:nvPr>
-            <p:ph type="title"/>
-          </p:nvPr>
-        </p:nvSpPr>
-        <p:spPr>
-          <a:xfrm>
-            <a:off x="386499" y="254524"/>
-            <a:ext cx="11425287" cy="540618"/>
-          </a:xfrm>
-        </p:spPr>
+            <p:ph type="dt" sz="half" idx="10"/>
+          </p:nvPr>
+        </p:nvSpPr>
+        <p:spPr/>
         <p:txBody>
           <a:bodyPr/>
           <a:lstStyle/>
           <a:p>
-            <a:r>
-              <a:rPr lang="en-US"/>
-              <a:t>Click to edit Master title style</a:t>
-            </a:r>
-            <a:endParaRPr lang="en-US" dirty="0"/>
+            <a:fld id="{3B9F33C8-8A6A-49A2-8949-28E9F813AC6F}" type="datetimeFigureOut">
+              <a:rPr lang="en-US" smtClean="0"/>
+              <a:t>6/8/2020</a:t>
+            </a:fld>
+            <a:endParaRPr lang="en-US"/>
+          </a:p>
+        </p:txBody>
+      </p:sp>
+      <p:sp>
+        <p:nvSpPr>
+          <p:cNvPr id="6" name="Footer Placeholder 5">
+            <a:extLst>
+              <a:ext uri="{FF2B5EF4-FFF2-40B4-BE49-F238E27FC236}">
+                <a16:creationId xmlns:a16="http://schemas.microsoft.com/office/drawing/2014/main" id="{DFAFEC48-DBC9-41F2-AD46-58AE1131AE31}"/>
+              </a:ext>
+            </a:extLst>
+          </p:cNvPr>
+          <p:cNvSpPr>
+            <a:spLocks noGrp="1"/>
+          </p:cNvSpPr>
+          <p:nvPr>
+            <p:ph type="ftr" sz="quarter" idx="11"/>
+          </p:nvPr>
+        </p:nvSpPr>
+        <p:spPr/>
+        <p:txBody>
+          <a:bodyPr/>
+          <a:lstStyle/>
+          <a:p>
+            <a:endParaRPr lang="en-US"/>
+          </a:p>
+        </p:txBody>
+      </p:sp>
+      <p:sp>
+        <p:nvSpPr>
+          <p:cNvPr id="7" name="Slide Number Placeholder 6">
+            <a:extLst>
+              <a:ext uri="{FF2B5EF4-FFF2-40B4-BE49-F238E27FC236}">
+                <a16:creationId xmlns:a16="http://schemas.microsoft.com/office/drawing/2014/main" id="{84367EC6-EA09-4B97-98D6-E0260F13D6A1}"/>
+              </a:ext>
+            </a:extLst>
+          </p:cNvPr>
+          <p:cNvSpPr>
+            <a:spLocks noGrp="1"/>
+          </p:cNvSpPr>
+          <p:nvPr>
+            <p:ph type="sldNum" sz="quarter" idx="12"/>
+          </p:nvPr>
+        </p:nvSpPr>
+        <p:spPr/>
+        <p:txBody>
+          <a:bodyPr/>
+          <a:lstStyle/>
+          <a:p>
+            <a:fld id="{311E45DA-37E0-4DEF-A6F5-3567A4B31782}" type="slidenum">
+              <a:rPr lang="en-US" smtClean="0"/>
+              <a:t>‹#›</a:t>
+            </a:fld>
+            <a:endParaRPr lang="en-US"/>
           </a:p>
         </p:txBody>
       </p:sp>
     </p:spTree>
     <p:extLst>
       <p:ext uri="{BB962C8B-B14F-4D97-AF65-F5344CB8AC3E}">
-        <p14:creationId xmlns:p14="http://schemas.microsoft.com/office/powerpoint/2010/main" val="3689947762"/>
+        <p14:creationId xmlns:p14="http://schemas.microsoft.com/office/powerpoint/2010/main" val="4039512267"/>
       </p:ext>
     </p:extLst>
   </p:cSld>
@@ -7158,22 +6885,8 @@
 </file>
 
 <file path=ppt/slideLayouts/slideLayout5.xml><?xml version="1.0" encoding="utf-8"?>
-<p:sldLayout xmlns:a="http://schemas.openxmlformats.org/drawingml/2006/main" xmlns:r="http://schemas.openxmlformats.org/officeDocument/2006/relationships" xmlns:p="http://schemas.openxmlformats.org/presentationml/2006/main" preserve="1" userDrawn="1">
+<p:sldLayout xmlns:a="http://schemas.openxmlformats.org/drawingml/2006/main" xmlns:r="http://schemas.openxmlformats.org/officeDocument/2006/relationships" xmlns:p="http://schemas.openxmlformats.org/presentationml/2006/main" type="twoTxTwoObj" preserve="1">
   <p:cSld name="Comparison">
-    <p:bg>
-      <p:bgPr>
-        <a:blipFill dpi="0" rotWithShape="1">
-          <a:blip r:embed="rId2">
-            <a:lum/>
-          </a:blip>
-          <a:srcRect/>
-          <a:stretch>
-            <a:fillRect/>
-          </a:stretch>
-        </a:blipFill>
-        <a:effectLst/>
-      </p:bgPr>
-    </p:bg>
     <p:spTree>
       <p:nvGrpSpPr>
         <p:cNvPr id="1" name=""/>
@@ -7190,7 +6903,13 @@
       </p:grpSpPr>
       <p:sp>
         <p:nvSpPr>
-          <p:cNvPr id="2" name="Title 1"/>
+          <p:cNvPr id="2" name="Title 1">
+            <a:extLst>
+              <a:ext uri="{FF2B5EF4-FFF2-40B4-BE49-F238E27FC236}">
+                <a16:creationId xmlns:a16="http://schemas.microsoft.com/office/drawing/2014/main" id="{5B5A4A50-C086-4018-8546-1554DA1A1784}"/>
+              </a:ext>
+            </a:extLst>
+          </p:cNvPr>
           <p:cNvSpPr>
             <a:spLocks noGrp="1"/>
           </p:cNvSpPr>
@@ -7200,8 +6919,8 @@
         </p:nvSpPr>
         <p:spPr>
           <a:xfrm>
-            <a:off x="386499" y="254524"/>
-            <a:ext cx="11425287" cy="540618"/>
+            <a:off x="839788" y="365125"/>
+            <a:ext cx="10515600" cy="1325563"/>
           </a:xfrm>
         </p:spPr>
         <p:txBody>
@@ -7212,13 +6931,18 @@
               <a:rPr lang="en-US"/>
               <a:t>Click to edit Master title style</a:t>
             </a:r>
-            <a:endParaRPr lang="en-US" dirty="0"/>
-          </a:p>
-        </p:txBody>
-      </p:sp>
-      <p:sp>
-        <p:nvSpPr>
-          <p:cNvPr id="3" name="Text Placeholder 2"/>
+          </a:p>
+        </p:txBody>
+      </p:sp>
+      <p:sp>
+        <p:nvSpPr>
+          <p:cNvPr id="3" name="Text Placeholder 2">
+            <a:extLst>
+              <a:ext uri="{FF2B5EF4-FFF2-40B4-BE49-F238E27FC236}">
+                <a16:creationId xmlns:a16="http://schemas.microsoft.com/office/drawing/2014/main" id="{1EB7C149-A5CB-4EA2-858E-EA3123C43546}"/>
+              </a:ext>
+            </a:extLst>
+          </p:cNvPr>
           <p:cNvSpPr>
             <a:spLocks noGrp="1"/>
           </p:cNvSpPr>
@@ -7228,8 +6952,8 @@
         </p:nvSpPr>
         <p:spPr>
           <a:xfrm>
-            <a:off x="386500" y="904973"/>
-            <a:ext cx="5611076" cy="704555"/>
+            <a:off x="839788" y="1681163"/>
+            <a:ext cx="5157787" cy="823912"/>
           </a:xfrm>
         </p:spPr>
         <p:txBody>
@@ -7276,14 +7000,20 @@
             <a:pPr lvl="0"/>
             <a:r>
               <a:rPr lang="en-US"/>
-              <a:t>Edit Master text styles</a:t>
-            </a:r>
-          </a:p>
-        </p:txBody>
-      </p:sp>
-      <p:sp>
-        <p:nvSpPr>
-          <p:cNvPr id="4" name="Content Placeholder 3"/>
+              <a:t>Click to edit Master text styles</a:t>
+            </a:r>
+          </a:p>
+        </p:txBody>
+      </p:sp>
+      <p:sp>
+        <p:nvSpPr>
+          <p:cNvPr id="4" name="Content Placeholder 3">
+            <a:extLst>
+              <a:ext uri="{FF2B5EF4-FFF2-40B4-BE49-F238E27FC236}">
+                <a16:creationId xmlns:a16="http://schemas.microsoft.com/office/drawing/2014/main" id="{DD5615C8-52C6-4046-A979-1C49A1499217}"/>
+              </a:ext>
+            </a:extLst>
+          </p:cNvPr>
           <p:cNvSpPr>
             <a:spLocks noGrp="1"/>
           </p:cNvSpPr>
@@ -7293,8 +7023,8 @@
         </p:nvSpPr>
         <p:spPr>
           <a:xfrm>
-            <a:off x="386500" y="1719359"/>
-            <a:ext cx="5611076" cy="4002711"/>
+            <a:off x="839788" y="2505075"/>
+            <a:ext cx="5157787" cy="3684588"/>
           </a:xfrm>
         </p:spPr>
         <p:txBody>
@@ -7304,7 +7034,7 @@
             <a:pPr lvl="0"/>
             <a:r>
               <a:rPr lang="en-US"/>
-              <a:t>Edit Master text styles</a:t>
+              <a:t>Click to edit Master text styles</a:t>
             </a:r>
           </a:p>
           <a:p>
@@ -7334,13 +7064,18 @@
               <a:rPr lang="en-US"/>
               <a:t>Fifth level</a:t>
             </a:r>
-            <a:endParaRPr lang="en-US" dirty="0"/>
-          </a:p>
-        </p:txBody>
-      </p:sp>
-      <p:sp>
-        <p:nvSpPr>
-          <p:cNvPr id="5" name="Text Placeholder 4"/>
+          </a:p>
+        </p:txBody>
+      </p:sp>
+      <p:sp>
+        <p:nvSpPr>
+          <p:cNvPr id="5" name="Text Placeholder 4">
+            <a:extLst>
+              <a:ext uri="{FF2B5EF4-FFF2-40B4-BE49-F238E27FC236}">
+                <a16:creationId xmlns:a16="http://schemas.microsoft.com/office/drawing/2014/main" id="{07289A43-F90C-4DF5-BDD3-62243006E229}"/>
+              </a:ext>
+            </a:extLst>
+          </p:cNvPr>
           <p:cNvSpPr>
             <a:spLocks noGrp="1"/>
           </p:cNvSpPr>
@@ -7350,8 +7085,8 @@
         </p:nvSpPr>
         <p:spPr>
           <a:xfrm>
-            <a:off x="6172200" y="904973"/>
-            <a:ext cx="5639586" cy="704555"/>
+            <a:off x="6172200" y="1681163"/>
+            <a:ext cx="5183188" cy="823912"/>
           </a:xfrm>
         </p:spPr>
         <p:txBody>
@@ -7398,14 +7133,20 @@
             <a:pPr lvl="0"/>
             <a:r>
               <a:rPr lang="en-US"/>
-              <a:t>Edit Master text styles</a:t>
-            </a:r>
-          </a:p>
-        </p:txBody>
-      </p:sp>
-      <p:sp>
-        <p:nvSpPr>
-          <p:cNvPr id="6" name="Content Placeholder 5"/>
+              <a:t>Click to edit Master text styles</a:t>
+            </a:r>
+          </a:p>
+        </p:txBody>
+      </p:sp>
+      <p:sp>
+        <p:nvSpPr>
+          <p:cNvPr id="6" name="Content Placeholder 5">
+            <a:extLst>
+              <a:ext uri="{FF2B5EF4-FFF2-40B4-BE49-F238E27FC236}">
+                <a16:creationId xmlns:a16="http://schemas.microsoft.com/office/drawing/2014/main" id="{BB9482FF-DD31-45BE-8B53-1F1E0A632571}"/>
+              </a:ext>
+            </a:extLst>
+          </p:cNvPr>
           <p:cNvSpPr>
             <a:spLocks noGrp="1"/>
           </p:cNvSpPr>
@@ -7415,8 +7156,8 @@
         </p:nvSpPr>
         <p:spPr>
           <a:xfrm>
-            <a:off x="6172200" y="1719359"/>
-            <a:ext cx="5639586" cy="4002711"/>
+            <a:off x="6172200" y="2505075"/>
+            <a:ext cx="5183188" cy="3684588"/>
           </a:xfrm>
         </p:spPr>
         <p:txBody>
@@ -7426,7 +7167,7 @@
             <a:pPr lvl="0"/>
             <a:r>
               <a:rPr lang="en-US"/>
-              <a:t>Edit Master text styles</a:t>
+              <a:t>Click to edit Master text styles</a:t>
             </a:r>
           </a:p>
           <a:p>
@@ -7456,13 +7197,96 @@
               <a:rPr lang="en-US"/>
               <a:t>Fifth level</a:t>
             </a:r>
+          </a:p>
+        </p:txBody>
+      </p:sp>
+      <p:sp>
+        <p:nvSpPr>
+          <p:cNvPr id="7" name="Date Placeholder 6">
+            <a:extLst>
+              <a:ext uri="{FF2B5EF4-FFF2-40B4-BE49-F238E27FC236}">
+                <a16:creationId xmlns:a16="http://schemas.microsoft.com/office/drawing/2014/main" id="{671027C6-B1DC-4BE4-B486-1AAA7AFA2831}"/>
+              </a:ext>
+            </a:extLst>
+          </p:cNvPr>
+          <p:cNvSpPr>
+            <a:spLocks noGrp="1"/>
+          </p:cNvSpPr>
+          <p:nvPr>
+            <p:ph type="dt" sz="half" idx="10"/>
+          </p:nvPr>
+        </p:nvSpPr>
+        <p:spPr/>
+        <p:txBody>
+          <a:bodyPr/>
+          <a:lstStyle/>
+          <a:p>
+            <a:fld id="{3B9F33C8-8A6A-49A2-8949-28E9F813AC6F}" type="datetimeFigureOut">
+              <a:rPr lang="en-US" smtClean="0"/>
+              <a:t>6/8/2020</a:t>
+            </a:fld>
+            <a:endParaRPr lang="en-US"/>
+          </a:p>
+        </p:txBody>
+      </p:sp>
+      <p:sp>
+        <p:nvSpPr>
+          <p:cNvPr id="8" name="Footer Placeholder 7">
+            <a:extLst>
+              <a:ext uri="{FF2B5EF4-FFF2-40B4-BE49-F238E27FC236}">
+                <a16:creationId xmlns:a16="http://schemas.microsoft.com/office/drawing/2014/main" id="{FFAC927D-89CD-4149-AE32-7D6B3FEFB2B5}"/>
+              </a:ext>
+            </a:extLst>
+          </p:cNvPr>
+          <p:cNvSpPr>
+            <a:spLocks noGrp="1"/>
+          </p:cNvSpPr>
+          <p:nvPr>
+            <p:ph type="ftr" sz="quarter" idx="11"/>
+          </p:nvPr>
+        </p:nvSpPr>
+        <p:spPr/>
+        <p:txBody>
+          <a:bodyPr/>
+          <a:lstStyle/>
+          <a:p>
+            <a:endParaRPr lang="en-US"/>
+          </a:p>
+        </p:txBody>
+      </p:sp>
+      <p:sp>
+        <p:nvSpPr>
+          <p:cNvPr id="9" name="Slide Number Placeholder 8">
+            <a:extLst>
+              <a:ext uri="{FF2B5EF4-FFF2-40B4-BE49-F238E27FC236}">
+                <a16:creationId xmlns:a16="http://schemas.microsoft.com/office/drawing/2014/main" id="{31CB8AA9-C276-408B-92E4-D305C5AD7A7A}"/>
+              </a:ext>
+            </a:extLst>
+          </p:cNvPr>
+          <p:cNvSpPr>
+            <a:spLocks noGrp="1"/>
+          </p:cNvSpPr>
+          <p:nvPr>
+            <p:ph type="sldNum" sz="quarter" idx="12"/>
+          </p:nvPr>
+        </p:nvSpPr>
+        <p:spPr/>
+        <p:txBody>
+          <a:bodyPr/>
+          <a:lstStyle/>
+          <a:p>
+            <a:fld id="{311E45DA-37E0-4DEF-A6F5-3567A4B31782}" type="slidenum">
+              <a:rPr lang="en-US" smtClean="0"/>
+              <a:t>‹#›</a:t>
+            </a:fld>
+            <a:endParaRPr lang="en-US"/>
           </a:p>
         </p:txBody>
       </p:sp>
     </p:spTree>
     <p:extLst>
       <p:ext uri="{BB962C8B-B14F-4D97-AF65-F5344CB8AC3E}">
-        <p14:creationId xmlns:p14="http://schemas.microsoft.com/office/powerpoint/2010/main" val="1254024657"/>
+        <p14:creationId xmlns:p14="http://schemas.microsoft.com/office/powerpoint/2010/main" val="1069903083"/>
       </p:ext>
     </p:extLst>
   </p:cSld>
@@ -7473,22 +7297,8 @@
 </file>
 
 <file path=ppt/slideLayouts/slideLayout6.xml><?xml version="1.0" encoding="utf-8"?>
-<p:sldLayout xmlns:a="http://schemas.openxmlformats.org/drawingml/2006/main" xmlns:r="http://schemas.openxmlformats.org/officeDocument/2006/relationships" xmlns:p="http://schemas.openxmlformats.org/presentationml/2006/main" preserve="1" userDrawn="1">
+<p:sldLayout xmlns:a="http://schemas.openxmlformats.org/drawingml/2006/main" xmlns:r="http://schemas.openxmlformats.org/officeDocument/2006/relationships" xmlns:p="http://schemas.openxmlformats.org/presentationml/2006/main" type="titleOnly" preserve="1">
   <p:cSld name="Title Only">
-    <p:bg>
-      <p:bgPr>
-        <a:blipFill dpi="0" rotWithShape="1">
-          <a:blip r:embed="rId2">
-            <a:lum/>
-          </a:blip>
-          <a:srcRect/>
-          <a:stretch>
-            <a:fillRect/>
-          </a:stretch>
-        </a:blipFill>
-        <a:effectLst/>
-      </p:bgPr>
-    </p:bg>
     <p:spTree>
       <p:nvGrpSpPr>
         <p:cNvPr id="1" name=""/>
@@ -7505,7 +7315,13 @@
       </p:grpSpPr>
       <p:sp>
         <p:nvSpPr>
-          <p:cNvPr id="4" name="Title 1"/>
+          <p:cNvPr id="2" name="Title 1">
+            <a:extLst>
+              <a:ext uri="{FF2B5EF4-FFF2-40B4-BE49-F238E27FC236}">
+                <a16:creationId xmlns:a16="http://schemas.microsoft.com/office/drawing/2014/main" id="{C642BC6D-31C4-45C7-A202-213B171A5AC6}"/>
+              </a:ext>
+            </a:extLst>
+          </p:cNvPr>
           <p:cNvSpPr>
             <a:spLocks noGrp="1"/>
           </p:cNvSpPr>
@@ -7513,12 +7329,7 @@
             <p:ph type="title"/>
           </p:nvPr>
         </p:nvSpPr>
-        <p:spPr>
-          <a:xfrm>
-            <a:off x="386499" y="254524"/>
-            <a:ext cx="11425287" cy="540618"/>
-          </a:xfrm>
-        </p:spPr>
+        <p:spPr/>
         <p:txBody>
           <a:bodyPr/>
           <a:lstStyle/>
@@ -7527,14 +7338,96 @@
               <a:rPr lang="en-US"/>
               <a:t>Click to edit Master title style</a:t>
             </a:r>
-            <a:endParaRPr lang="en-US" dirty="0"/>
+          </a:p>
+        </p:txBody>
+      </p:sp>
+      <p:sp>
+        <p:nvSpPr>
+          <p:cNvPr id="3" name="Date Placeholder 2">
+            <a:extLst>
+              <a:ext uri="{FF2B5EF4-FFF2-40B4-BE49-F238E27FC236}">
+                <a16:creationId xmlns:a16="http://schemas.microsoft.com/office/drawing/2014/main" id="{48D171BE-F14A-4733-89AA-09CEDE2318FA}"/>
+              </a:ext>
+            </a:extLst>
+          </p:cNvPr>
+          <p:cNvSpPr>
+            <a:spLocks noGrp="1"/>
+          </p:cNvSpPr>
+          <p:nvPr>
+            <p:ph type="dt" sz="half" idx="10"/>
+          </p:nvPr>
+        </p:nvSpPr>
+        <p:spPr/>
+        <p:txBody>
+          <a:bodyPr/>
+          <a:lstStyle/>
+          <a:p>
+            <a:fld id="{3B9F33C8-8A6A-49A2-8949-28E9F813AC6F}" type="datetimeFigureOut">
+              <a:rPr lang="en-US" smtClean="0"/>
+              <a:t>6/8/2020</a:t>
+            </a:fld>
+            <a:endParaRPr lang="en-US"/>
+          </a:p>
+        </p:txBody>
+      </p:sp>
+      <p:sp>
+        <p:nvSpPr>
+          <p:cNvPr id="4" name="Footer Placeholder 3">
+            <a:extLst>
+              <a:ext uri="{FF2B5EF4-FFF2-40B4-BE49-F238E27FC236}">
+                <a16:creationId xmlns:a16="http://schemas.microsoft.com/office/drawing/2014/main" id="{7FE4FE29-F75D-4A78-B038-A4BCD13765AF}"/>
+              </a:ext>
+            </a:extLst>
+          </p:cNvPr>
+          <p:cNvSpPr>
+            <a:spLocks noGrp="1"/>
+          </p:cNvSpPr>
+          <p:nvPr>
+            <p:ph type="ftr" sz="quarter" idx="11"/>
+          </p:nvPr>
+        </p:nvSpPr>
+        <p:spPr/>
+        <p:txBody>
+          <a:bodyPr/>
+          <a:lstStyle/>
+          <a:p>
+            <a:endParaRPr lang="en-US"/>
+          </a:p>
+        </p:txBody>
+      </p:sp>
+      <p:sp>
+        <p:nvSpPr>
+          <p:cNvPr id="5" name="Slide Number Placeholder 4">
+            <a:extLst>
+              <a:ext uri="{FF2B5EF4-FFF2-40B4-BE49-F238E27FC236}">
+                <a16:creationId xmlns:a16="http://schemas.microsoft.com/office/drawing/2014/main" id="{435D667C-AE37-445C-90E8-62DABF3BBD0D}"/>
+              </a:ext>
+            </a:extLst>
+          </p:cNvPr>
+          <p:cNvSpPr>
+            <a:spLocks noGrp="1"/>
+          </p:cNvSpPr>
+          <p:nvPr>
+            <p:ph type="sldNum" sz="quarter" idx="12"/>
+          </p:nvPr>
+        </p:nvSpPr>
+        <p:spPr/>
+        <p:txBody>
+          <a:bodyPr/>
+          <a:lstStyle/>
+          <a:p>
+            <a:fld id="{311E45DA-37E0-4DEF-A6F5-3567A4B31782}" type="slidenum">
+              <a:rPr lang="en-US" smtClean="0"/>
+              <a:t>‹#›</a:t>
+            </a:fld>
+            <a:endParaRPr lang="en-US"/>
           </a:p>
         </p:txBody>
       </p:sp>
     </p:spTree>
     <p:extLst>
       <p:ext uri="{BB962C8B-B14F-4D97-AF65-F5344CB8AC3E}">
-        <p14:creationId xmlns:p14="http://schemas.microsoft.com/office/powerpoint/2010/main" val="1915007461"/>
+        <p14:creationId xmlns:p14="http://schemas.microsoft.com/office/powerpoint/2010/main" val="274909736"/>
       </p:ext>
     </p:extLst>
   </p:cSld>
@@ -7545,22 +7438,8 @@
 </file>
 
 <file path=ppt/slideLayouts/slideLayout7.xml><?xml version="1.0" encoding="utf-8"?>
-<p:sldLayout xmlns:a="http://schemas.openxmlformats.org/drawingml/2006/main" xmlns:r="http://schemas.openxmlformats.org/officeDocument/2006/relationships" xmlns:p="http://schemas.openxmlformats.org/presentationml/2006/main" preserve="1" userDrawn="1">
+<p:sldLayout xmlns:a="http://schemas.openxmlformats.org/drawingml/2006/main" xmlns:r="http://schemas.openxmlformats.org/officeDocument/2006/relationships" xmlns:p="http://schemas.openxmlformats.org/presentationml/2006/main" type="blank" preserve="1">
   <p:cSld name="Blank">
-    <p:bg>
-      <p:bgPr>
-        <a:blipFill dpi="0" rotWithShape="1">
-          <a:blip r:embed="rId2">
-            <a:lum/>
-          </a:blip>
-          <a:srcRect/>
-          <a:stretch>
-            <a:fillRect/>
-          </a:stretch>
-        </a:blipFill>
-        <a:effectLst/>
-      </p:bgPr>
-    </p:bg>
     <p:spTree>
       <p:nvGrpSpPr>
         <p:cNvPr id="1" name=""/>
@@ -7575,10 +7454,93 @@
           <a:chExt cx="0" cy="0"/>
         </a:xfrm>
       </p:grpSpPr>
+      <p:sp>
+        <p:nvSpPr>
+          <p:cNvPr id="2" name="Date Placeholder 1">
+            <a:extLst>
+              <a:ext uri="{FF2B5EF4-FFF2-40B4-BE49-F238E27FC236}">
+                <a16:creationId xmlns:a16="http://schemas.microsoft.com/office/drawing/2014/main" id="{8132C655-BBC8-4EEC-8240-945B8013371F}"/>
+              </a:ext>
+            </a:extLst>
+          </p:cNvPr>
+          <p:cNvSpPr>
+            <a:spLocks noGrp="1"/>
+          </p:cNvSpPr>
+          <p:nvPr>
+            <p:ph type="dt" sz="half" idx="10"/>
+          </p:nvPr>
+        </p:nvSpPr>
+        <p:spPr/>
+        <p:txBody>
+          <a:bodyPr/>
+          <a:lstStyle/>
+          <a:p>
+            <a:fld id="{3B9F33C8-8A6A-49A2-8949-28E9F813AC6F}" type="datetimeFigureOut">
+              <a:rPr lang="en-US" smtClean="0"/>
+              <a:t>6/8/2020</a:t>
+            </a:fld>
+            <a:endParaRPr lang="en-US"/>
+          </a:p>
+        </p:txBody>
+      </p:sp>
+      <p:sp>
+        <p:nvSpPr>
+          <p:cNvPr id="3" name="Footer Placeholder 2">
+            <a:extLst>
+              <a:ext uri="{FF2B5EF4-FFF2-40B4-BE49-F238E27FC236}">
+                <a16:creationId xmlns:a16="http://schemas.microsoft.com/office/drawing/2014/main" id="{992A0ED1-C850-4409-A0D1-A145206F7BC2}"/>
+              </a:ext>
+            </a:extLst>
+          </p:cNvPr>
+          <p:cNvSpPr>
+            <a:spLocks noGrp="1"/>
+          </p:cNvSpPr>
+          <p:nvPr>
+            <p:ph type="ftr" sz="quarter" idx="11"/>
+          </p:nvPr>
+        </p:nvSpPr>
+        <p:spPr/>
+        <p:txBody>
+          <a:bodyPr/>
+          <a:lstStyle/>
+          <a:p>
+            <a:endParaRPr lang="en-US"/>
+          </a:p>
+        </p:txBody>
+      </p:sp>
+      <p:sp>
+        <p:nvSpPr>
+          <p:cNvPr id="4" name="Slide Number Placeholder 3">
+            <a:extLst>
+              <a:ext uri="{FF2B5EF4-FFF2-40B4-BE49-F238E27FC236}">
+                <a16:creationId xmlns:a16="http://schemas.microsoft.com/office/drawing/2014/main" id="{D52649C4-0B59-4A18-9BF4-2D22BF7CE46E}"/>
+              </a:ext>
+            </a:extLst>
+          </p:cNvPr>
+          <p:cNvSpPr>
+            <a:spLocks noGrp="1"/>
+          </p:cNvSpPr>
+          <p:nvPr>
+            <p:ph type="sldNum" sz="quarter" idx="12"/>
+          </p:nvPr>
+        </p:nvSpPr>
+        <p:spPr/>
+        <p:txBody>
+          <a:bodyPr/>
+          <a:lstStyle/>
+          <a:p>
+            <a:fld id="{311E45DA-37E0-4DEF-A6F5-3567A4B31782}" type="slidenum">
+              <a:rPr lang="en-US" smtClean="0"/>
+              <a:t>‹#›</a:t>
+            </a:fld>
+            <a:endParaRPr lang="en-US"/>
+          </a:p>
+        </p:txBody>
+      </p:sp>
     </p:spTree>
     <p:extLst>
       <p:ext uri="{BB962C8B-B14F-4D97-AF65-F5344CB8AC3E}">
-        <p14:creationId xmlns:p14="http://schemas.microsoft.com/office/powerpoint/2010/main" val="722273948"/>
+        <p14:creationId xmlns:p14="http://schemas.microsoft.com/office/powerpoint/2010/main" val="3696737927"/>
       </p:ext>
     </p:extLst>
   </p:cSld>
@@ -7589,22 +7551,8 @@
 </file>
 
 <file path=ppt/slideLayouts/slideLayout8.xml><?xml version="1.0" encoding="utf-8"?>
-<p:sldLayout xmlns:a="http://schemas.openxmlformats.org/drawingml/2006/main" xmlns:r="http://schemas.openxmlformats.org/officeDocument/2006/relationships" xmlns:p="http://schemas.openxmlformats.org/presentationml/2006/main" preserve="1" userDrawn="1">
+<p:sldLayout xmlns:a="http://schemas.openxmlformats.org/drawingml/2006/main" xmlns:r="http://schemas.openxmlformats.org/officeDocument/2006/relationships" xmlns:p="http://schemas.openxmlformats.org/presentationml/2006/main" type="objTx" preserve="1">
   <p:cSld name="Content with Caption">
-    <p:bg>
-      <p:bgPr>
-        <a:blipFill dpi="0" rotWithShape="1">
-          <a:blip r:embed="rId2">
-            <a:lum/>
-          </a:blip>
-          <a:srcRect/>
-          <a:stretch>
-            <a:fillRect/>
-          </a:stretch>
-        </a:blipFill>
-        <a:effectLst/>
-      </p:bgPr>
-    </p:bg>
     <p:spTree>
       <p:nvGrpSpPr>
         <p:cNvPr id="1" name=""/>
@@ -7621,7 +7569,13 @@
       </p:grpSpPr>
       <p:sp>
         <p:nvSpPr>
-          <p:cNvPr id="2" name="Title 1"/>
+          <p:cNvPr id="2" name="Title 1">
+            <a:extLst>
+              <a:ext uri="{FF2B5EF4-FFF2-40B4-BE49-F238E27FC236}">
+                <a16:creationId xmlns:a16="http://schemas.microsoft.com/office/drawing/2014/main" id="{C0A7B938-FCC5-478A-8EC0-F0653FC01804}"/>
+              </a:ext>
+            </a:extLst>
+          </p:cNvPr>
           <p:cNvSpPr>
             <a:spLocks noGrp="1"/>
           </p:cNvSpPr>
@@ -7631,8 +7585,8 @@
         </p:nvSpPr>
         <p:spPr>
           <a:xfrm>
-            <a:off x="433633" y="254524"/>
-            <a:ext cx="4685121" cy="907330"/>
+            <a:off x="839788" y="457200"/>
+            <a:ext cx="3932237" cy="1600200"/>
           </a:xfrm>
         </p:spPr>
         <p:txBody>
@@ -7647,13 +7601,18 @@
               <a:rPr lang="en-US"/>
               <a:t>Click to edit Master title style</a:t>
             </a:r>
-            <a:endParaRPr lang="en-US" dirty="0"/>
-          </a:p>
-        </p:txBody>
-      </p:sp>
-      <p:sp>
-        <p:nvSpPr>
-          <p:cNvPr id="3" name="Content Placeholder 2"/>
+          </a:p>
+        </p:txBody>
+      </p:sp>
+      <p:sp>
+        <p:nvSpPr>
+          <p:cNvPr id="3" name="Content Placeholder 2">
+            <a:extLst>
+              <a:ext uri="{FF2B5EF4-FFF2-40B4-BE49-F238E27FC236}">
+                <a16:creationId xmlns:a16="http://schemas.microsoft.com/office/drawing/2014/main" id="{16D5D93F-2F4D-472E-8B38-267CAC710E3E}"/>
+              </a:ext>
+            </a:extLst>
+          </p:cNvPr>
           <p:cNvSpPr>
             <a:spLocks noGrp="1"/>
           </p:cNvSpPr>
@@ -7663,8 +7622,8 @@
         </p:nvSpPr>
         <p:spPr>
           <a:xfrm>
-            <a:off x="5230322" y="254524"/>
-            <a:ext cx="6628598" cy="5467546"/>
+            <a:off x="5183188" y="987425"/>
+            <a:ext cx="6172200" cy="4873625"/>
           </a:xfrm>
         </p:spPr>
         <p:txBody>
@@ -7702,7 +7661,7 @@
             <a:pPr lvl="0"/>
             <a:r>
               <a:rPr lang="en-US"/>
-              <a:t>Edit Master text styles</a:t>
+              <a:t>Click to edit Master text styles</a:t>
             </a:r>
           </a:p>
           <a:p>
@@ -7732,13 +7691,18 @@
               <a:rPr lang="en-US"/>
               <a:t>Fifth level</a:t>
             </a:r>
-            <a:endParaRPr lang="en-US" dirty="0"/>
-          </a:p>
-        </p:txBody>
-      </p:sp>
-      <p:sp>
-        <p:nvSpPr>
-          <p:cNvPr id="4" name="Text Placeholder 3"/>
+          </a:p>
+        </p:txBody>
+      </p:sp>
+      <p:sp>
+        <p:nvSpPr>
+          <p:cNvPr id="4" name="Text Placeholder 3">
+            <a:extLst>
+              <a:ext uri="{FF2B5EF4-FFF2-40B4-BE49-F238E27FC236}">
+                <a16:creationId xmlns:a16="http://schemas.microsoft.com/office/drawing/2014/main" id="{D33A3EEC-1029-4838-AA25-A89943584BA4}"/>
+              </a:ext>
+            </a:extLst>
+          </p:cNvPr>
           <p:cNvSpPr>
             <a:spLocks noGrp="1"/>
           </p:cNvSpPr>
@@ -7748,8 +7712,8 @@
         </p:nvSpPr>
         <p:spPr>
           <a:xfrm>
-            <a:off x="433633" y="1282046"/>
-            <a:ext cx="4685121" cy="4440024"/>
+            <a:off x="839788" y="2057400"/>
+            <a:ext cx="3932237" cy="3811588"/>
           </a:xfrm>
         </p:spPr>
         <p:txBody>
@@ -7796,15 +7760,98 @@
             <a:pPr lvl="0"/>
             <a:r>
               <a:rPr lang="en-US"/>
-              <a:t>Edit Master text styles</a:t>
-            </a:r>
+              <a:t>Click to edit Master text styles</a:t>
+            </a:r>
+          </a:p>
+        </p:txBody>
+      </p:sp>
+      <p:sp>
+        <p:nvSpPr>
+          <p:cNvPr id="5" name="Date Placeholder 4">
+            <a:extLst>
+              <a:ext uri="{FF2B5EF4-FFF2-40B4-BE49-F238E27FC236}">
+                <a16:creationId xmlns:a16="http://schemas.microsoft.com/office/drawing/2014/main" id="{AA1281F2-0E24-4A0D-B7E3-AD40C9DFA887}"/>
+              </a:ext>
+            </a:extLst>
+          </p:cNvPr>
+          <p:cNvSpPr>
+            <a:spLocks noGrp="1"/>
+          </p:cNvSpPr>
+          <p:nvPr>
+            <p:ph type="dt" sz="half" idx="10"/>
+          </p:nvPr>
+        </p:nvSpPr>
+        <p:spPr/>
+        <p:txBody>
+          <a:bodyPr/>
+          <a:lstStyle/>
+          <a:p>
+            <a:fld id="{3B9F33C8-8A6A-49A2-8949-28E9F813AC6F}" type="datetimeFigureOut">
+              <a:rPr lang="en-US" smtClean="0"/>
+              <a:t>6/8/2020</a:t>
+            </a:fld>
+            <a:endParaRPr lang="en-US"/>
+          </a:p>
+        </p:txBody>
+      </p:sp>
+      <p:sp>
+        <p:nvSpPr>
+          <p:cNvPr id="6" name="Footer Placeholder 5">
+            <a:extLst>
+              <a:ext uri="{FF2B5EF4-FFF2-40B4-BE49-F238E27FC236}">
+                <a16:creationId xmlns:a16="http://schemas.microsoft.com/office/drawing/2014/main" id="{311A842E-423B-485B-8BFC-0D1C13C8C79E}"/>
+              </a:ext>
+            </a:extLst>
+          </p:cNvPr>
+          <p:cNvSpPr>
+            <a:spLocks noGrp="1"/>
+          </p:cNvSpPr>
+          <p:nvPr>
+            <p:ph type="ftr" sz="quarter" idx="11"/>
+          </p:nvPr>
+        </p:nvSpPr>
+        <p:spPr/>
+        <p:txBody>
+          <a:bodyPr/>
+          <a:lstStyle/>
+          <a:p>
+            <a:endParaRPr lang="en-US"/>
+          </a:p>
+        </p:txBody>
+      </p:sp>
+      <p:sp>
+        <p:nvSpPr>
+          <p:cNvPr id="7" name="Slide Number Placeholder 6">
+            <a:extLst>
+              <a:ext uri="{FF2B5EF4-FFF2-40B4-BE49-F238E27FC236}">
+                <a16:creationId xmlns:a16="http://schemas.microsoft.com/office/drawing/2014/main" id="{8C471804-2BF4-4783-8752-DCB75E9E4431}"/>
+              </a:ext>
+            </a:extLst>
+          </p:cNvPr>
+          <p:cNvSpPr>
+            <a:spLocks noGrp="1"/>
+          </p:cNvSpPr>
+          <p:nvPr>
+            <p:ph type="sldNum" sz="quarter" idx="12"/>
+          </p:nvPr>
+        </p:nvSpPr>
+        <p:spPr/>
+        <p:txBody>
+          <a:bodyPr/>
+          <a:lstStyle/>
+          <a:p>
+            <a:fld id="{311E45DA-37E0-4DEF-A6F5-3567A4B31782}" type="slidenum">
+              <a:rPr lang="en-US" smtClean="0"/>
+              <a:t>‹#›</a:t>
+            </a:fld>
+            <a:endParaRPr lang="en-US"/>
           </a:p>
         </p:txBody>
       </p:sp>
     </p:spTree>
     <p:extLst>
       <p:ext uri="{BB962C8B-B14F-4D97-AF65-F5344CB8AC3E}">
-        <p14:creationId xmlns:p14="http://schemas.microsoft.com/office/powerpoint/2010/main" val="2254101184"/>
+        <p14:creationId xmlns:p14="http://schemas.microsoft.com/office/powerpoint/2010/main" val="696608936"/>
       </p:ext>
     </p:extLst>
   </p:cSld>
@@ -7815,22 +7862,8 @@
 </file>
 
 <file path=ppt/slideLayouts/slideLayout9.xml><?xml version="1.0" encoding="utf-8"?>
-<p:sldLayout xmlns:a="http://schemas.openxmlformats.org/drawingml/2006/main" xmlns:r="http://schemas.openxmlformats.org/officeDocument/2006/relationships" xmlns:p="http://schemas.openxmlformats.org/presentationml/2006/main" preserve="1" userDrawn="1">
+<p:sldLayout xmlns:a="http://schemas.openxmlformats.org/drawingml/2006/main" xmlns:r="http://schemas.openxmlformats.org/officeDocument/2006/relationships" xmlns:p="http://schemas.openxmlformats.org/presentationml/2006/main" type="picTx" preserve="1">
   <p:cSld name="Picture with Caption">
-    <p:bg>
-      <p:bgPr>
-        <a:blipFill dpi="0" rotWithShape="1">
-          <a:blip r:embed="rId2">
-            <a:lum/>
-          </a:blip>
-          <a:srcRect/>
-          <a:stretch>
-            <a:fillRect/>
-          </a:stretch>
-        </a:blipFill>
-        <a:effectLst/>
-      </p:bgPr>
-    </p:bg>
     <p:spTree>
       <p:nvGrpSpPr>
         <p:cNvPr id="1" name=""/>
@@ -7847,18 +7880,61 @@
       </p:grpSpPr>
       <p:sp>
         <p:nvSpPr>
-          <p:cNvPr id="3" name="Picture Placeholder 2"/>
+          <p:cNvPr id="2" name="Title 1">
+            <a:extLst>
+              <a:ext uri="{FF2B5EF4-FFF2-40B4-BE49-F238E27FC236}">
+                <a16:creationId xmlns:a16="http://schemas.microsoft.com/office/drawing/2014/main" id="{159E5F4D-7C9F-43C8-8DB3-FC05094BD260}"/>
+              </a:ext>
+            </a:extLst>
+          </p:cNvPr>
           <p:cNvSpPr>
             <a:spLocks noGrp="1"/>
           </p:cNvSpPr>
           <p:nvPr>
-            <p:ph type="pic" idx="1"/>
+            <p:ph type="title"/>
           </p:nvPr>
         </p:nvSpPr>
         <p:spPr>
           <a:xfrm>
-            <a:off x="5236622" y="248270"/>
-            <a:ext cx="6616330" cy="5458120"/>
+            <a:off x="839788" y="457200"/>
+            <a:ext cx="3932237" cy="1600200"/>
+          </a:xfrm>
+        </p:spPr>
+        <p:txBody>
+          <a:bodyPr anchor="b"/>
+          <a:lstStyle>
+            <a:lvl1pPr>
+              <a:defRPr sz="3200"/>
+            </a:lvl1pPr>
+          </a:lstStyle>
+          <a:p>
+            <a:r>
+              <a:rPr lang="en-US"/>
+              <a:t>Click to edit Master title style</a:t>
+            </a:r>
+          </a:p>
+        </p:txBody>
+      </p:sp>
+      <p:sp>
+        <p:nvSpPr>
+          <p:cNvPr id="3" name="Picture Placeholder 2">
+            <a:extLst>
+              <a:ext uri="{FF2B5EF4-FFF2-40B4-BE49-F238E27FC236}">
+                <a16:creationId xmlns:a16="http://schemas.microsoft.com/office/drawing/2014/main" id="{18FC9279-1332-4BFB-8925-2DAB64348302}"/>
+              </a:ext>
+            </a:extLst>
+          </p:cNvPr>
+          <p:cNvSpPr>
+            <a:spLocks noGrp="1"/>
+          </p:cNvSpPr>
+          <p:nvPr>
+            <p:ph type="pic" idx="1"/>
+          </p:nvPr>
+        </p:nvSpPr>
+        <p:spPr>
+          <a:xfrm>
+            <a:off x="5183188" y="987425"/>
+            <a:ext cx="6172200" cy="4873625"/>
           </a:xfrm>
         </p:spPr>
         <p:txBody>
@@ -7902,59 +7978,30 @@
             </a:lvl9pPr>
           </a:lstStyle>
           <a:p>
-            <a:r>
-              <a:rPr lang="en-US"/>
-              <a:t>Click icon to add picture</a:t>
-            </a:r>
-          </a:p>
-        </p:txBody>
-      </p:sp>
-      <p:sp>
-        <p:nvSpPr>
-          <p:cNvPr id="6" name="Title 1"/>
+            <a:endParaRPr lang="en-US"/>
+          </a:p>
+        </p:txBody>
+      </p:sp>
+      <p:sp>
+        <p:nvSpPr>
+          <p:cNvPr id="4" name="Text Placeholder 3">
+            <a:extLst>
+              <a:ext uri="{FF2B5EF4-FFF2-40B4-BE49-F238E27FC236}">
+                <a16:creationId xmlns:a16="http://schemas.microsoft.com/office/drawing/2014/main" id="{3C96C1CA-DB00-47F7-8298-94D136B71A69}"/>
+              </a:ext>
+            </a:extLst>
+          </p:cNvPr>
           <p:cNvSpPr>
             <a:spLocks noGrp="1"/>
           </p:cNvSpPr>
           <p:nvPr>
-            <p:ph type="title"/>
+            <p:ph type="body" sz="half" idx="2"/>
           </p:nvPr>
         </p:nvSpPr>
         <p:spPr>
           <a:xfrm>
-            <a:off x="433633" y="254524"/>
-            <a:ext cx="4685121" cy="907330"/>
-          </a:xfrm>
-        </p:spPr>
-        <p:txBody>
-          <a:bodyPr anchor="b"/>
-          <a:lstStyle>
-            <a:lvl1pPr>
-              <a:defRPr sz="3200"/>
-            </a:lvl1pPr>
-          </a:lstStyle>
-          <a:p>
-            <a:r>
-              <a:rPr lang="en-US"/>
-              <a:t>Click to edit Master title style</a:t>
-            </a:r>
-            <a:endParaRPr lang="en-US" dirty="0"/>
-          </a:p>
-        </p:txBody>
-      </p:sp>
-      <p:sp>
-        <p:nvSpPr>
-          <p:cNvPr id="7" name="Text Placeholder 3"/>
-          <p:cNvSpPr>
-            <a:spLocks noGrp="1"/>
-          </p:cNvSpPr>
-          <p:nvPr>
-            <p:ph type="body" sz="half" idx="2"/>
-          </p:nvPr>
-        </p:nvSpPr>
-        <p:spPr>
-          <a:xfrm>
-            <a:off x="433633" y="1282046"/>
-            <a:ext cx="4685121" cy="4440024"/>
+            <a:off x="839788" y="2057400"/>
+            <a:ext cx="3932237" cy="3811588"/>
           </a:xfrm>
         </p:spPr>
         <p:txBody>
@@ -8001,15 +8048,98 @@
             <a:pPr lvl="0"/>
             <a:r>
               <a:rPr lang="en-US"/>
-              <a:t>Edit Master text styles</a:t>
-            </a:r>
+              <a:t>Click to edit Master text styles</a:t>
+            </a:r>
+          </a:p>
+        </p:txBody>
+      </p:sp>
+      <p:sp>
+        <p:nvSpPr>
+          <p:cNvPr id="5" name="Date Placeholder 4">
+            <a:extLst>
+              <a:ext uri="{FF2B5EF4-FFF2-40B4-BE49-F238E27FC236}">
+                <a16:creationId xmlns:a16="http://schemas.microsoft.com/office/drawing/2014/main" id="{55E525BC-EEB1-4AD5-80FB-453C405BE651}"/>
+              </a:ext>
+            </a:extLst>
+          </p:cNvPr>
+          <p:cNvSpPr>
+            <a:spLocks noGrp="1"/>
+          </p:cNvSpPr>
+          <p:nvPr>
+            <p:ph type="dt" sz="half" idx="10"/>
+          </p:nvPr>
+        </p:nvSpPr>
+        <p:spPr/>
+        <p:txBody>
+          <a:bodyPr/>
+          <a:lstStyle/>
+          <a:p>
+            <a:fld id="{3B9F33C8-8A6A-49A2-8949-28E9F813AC6F}" type="datetimeFigureOut">
+              <a:rPr lang="en-US" smtClean="0"/>
+              <a:t>6/8/2020</a:t>
+            </a:fld>
+            <a:endParaRPr lang="en-US"/>
+          </a:p>
+        </p:txBody>
+      </p:sp>
+      <p:sp>
+        <p:nvSpPr>
+          <p:cNvPr id="6" name="Footer Placeholder 5">
+            <a:extLst>
+              <a:ext uri="{FF2B5EF4-FFF2-40B4-BE49-F238E27FC236}">
+                <a16:creationId xmlns:a16="http://schemas.microsoft.com/office/drawing/2014/main" id="{62D497B8-C233-4CB1-A4F5-4C36C2914FE9}"/>
+              </a:ext>
+            </a:extLst>
+          </p:cNvPr>
+          <p:cNvSpPr>
+            <a:spLocks noGrp="1"/>
+          </p:cNvSpPr>
+          <p:nvPr>
+            <p:ph type="ftr" sz="quarter" idx="11"/>
+          </p:nvPr>
+        </p:nvSpPr>
+        <p:spPr/>
+        <p:txBody>
+          <a:bodyPr/>
+          <a:lstStyle/>
+          <a:p>
+            <a:endParaRPr lang="en-US"/>
+          </a:p>
+        </p:txBody>
+      </p:sp>
+      <p:sp>
+        <p:nvSpPr>
+          <p:cNvPr id="7" name="Slide Number Placeholder 6">
+            <a:extLst>
+              <a:ext uri="{FF2B5EF4-FFF2-40B4-BE49-F238E27FC236}">
+                <a16:creationId xmlns:a16="http://schemas.microsoft.com/office/drawing/2014/main" id="{32FF6B85-2993-4F01-85A4-4AD40FEF496A}"/>
+              </a:ext>
+            </a:extLst>
+          </p:cNvPr>
+          <p:cNvSpPr>
+            <a:spLocks noGrp="1"/>
+          </p:cNvSpPr>
+          <p:nvPr>
+            <p:ph type="sldNum" sz="quarter" idx="12"/>
+          </p:nvPr>
+        </p:nvSpPr>
+        <p:spPr/>
+        <p:txBody>
+          <a:bodyPr/>
+          <a:lstStyle/>
+          <a:p>
+            <a:fld id="{311E45DA-37E0-4DEF-A6F5-3567A4B31782}" type="slidenum">
+              <a:rPr lang="en-US" smtClean="0"/>
+              <a:t>‹#›</a:t>
+            </a:fld>
+            <a:endParaRPr lang="en-US"/>
           </a:p>
         </p:txBody>
       </p:sp>
     </p:spTree>
     <p:extLst>
       <p:ext uri="{BB962C8B-B14F-4D97-AF65-F5344CB8AC3E}">
-        <p14:creationId xmlns:p14="http://schemas.microsoft.com/office/powerpoint/2010/main" val="1057984023"/>
+        <p14:creationId xmlns:p14="http://schemas.microsoft.com/office/powerpoint/2010/main" val="811529506"/>
       </p:ext>
     </p:extLst>
   </p:cSld>
@@ -8023,18 +8153,9 @@
 <p:sldMaster xmlns:a="http://schemas.openxmlformats.org/drawingml/2006/main" xmlns:r="http://schemas.openxmlformats.org/officeDocument/2006/relationships" xmlns:p="http://schemas.openxmlformats.org/presentationml/2006/main">
   <p:cSld>
     <p:bg>
-      <p:bgPr>
-        <a:blipFill dpi="0" rotWithShape="1">
-          <a:blip r:embed="rId14">
-            <a:lum/>
-          </a:blip>
-          <a:srcRect/>
-          <a:stretch>
-            <a:fillRect/>
-          </a:stretch>
-        </a:blipFill>
-        <a:effectLst/>
-      </p:bgPr>
+      <p:bgRef idx="1001">
+        <a:schemeClr val="bg1"/>
+      </p:bgRef>
     </p:bg>
     <p:spTree>
       <p:nvGrpSpPr>
@@ -8052,7 +8173,13 @@
       </p:grpSpPr>
       <p:sp>
         <p:nvSpPr>
-          <p:cNvPr id="2" name="Title Placeholder 1"/>
+          <p:cNvPr id="2" name="Title Placeholder 1">
+            <a:extLst>
+              <a:ext uri="{FF2B5EF4-FFF2-40B4-BE49-F238E27FC236}">
+                <a16:creationId xmlns:a16="http://schemas.microsoft.com/office/drawing/2014/main" id="{6B5BD32F-CD76-4045-B723-C0FF04377BDA}"/>
+              </a:ext>
+            </a:extLst>
+          </p:cNvPr>
           <p:cNvSpPr>
             <a:spLocks noGrp="1"/>
           </p:cNvSpPr>
@@ -8062,57 +8189,61 @@
         </p:nvSpPr>
         <p:spPr>
           <a:xfrm>
-            <a:off x="432154" y="265393"/>
-            <a:ext cx="11430000" cy="510895"/>
-          </a:xfrm>
-          <a:prstGeom prst="rect">
-            <a:avLst/>
-          </a:prstGeom>
-          <a:noFill/>
-        </p:spPr>
-        <p:txBody>
-          <a:bodyPr vert="horz" lIns="91440" tIns="45720" rIns="91440" bIns="45720" rtlCol="0" anchor="ctr">
-            <a:noAutofit/>
-          </a:bodyPr>
-          <a:lstStyle/>
-          <a:p>
-            <a:r>
-              <a:rPr lang="en-US"/>
-              <a:t>Click to edit Master title style</a:t>
-            </a:r>
-            <a:endParaRPr lang="en-US" dirty="0"/>
-          </a:p>
-        </p:txBody>
-      </p:sp>
-      <p:sp>
-        <p:nvSpPr>
-          <p:cNvPr id="3" name="Text Placeholder 2"/>
-          <p:cNvSpPr>
-            <a:spLocks noGrp="1"/>
-          </p:cNvSpPr>
-          <p:nvPr>
-            <p:ph type="body" idx="1"/>
-          </p:nvPr>
-        </p:nvSpPr>
-        <p:spPr>
-          <a:xfrm>
-            <a:off x="432154" y="911225"/>
-            <a:ext cx="11430000" cy="3884893"/>
+            <a:off x="838200" y="365125"/>
+            <a:ext cx="10515600" cy="1325563"/>
           </a:xfrm>
           <a:prstGeom prst="rect">
             <a:avLst/>
           </a:prstGeom>
         </p:spPr>
         <p:txBody>
+          <a:bodyPr vert="horz" lIns="91440" tIns="45720" rIns="91440" bIns="45720" rtlCol="0" anchor="ctr">
+            <a:normAutofit/>
+          </a:bodyPr>
+          <a:lstStyle/>
+          <a:p>
+            <a:r>
+              <a:rPr lang="en-US"/>
+              <a:t>Click to edit Master title style</a:t>
+            </a:r>
+          </a:p>
+        </p:txBody>
+      </p:sp>
+      <p:sp>
+        <p:nvSpPr>
+          <p:cNvPr id="3" name="Text Placeholder 2">
+            <a:extLst>
+              <a:ext uri="{FF2B5EF4-FFF2-40B4-BE49-F238E27FC236}">
+                <a16:creationId xmlns:a16="http://schemas.microsoft.com/office/drawing/2014/main" id="{1494176F-01FD-4E02-8C70-70DBCA3DF498}"/>
+              </a:ext>
+            </a:extLst>
+          </p:cNvPr>
+          <p:cNvSpPr>
+            <a:spLocks noGrp="1"/>
+          </p:cNvSpPr>
+          <p:nvPr>
+            <p:ph type="body" idx="1"/>
+          </p:nvPr>
+        </p:nvSpPr>
+        <p:spPr>
+          <a:xfrm>
+            <a:off x="838200" y="1825625"/>
+            <a:ext cx="10515600" cy="4351338"/>
+          </a:xfrm>
+          <a:prstGeom prst="rect">
+            <a:avLst/>
+          </a:prstGeom>
+        </p:spPr>
+        <p:txBody>
           <a:bodyPr vert="horz" lIns="91440" tIns="45720" rIns="91440" bIns="45720" rtlCol="0">
-            <a:noAutofit/>
+            <a:normAutofit/>
           </a:bodyPr>
           <a:lstStyle/>
           <a:p>
             <a:pPr lvl="0"/>
             <a:r>
               <a:rPr lang="en-US"/>
-              <a:t>Edit Master text styles</a:t>
+              <a:t>Click to edit Master text styles</a:t>
             </a:r>
           </a:p>
           <a:p>
@@ -8142,14 +8273,150 @@
               <a:rPr lang="en-US"/>
               <a:t>Fifth level</a:t>
             </a:r>
-            <a:endParaRPr lang="en-US" dirty="0"/>
+          </a:p>
+        </p:txBody>
+      </p:sp>
+      <p:sp>
+        <p:nvSpPr>
+          <p:cNvPr id="4" name="Date Placeholder 3">
+            <a:extLst>
+              <a:ext uri="{FF2B5EF4-FFF2-40B4-BE49-F238E27FC236}">
+                <a16:creationId xmlns:a16="http://schemas.microsoft.com/office/drawing/2014/main" id="{58672DC8-D291-4AFC-9DD6-8BCBE57C5504}"/>
+              </a:ext>
+            </a:extLst>
+          </p:cNvPr>
+          <p:cNvSpPr>
+            <a:spLocks noGrp="1"/>
+          </p:cNvSpPr>
+          <p:nvPr>
+            <p:ph type="dt" sz="half" idx="2"/>
+          </p:nvPr>
+        </p:nvSpPr>
+        <p:spPr>
+          <a:xfrm>
+            <a:off x="838200" y="6356350"/>
+            <a:ext cx="2743200" cy="365125"/>
+          </a:xfrm>
+          <a:prstGeom prst="rect">
+            <a:avLst/>
+          </a:prstGeom>
+        </p:spPr>
+        <p:txBody>
+          <a:bodyPr vert="horz" lIns="91440" tIns="45720" rIns="91440" bIns="45720" rtlCol="0" anchor="ctr"/>
+          <a:lstStyle>
+            <a:lvl1pPr algn="l">
+              <a:defRPr sz="1200">
+                <a:solidFill>
+                  <a:schemeClr val="tx1">
+                    <a:tint val="75000"/>
+                  </a:schemeClr>
+                </a:solidFill>
+              </a:defRPr>
+            </a:lvl1pPr>
+          </a:lstStyle>
+          <a:p>
+            <a:fld id="{3B9F33C8-8A6A-49A2-8949-28E9F813AC6F}" type="datetimeFigureOut">
+              <a:rPr lang="en-US" smtClean="0"/>
+              <a:t>6/8/2020</a:t>
+            </a:fld>
+            <a:endParaRPr lang="en-US"/>
+          </a:p>
+        </p:txBody>
+      </p:sp>
+      <p:sp>
+        <p:nvSpPr>
+          <p:cNvPr id="5" name="Footer Placeholder 4">
+            <a:extLst>
+              <a:ext uri="{FF2B5EF4-FFF2-40B4-BE49-F238E27FC236}">
+                <a16:creationId xmlns:a16="http://schemas.microsoft.com/office/drawing/2014/main" id="{E78FF478-58DD-43BC-A62D-73AECE4A14F6}"/>
+              </a:ext>
+            </a:extLst>
+          </p:cNvPr>
+          <p:cNvSpPr>
+            <a:spLocks noGrp="1"/>
+          </p:cNvSpPr>
+          <p:nvPr>
+            <p:ph type="ftr" sz="quarter" idx="3"/>
+          </p:nvPr>
+        </p:nvSpPr>
+        <p:spPr>
+          <a:xfrm>
+            <a:off x="4038600" y="6356350"/>
+            <a:ext cx="4114800" cy="365125"/>
+          </a:xfrm>
+          <a:prstGeom prst="rect">
+            <a:avLst/>
+          </a:prstGeom>
+        </p:spPr>
+        <p:txBody>
+          <a:bodyPr vert="horz" lIns="91440" tIns="45720" rIns="91440" bIns="45720" rtlCol="0" anchor="ctr"/>
+          <a:lstStyle>
+            <a:lvl1pPr algn="ctr">
+              <a:defRPr sz="1200">
+                <a:solidFill>
+                  <a:schemeClr val="tx1">
+                    <a:tint val="75000"/>
+                  </a:schemeClr>
+                </a:solidFill>
+              </a:defRPr>
+            </a:lvl1pPr>
+          </a:lstStyle>
+          <a:p>
+            <a:endParaRPr lang="en-US"/>
+          </a:p>
+        </p:txBody>
+      </p:sp>
+      <p:sp>
+        <p:nvSpPr>
+          <p:cNvPr id="6" name="Slide Number Placeholder 5">
+            <a:extLst>
+              <a:ext uri="{FF2B5EF4-FFF2-40B4-BE49-F238E27FC236}">
+                <a16:creationId xmlns:a16="http://schemas.microsoft.com/office/drawing/2014/main" id="{F1579D28-91BC-4C04-B1A4-F19BC4562AA4}"/>
+              </a:ext>
+            </a:extLst>
+          </p:cNvPr>
+          <p:cNvSpPr>
+            <a:spLocks noGrp="1"/>
+          </p:cNvSpPr>
+          <p:nvPr>
+            <p:ph type="sldNum" sz="quarter" idx="4"/>
+          </p:nvPr>
+        </p:nvSpPr>
+        <p:spPr>
+          <a:xfrm>
+            <a:off x="8610600" y="6356350"/>
+            <a:ext cx="2743200" cy="365125"/>
+          </a:xfrm>
+          <a:prstGeom prst="rect">
+            <a:avLst/>
+          </a:prstGeom>
+        </p:spPr>
+        <p:txBody>
+          <a:bodyPr vert="horz" lIns="91440" tIns="45720" rIns="91440" bIns="45720" rtlCol="0" anchor="ctr"/>
+          <a:lstStyle>
+            <a:lvl1pPr algn="r">
+              <a:defRPr sz="1200">
+                <a:solidFill>
+                  <a:schemeClr val="tx1">
+                    <a:tint val="75000"/>
+                  </a:schemeClr>
+                </a:solidFill>
+              </a:defRPr>
+            </a:lvl1pPr>
+          </a:lstStyle>
+          <a:p>
+            <a:fld id="{311E45DA-37E0-4DEF-A6F5-3567A4B31782}" type="slidenum">
+              <a:rPr lang="en-US" smtClean="0"/>
+              <a:t>‹#›</a:t>
+            </a:fld>
+            <a:endParaRPr lang="en-US"/>
           </a:p>
         </p:txBody>
       </p:sp>
     </p:spTree>
     <p:extLst>
       <p:ext uri="{BB962C8B-B14F-4D97-AF65-F5344CB8AC3E}">
-        <p14:creationId xmlns:p14="http://schemas.microsoft.com/office/powerpoint/2010/main" val="4026486127"/>
+        <p14:creationId xmlns:p14="http://schemas.microsoft.com/office/powerpoint/2010/main" val="1355750099"/>
       </p:ext>
     </p:extLst>
   </p:cSld>
@@ -8166,7 +8433,6 @@
     <p:sldLayoutId id="2147483657" r:id="rId9"/>
     <p:sldLayoutId id="2147483658" r:id="rId10"/>
     <p:sldLayoutId id="2147483659" r:id="rId11"/>
-    <p:sldLayoutId id="2147483660" r:id="rId12"/>
   </p:sldLayoutIdLst>
   <p:txStyles>
     <p:titleStyle>
@@ -8182,7 +8448,7 @@
           <a:solidFill>
             <a:schemeClr val="tx1"/>
           </a:solidFill>
-          <a:latin typeface="Franklin Gothic Medium Cond" panose="020B0606030402020204" pitchFamily="34" charset="0"/>
+          <a:latin typeface="+mj-lt"/>
           <a:ea typeface="+mj-ea"/>
           <a:cs typeface="+mj-cs"/>
         </a:defRPr>
@@ -8196,17 +8462,13 @@
         <a:spcBef>
           <a:spcPts val="1000"/>
         </a:spcBef>
-        <a:buClr>
-          <a:schemeClr val="tx2"/>
-        </a:buClr>
-        <a:buSzPct val="115000"/>
-        <a:buFont typeface="Franklin Gothic Book" panose="020B0503020102020204" pitchFamily="34" charset="0"/>
-        <a:buChar char="»"/>
+        <a:buFont typeface="Arial" panose="020B0604020202020204" pitchFamily="34" charset="0"/>
+        <a:buChar char="•"/>
         <a:defRPr sz="2800" kern="1200">
           <a:solidFill>
             <a:schemeClr val="tx1"/>
           </a:solidFill>
-          <a:latin typeface="Franklin Gothic Book" panose="020B0503020102020204" pitchFamily="34" charset="0"/>
+          <a:latin typeface="+mn-lt"/>
           <a:ea typeface="+mn-ea"/>
           <a:cs typeface="+mn-cs"/>
         </a:defRPr>
@@ -8218,17 +8480,13 @@
         <a:spcBef>
           <a:spcPts val="500"/>
         </a:spcBef>
-        <a:buClr>
-          <a:schemeClr val="tx2"/>
-        </a:buClr>
-        <a:buSzPct val="130000"/>
-        <a:buFont typeface="Franklin Gothic Book" panose="020B0503020102020204" pitchFamily="34" charset="0"/>
-        <a:buChar char="›"/>
+        <a:buFont typeface="Arial" panose="020B0604020202020204" pitchFamily="34" charset="0"/>
+        <a:buChar char="•"/>
         <a:defRPr sz="2400" kern="1200">
           <a:solidFill>
             <a:schemeClr val="tx1"/>
           </a:solidFill>
-          <a:latin typeface="Franklin Gothic Book" panose="020B0503020102020204" pitchFamily="34" charset="0"/>
+          <a:latin typeface="+mn-lt"/>
           <a:ea typeface="+mn-ea"/>
           <a:cs typeface="+mn-cs"/>
         </a:defRPr>
@@ -8240,16 +8498,13 @@
         <a:spcBef>
           <a:spcPts val="500"/>
         </a:spcBef>
-        <a:buClr>
-          <a:schemeClr val="tx2"/>
-        </a:buClr>
-        <a:buFont typeface="Franklin Gothic Book" panose="020B0503020102020204" pitchFamily="34" charset="0"/>
-        <a:buChar char="−"/>
+        <a:buFont typeface="Arial" panose="020B0604020202020204" pitchFamily="34" charset="0"/>
+        <a:buChar char="•"/>
         <a:defRPr sz="2000" kern="1200">
           <a:solidFill>
             <a:schemeClr val="tx1"/>
           </a:solidFill>
-          <a:latin typeface="Franklin Gothic Book" panose="020B0503020102020204" pitchFamily="34" charset="0"/>
+          <a:latin typeface="+mn-lt"/>
           <a:ea typeface="+mn-ea"/>
           <a:cs typeface="+mn-cs"/>
         </a:defRPr>
@@ -8261,16 +8516,13 @@
         <a:spcBef>
           <a:spcPts val="500"/>
         </a:spcBef>
-        <a:buClr>
-          <a:schemeClr val="tx2"/>
-        </a:buClr>
-        <a:buFont typeface="Wingdings" panose="05000000000000000000" pitchFamily="2" charset="2"/>
-        <a:buChar char="§"/>
+        <a:buFont typeface="Arial" panose="020B0604020202020204" pitchFamily="34" charset="0"/>
+        <a:buChar char="•"/>
         <a:defRPr sz="1800" kern="1200">
           <a:solidFill>
             <a:schemeClr val="tx1"/>
           </a:solidFill>
-          <a:latin typeface="Franklin Gothic Book" panose="020B0503020102020204" pitchFamily="34" charset="0"/>
+          <a:latin typeface="+mn-lt"/>
           <a:ea typeface="+mn-ea"/>
           <a:cs typeface="+mn-cs"/>
         </a:defRPr>
@@ -8282,16 +8534,13 @@
         <a:spcBef>
           <a:spcPts val="500"/>
         </a:spcBef>
-        <a:buClr>
-          <a:schemeClr val="tx2"/>
-        </a:buClr>
         <a:buFont typeface="Arial" panose="020B0604020202020204" pitchFamily="34" charset="0"/>
         <a:buChar char="•"/>
         <a:defRPr sz="1800" kern="1200">
           <a:solidFill>
             <a:schemeClr val="tx1"/>
           </a:solidFill>
-          <a:latin typeface="Franklin Gothic Book" panose="020B0503020102020204" pitchFamily="34" charset="0"/>
+          <a:latin typeface="+mn-lt"/>
           <a:ea typeface="+mn-ea"/>
           <a:cs typeface="+mn-cs"/>
         </a:defRPr>
@@ -8487,7 +8736,13 @@
       </p:grpSpPr>
       <p:sp>
         <p:nvSpPr>
-          <p:cNvPr id="2" name="Title 1"/>
+          <p:cNvPr id="2" name="Title 1">
+            <a:extLst>
+              <a:ext uri="{FF2B5EF4-FFF2-40B4-BE49-F238E27FC236}">
+                <a16:creationId xmlns:a16="http://schemas.microsoft.com/office/drawing/2014/main" id="{28FDD7BB-29CD-4CFA-B113-158C39859BE8}"/>
+              </a:ext>
+            </a:extLst>
+          </p:cNvPr>
           <p:cNvSpPr>
             <a:spLocks noGrp="1"/>
           </p:cNvSpPr>
@@ -8509,12 +8764,18 @@
       </p:sp>
       <p:sp>
         <p:nvSpPr>
-          <p:cNvPr id="4" name="Text Placeholder 3"/>
+          <p:cNvPr id="3" name="Subtitle 2">
+            <a:extLst>
+              <a:ext uri="{FF2B5EF4-FFF2-40B4-BE49-F238E27FC236}">
+                <a16:creationId xmlns:a16="http://schemas.microsoft.com/office/drawing/2014/main" id="{2EAF0956-CF51-4575-8465-AA5B3F8672A4}"/>
+              </a:ext>
+            </a:extLst>
+          </p:cNvPr>
           <p:cNvSpPr>
             <a:spLocks noGrp="1"/>
           </p:cNvSpPr>
           <p:nvPr>
-            <p:ph type="body" idx="10"/>
+            <p:ph type="subTitle" idx="1"/>
           </p:nvPr>
         </p:nvSpPr>
         <p:spPr/>
@@ -8525,12 +8786,6 @@
             <a:r>
               <a:rPr lang="en-US" dirty="0"/>
               <a:t>Jason Bock</a:t>
-            </a:r>
-          </a:p>
-          <a:p>
-            <a:r>
-              <a:rPr lang="en-US" dirty="0"/>
-              <a:t>Practice Lead</a:t>
             </a:r>
           </a:p>
         </p:txBody>
@@ -8538,7 +8793,7 @@
     </p:spTree>
     <p:extLst>
       <p:ext uri="{BB962C8B-B14F-4D97-AF65-F5344CB8AC3E}">
-        <p14:creationId xmlns:p14="http://schemas.microsoft.com/office/powerpoint/2010/main" val="1085874421"/>
+        <p14:creationId xmlns:p14="http://schemas.microsoft.com/office/powerpoint/2010/main" val="1861047671"/>
       </p:ext>
     </p:extLst>
   </p:cSld>
@@ -8567,7 +8822,13 @@
       </p:grpSpPr>
       <p:sp>
         <p:nvSpPr>
-          <p:cNvPr id="3" name="Title 2"/>
+          <p:cNvPr id="2" name="Title 1">
+            <a:extLst>
+              <a:ext uri="{FF2B5EF4-FFF2-40B4-BE49-F238E27FC236}">
+                <a16:creationId xmlns:a16="http://schemas.microsoft.com/office/drawing/2014/main" id="{13E17694-CE37-4055-BC47-23C3E2BE7940}"/>
+              </a:ext>
+            </a:extLst>
+          </p:cNvPr>
           <p:cNvSpPr>
             <a:spLocks noGrp="1"/>
           </p:cNvSpPr>
@@ -8582,46 +8843,20 @@
           <a:p>
             <a:r>
               <a:rPr lang="en-US" dirty="0"/>
-              <a:t>Compiler API History</a:t>
-            </a:r>
-          </a:p>
-        </p:txBody>
-      </p:sp>
-      <p:sp>
-        <p:nvSpPr>
-          <p:cNvPr id="6" name="Rectangle 5"/>
-          <p:cNvSpPr/>
-          <p:nvPr/>
-        </p:nvSpPr>
-        <p:spPr>
-          <a:xfrm>
-            <a:off x="5610225" y="6276894"/>
-            <a:ext cx="6581775" cy="453605"/>
-          </a:xfrm>
-          <a:prstGeom prst="rect">
-            <a:avLst/>
-          </a:prstGeom>
-        </p:spPr>
-        <p:txBody>
-          <a:bodyPr wrap="square" anchor="ctr" anchorCtr="0">
-            <a:noAutofit/>
-          </a:bodyPr>
-          <a:lstStyle/>
-          <a:p>
-            <a:pPr algn="r"/>
-            <a:r>
-              <a:rPr lang="en-US" sz="1200" dirty="0">
-                <a:latin typeface="+mj-lt"/>
-                <a:cs typeface="Calibri" pitchFamily="34" charset="0"/>
-              </a:rPr>
-              <a:t>http://www.springlakeranch.ca/images/_aug09/whitebox.jpg</a:t>
+              <a:t>Compiler API</a:t>
             </a:r>
           </a:p>
         </p:txBody>
       </p:sp>
       <p:pic>
         <p:nvPicPr>
-          <p:cNvPr id="5" name="Picture 2" descr="http://www.springlakeranch.ca/images/_aug09/whitebox.jpg"/>
+          <p:cNvPr id="4" name="Picture 2" descr="http://www.springlakeranch.ca/images/_aug09/whitebox.jpg">
+            <a:extLst>
+              <a:ext uri="{FF2B5EF4-FFF2-40B4-BE49-F238E27FC236}">
+                <a16:creationId xmlns:a16="http://schemas.microsoft.com/office/drawing/2014/main" id="{A4D2E422-9559-4AAF-AC90-6B392D5603C0}"/>
+              </a:ext>
+            </a:extLst>
+          </p:cNvPr>
           <p:cNvPicPr>
             <a:picLocks noChangeAspect="1" noChangeArrowheads="1"/>
           </p:cNvPicPr>
@@ -8642,7 +8877,7 @@
         </p:blipFill>
         <p:spPr bwMode="auto">
           <a:xfrm>
-            <a:off x="2887008" y="1081083"/>
+            <a:off x="2887008" y="1635879"/>
             <a:ext cx="6424267" cy="4571626"/>
           </a:xfrm>
           <a:prstGeom prst="rect">
@@ -8660,10 +8895,48 @@
           </a:extLst>
         </p:spPr>
       </p:pic>
+      <p:sp>
+        <p:nvSpPr>
+          <p:cNvPr id="6" name="Rectangle 5">
+            <a:extLst>
+              <a:ext uri="{FF2B5EF4-FFF2-40B4-BE49-F238E27FC236}">
+                <a16:creationId xmlns:a16="http://schemas.microsoft.com/office/drawing/2014/main" id="{7934F5FF-DA5C-49F8-99D9-29F71D393050}"/>
+              </a:ext>
+            </a:extLst>
+          </p:cNvPr>
+          <p:cNvSpPr/>
+          <p:nvPr/>
+        </p:nvSpPr>
+        <p:spPr>
+          <a:xfrm>
+            <a:off x="1" y="6276894"/>
+            <a:ext cx="12192000" cy="453605"/>
+          </a:xfrm>
+          <a:prstGeom prst="rect">
+            <a:avLst/>
+          </a:prstGeom>
+        </p:spPr>
+        <p:txBody>
+          <a:bodyPr wrap="square" anchor="ctr" anchorCtr="0">
+            <a:noAutofit/>
+          </a:bodyPr>
+          <a:lstStyle/>
+          <a:p>
+            <a:pPr algn="r"/>
+            <a:r>
+              <a:rPr lang="en-US" sz="1200" dirty="0">
+                <a:latin typeface="+mj-lt"/>
+                <a:cs typeface="Calibri" pitchFamily="34" charset="0"/>
+              </a:rPr>
+              <a:t>http://www.springlakeranch.ca/images/_aug09/whitebox.jpg</a:t>
+            </a:r>
+          </a:p>
+        </p:txBody>
+      </p:sp>
     </p:spTree>
     <p:extLst>
       <p:ext uri="{BB962C8B-B14F-4D97-AF65-F5344CB8AC3E}">
-        <p14:creationId xmlns:p14="http://schemas.microsoft.com/office/powerpoint/2010/main" val="2917353485"/>
+        <p14:creationId xmlns:p14="http://schemas.microsoft.com/office/powerpoint/2010/main" val="2025562168"/>
       </p:ext>
     </p:extLst>
   </p:cSld>
@@ -8692,7 +8965,13 @@
       </p:grpSpPr>
       <p:sp>
         <p:nvSpPr>
-          <p:cNvPr id="3" name="Title 2"/>
+          <p:cNvPr id="2" name="Title 1">
+            <a:extLst>
+              <a:ext uri="{FF2B5EF4-FFF2-40B4-BE49-F238E27FC236}">
+                <a16:creationId xmlns:a16="http://schemas.microsoft.com/office/drawing/2014/main" id="{13E17694-CE37-4055-BC47-23C3E2BE7940}"/>
+              </a:ext>
+            </a:extLst>
+          </p:cNvPr>
           <p:cNvSpPr>
             <a:spLocks noGrp="1"/>
           </p:cNvSpPr>
@@ -8707,20 +8986,26 @@
           <a:p>
             <a:r>
               <a:rPr lang="en-US" dirty="0"/>
-              <a:t>Compiler API History</a:t>
-            </a:r>
-          </a:p>
-        </p:txBody>
-      </p:sp>
-      <p:sp>
-        <p:nvSpPr>
-          <p:cNvPr id="5" name="Right Arrow 4"/>
+              <a:t>Compiler API</a:t>
+            </a:r>
+          </a:p>
+        </p:txBody>
+      </p:sp>
+      <p:sp>
+        <p:nvSpPr>
+          <p:cNvPr id="5" name="Right Arrow 4">
+            <a:extLst>
+              <a:ext uri="{FF2B5EF4-FFF2-40B4-BE49-F238E27FC236}">
+                <a16:creationId xmlns:a16="http://schemas.microsoft.com/office/drawing/2014/main" id="{A17EF877-8EB5-4A73-AC2D-71E069E4FD52}"/>
+              </a:ext>
+            </a:extLst>
+          </p:cNvPr>
           <p:cNvSpPr/>
           <p:nvPr/>
         </p:nvSpPr>
         <p:spPr>
           <a:xfrm>
-            <a:off x="4511951" y="3170813"/>
+            <a:off x="4511951" y="3479035"/>
             <a:ext cx="457200" cy="228600"/>
           </a:xfrm>
           <a:prstGeom prst="rightArrow">
@@ -8754,13 +9039,19 @@
       </p:sp>
       <p:sp>
         <p:nvSpPr>
-          <p:cNvPr id="7" name="Rounded Rectangle 6"/>
+          <p:cNvPr id="6" name="Rounded Rectangle 6">
+            <a:extLst>
+              <a:ext uri="{FF2B5EF4-FFF2-40B4-BE49-F238E27FC236}">
+                <a16:creationId xmlns:a16="http://schemas.microsoft.com/office/drawing/2014/main" id="{328D87C4-C46C-4C3C-8877-439BCEE895FF}"/>
+              </a:ext>
+            </a:extLst>
+          </p:cNvPr>
           <p:cNvSpPr/>
           <p:nvPr/>
         </p:nvSpPr>
         <p:spPr>
           <a:xfrm>
-            <a:off x="5054876" y="2874479"/>
+            <a:off x="5054876" y="3182701"/>
             <a:ext cx="1257300" cy="821268"/>
           </a:xfrm>
           <a:prstGeom prst="roundRect">
@@ -8804,13 +9095,19 @@
       </p:sp>
       <p:sp>
         <p:nvSpPr>
-          <p:cNvPr id="8" name="Right Arrow 7"/>
+          <p:cNvPr id="7" name="Right Arrow 7">
+            <a:extLst>
+              <a:ext uri="{FF2B5EF4-FFF2-40B4-BE49-F238E27FC236}">
+                <a16:creationId xmlns:a16="http://schemas.microsoft.com/office/drawing/2014/main" id="{947271B9-5791-44B3-98E8-5D26EBCEF47B}"/>
+              </a:ext>
+            </a:extLst>
+          </p:cNvPr>
           <p:cNvSpPr/>
           <p:nvPr/>
         </p:nvSpPr>
         <p:spPr>
           <a:xfrm>
-            <a:off x="6397901" y="3170813"/>
+            <a:off x="6397901" y="3479035"/>
             <a:ext cx="457200" cy="228600"/>
           </a:xfrm>
           <a:prstGeom prst="rightArrow">
@@ -8844,13 +9141,19 @@
       </p:sp>
       <p:sp>
         <p:nvSpPr>
-          <p:cNvPr id="9" name="Rounded Rectangle 8"/>
+          <p:cNvPr id="8" name="Rounded Rectangle 8">
+            <a:extLst>
+              <a:ext uri="{FF2B5EF4-FFF2-40B4-BE49-F238E27FC236}">
+                <a16:creationId xmlns:a16="http://schemas.microsoft.com/office/drawing/2014/main" id="{F0C97F6D-8CAE-48D2-9B68-6CF22380F83A}"/>
+              </a:ext>
+            </a:extLst>
+          </p:cNvPr>
           <p:cNvSpPr/>
           <p:nvPr/>
         </p:nvSpPr>
         <p:spPr>
           <a:xfrm>
-            <a:off x="6931301" y="2874479"/>
+            <a:off x="6931301" y="3182701"/>
             <a:ext cx="2286000" cy="821268"/>
           </a:xfrm>
           <a:prstGeom prst="roundRect">
@@ -8894,13 +9197,19 @@
       </p:sp>
       <p:sp>
         <p:nvSpPr>
-          <p:cNvPr id="10" name="Flowchart: Multidocument 9"/>
+          <p:cNvPr id="9" name="Flowchart: Multidocument 8">
+            <a:extLst>
+              <a:ext uri="{FF2B5EF4-FFF2-40B4-BE49-F238E27FC236}">
+                <a16:creationId xmlns:a16="http://schemas.microsoft.com/office/drawing/2014/main" id="{EABD43C2-DD8E-47A4-831F-51A53A55AE63}"/>
+              </a:ext>
+            </a:extLst>
+          </p:cNvPr>
           <p:cNvSpPr/>
           <p:nvPr/>
         </p:nvSpPr>
         <p:spPr>
           <a:xfrm>
-            <a:off x="3340376" y="2905637"/>
+            <a:off x="3340376" y="3213859"/>
             <a:ext cx="1060704" cy="758952"/>
           </a:xfrm>
           <a:prstGeom prst="flowChartMultidocument">
@@ -8934,13 +9243,19 @@
       </p:sp>
       <p:sp>
         <p:nvSpPr>
-          <p:cNvPr id="16" name="Rectangle 15"/>
+          <p:cNvPr id="10" name="Rectangle 9">
+            <a:extLst>
+              <a:ext uri="{FF2B5EF4-FFF2-40B4-BE49-F238E27FC236}">
+                <a16:creationId xmlns:a16="http://schemas.microsoft.com/office/drawing/2014/main" id="{53EA3127-E7E4-4770-B3B3-8855BD81A16D}"/>
+              </a:ext>
+            </a:extLst>
+          </p:cNvPr>
           <p:cNvSpPr/>
           <p:nvPr/>
         </p:nvSpPr>
         <p:spPr>
           <a:xfrm>
-            <a:off x="3244793" y="4318602"/>
+            <a:off x="3244793" y="4554904"/>
             <a:ext cx="1138067" cy="762000"/>
           </a:xfrm>
           <a:prstGeom prst="rect">
@@ -8977,13 +9292,19 @@
       </p:sp>
       <p:sp>
         <p:nvSpPr>
-          <p:cNvPr id="17" name="Rectangle 16"/>
+          <p:cNvPr id="11" name="Rectangle 10">
+            <a:extLst>
+              <a:ext uri="{FF2B5EF4-FFF2-40B4-BE49-F238E27FC236}">
+                <a16:creationId xmlns:a16="http://schemas.microsoft.com/office/drawing/2014/main" id="{46801B42-57C8-4175-A831-8EC3C6CA1592}"/>
+              </a:ext>
+            </a:extLst>
+          </p:cNvPr>
           <p:cNvSpPr/>
           <p:nvPr/>
         </p:nvSpPr>
         <p:spPr>
           <a:xfrm>
-            <a:off x="4506664" y="4317543"/>
+            <a:off x="4506664" y="4553845"/>
             <a:ext cx="1136184" cy="762000"/>
           </a:xfrm>
           <a:prstGeom prst="rect">
@@ -9020,13 +9341,19 @@
       </p:sp>
       <p:sp>
         <p:nvSpPr>
-          <p:cNvPr id="18" name="Rectangle 17"/>
+          <p:cNvPr id="12" name="Rectangle 11">
+            <a:extLst>
+              <a:ext uri="{FF2B5EF4-FFF2-40B4-BE49-F238E27FC236}">
+                <a16:creationId xmlns:a16="http://schemas.microsoft.com/office/drawing/2014/main" id="{9059FBC6-B3F8-4B20-8FF6-96440CA7A138}"/>
+              </a:ext>
+            </a:extLst>
+          </p:cNvPr>
           <p:cNvSpPr/>
           <p:nvPr/>
         </p:nvSpPr>
         <p:spPr>
           <a:xfrm>
-            <a:off x="5776897" y="4317543"/>
+            <a:off x="5776897" y="4553845"/>
             <a:ext cx="1136184" cy="762000"/>
           </a:xfrm>
           <a:prstGeom prst="rect">
@@ -9063,13 +9390,19 @@
       </p:sp>
       <p:sp>
         <p:nvSpPr>
-          <p:cNvPr id="19" name="Rectangle 18"/>
+          <p:cNvPr id="13" name="Rectangle 12">
+            <a:extLst>
+              <a:ext uri="{FF2B5EF4-FFF2-40B4-BE49-F238E27FC236}">
+                <a16:creationId xmlns:a16="http://schemas.microsoft.com/office/drawing/2014/main" id="{C40CFF5A-5471-4400-9C85-9AE05842FA4C}"/>
+              </a:ext>
+            </a:extLst>
+          </p:cNvPr>
           <p:cNvSpPr/>
           <p:nvPr/>
         </p:nvSpPr>
         <p:spPr>
           <a:xfrm>
-            <a:off x="7034197" y="4317543"/>
+            <a:off x="7034197" y="4553845"/>
             <a:ext cx="1136184" cy="762000"/>
           </a:xfrm>
           <a:prstGeom prst="rect">
@@ -9106,13 +9439,19 @@
       </p:sp>
       <p:sp>
         <p:nvSpPr>
-          <p:cNvPr id="20" name="Left Brace 19"/>
+          <p:cNvPr id="14" name="Left Brace 13">
+            <a:extLst>
+              <a:ext uri="{FF2B5EF4-FFF2-40B4-BE49-F238E27FC236}">
+                <a16:creationId xmlns:a16="http://schemas.microsoft.com/office/drawing/2014/main" id="{1D747D26-72ED-4770-A513-7EED07876854}"/>
+              </a:ext>
+            </a:extLst>
+          </p:cNvPr>
           <p:cNvSpPr/>
           <p:nvPr/>
         </p:nvSpPr>
         <p:spPr>
           <a:xfrm rot="5400000">
-            <a:off x="5593286" y="1596518"/>
+            <a:off x="5593286" y="1832820"/>
             <a:ext cx="228602" cy="4925587"/>
           </a:xfrm>
           <a:prstGeom prst="leftBrace">
@@ -9146,7 +9485,7 @@
     </p:spTree>
     <p:extLst>
       <p:ext uri="{BB962C8B-B14F-4D97-AF65-F5344CB8AC3E}">
-        <p14:creationId xmlns:p14="http://schemas.microsoft.com/office/powerpoint/2010/main" val="1307048152"/>
+        <p14:creationId xmlns:p14="http://schemas.microsoft.com/office/powerpoint/2010/main" val="862914993"/>
       </p:ext>
     </p:extLst>
   </p:cSld>
@@ -9175,7 +9514,13 @@
       </p:grpSpPr>
       <p:sp>
         <p:nvSpPr>
-          <p:cNvPr id="3" name="Title 2"/>
+          <p:cNvPr id="2" name="Title 1">
+            <a:extLst>
+              <a:ext uri="{FF2B5EF4-FFF2-40B4-BE49-F238E27FC236}">
+                <a16:creationId xmlns:a16="http://schemas.microsoft.com/office/drawing/2014/main" id="{13E17694-CE37-4055-BC47-23C3E2BE7940}"/>
+              </a:ext>
+            </a:extLst>
+          </p:cNvPr>
           <p:cNvSpPr>
             <a:spLocks noGrp="1"/>
           </p:cNvSpPr>
@@ -9190,21 +9535,27 @@
           <a:p>
             <a:r>
               <a:rPr lang="en-US" dirty="0"/>
-              <a:t>Compiler API History</a:t>
-            </a:r>
-          </a:p>
-        </p:txBody>
-      </p:sp>
-      <p:sp>
-        <p:nvSpPr>
-          <p:cNvPr id="6" name="Rectangle 5"/>
+              <a:t>Compiler API</a:t>
+            </a:r>
+          </a:p>
+        </p:txBody>
+      </p:sp>
+      <p:sp>
+        <p:nvSpPr>
+          <p:cNvPr id="6" name="Rectangle 5">
+            <a:extLst>
+              <a:ext uri="{FF2B5EF4-FFF2-40B4-BE49-F238E27FC236}">
+                <a16:creationId xmlns:a16="http://schemas.microsoft.com/office/drawing/2014/main" id="{7934F5FF-DA5C-49F8-99D9-29F71D393050}"/>
+              </a:ext>
+            </a:extLst>
+          </p:cNvPr>
           <p:cNvSpPr/>
           <p:nvPr/>
         </p:nvSpPr>
         <p:spPr>
           <a:xfrm>
-            <a:off x="5610225" y="6276894"/>
-            <a:ext cx="6581775" cy="453605"/>
+            <a:off x="1" y="6276894"/>
+            <a:ext cx="12192000" cy="453605"/>
           </a:xfrm>
           <a:prstGeom prst="rect">
             <a:avLst/>
@@ -9239,7 +9590,13 @@
       </p:sp>
       <p:pic>
         <p:nvPicPr>
-          <p:cNvPr id="1032" name="Picture 8" descr="roslyn_kuhlenh.png"/>
+          <p:cNvPr id="5" name="Picture 8" descr="roslyn_kuhlenh.png">
+            <a:extLst>
+              <a:ext uri="{FF2B5EF4-FFF2-40B4-BE49-F238E27FC236}">
+                <a16:creationId xmlns:a16="http://schemas.microsoft.com/office/drawing/2014/main" id="{86F4CEFB-167A-49E1-979E-14C8D1E9D436}"/>
+              </a:ext>
+            </a:extLst>
+          </p:cNvPr>
           <p:cNvPicPr>
             <a:picLocks noChangeAspect="1" noChangeArrowheads="1"/>
           </p:cNvPicPr>
@@ -9260,7 +9617,7 @@
         </p:blipFill>
         <p:spPr bwMode="auto">
           <a:xfrm>
-            <a:off x="1767840" y="2304900"/>
+            <a:off x="1767840" y="2376818"/>
             <a:ext cx="4610331" cy="2555380"/>
           </a:xfrm>
           <a:prstGeom prst="rect">
@@ -9280,7 +9637,13 @@
       </p:pic>
       <p:pic>
         <p:nvPicPr>
-          <p:cNvPr id="1036" name="Picture 12" descr="roslyn_icon_kuhlenh.png"/>
+          <p:cNvPr id="7" name="Picture 12" descr="roslyn_icon_kuhlenh.png">
+            <a:extLst>
+              <a:ext uri="{FF2B5EF4-FFF2-40B4-BE49-F238E27FC236}">
+                <a16:creationId xmlns:a16="http://schemas.microsoft.com/office/drawing/2014/main" id="{838A0B17-6D00-462E-BC6D-1C8AA19C4A01}"/>
+              </a:ext>
+            </a:extLst>
+          </p:cNvPr>
           <p:cNvPicPr>
             <a:picLocks noChangeAspect="1" noChangeArrowheads="1"/>
           </p:cNvPicPr>
@@ -9301,7 +9664,7 @@
         </p:blipFill>
         <p:spPr bwMode="auto">
           <a:xfrm>
-            <a:off x="7934960" y="2301795"/>
+            <a:off x="7934960" y="2373713"/>
             <a:ext cx="2558485" cy="2558485"/>
           </a:xfrm>
           <a:prstGeom prst="rect">
@@ -9322,7 +9685,7 @@
     </p:spTree>
     <p:extLst>
       <p:ext uri="{BB962C8B-B14F-4D97-AF65-F5344CB8AC3E}">
-        <p14:creationId xmlns:p14="http://schemas.microsoft.com/office/powerpoint/2010/main" val="2293038802"/>
+        <p14:creationId xmlns:p14="http://schemas.microsoft.com/office/powerpoint/2010/main" val="246110463"/>
       </p:ext>
     </p:extLst>
   </p:cSld>
@@ -9351,7 +9714,13 @@
       </p:grpSpPr>
       <p:sp>
         <p:nvSpPr>
-          <p:cNvPr id="3" name="Title 2"/>
+          <p:cNvPr id="2" name="Title 1">
+            <a:extLst>
+              <a:ext uri="{FF2B5EF4-FFF2-40B4-BE49-F238E27FC236}">
+                <a16:creationId xmlns:a16="http://schemas.microsoft.com/office/drawing/2014/main" id="{13E17694-CE37-4055-BC47-23C3E2BE7940}"/>
+              </a:ext>
+            </a:extLst>
+          </p:cNvPr>
           <p:cNvSpPr>
             <a:spLocks noGrp="1"/>
           </p:cNvSpPr>
@@ -9366,21 +9735,27 @@
           <a:p>
             <a:r>
               <a:rPr lang="en-US" dirty="0"/>
-              <a:t>Compiler API History</a:t>
-            </a:r>
-          </a:p>
-        </p:txBody>
-      </p:sp>
-      <p:sp>
-        <p:nvSpPr>
-          <p:cNvPr id="6" name="Rectangle 5"/>
+              <a:t>Compiler API</a:t>
+            </a:r>
+          </a:p>
+        </p:txBody>
+      </p:sp>
+      <p:sp>
+        <p:nvSpPr>
+          <p:cNvPr id="6" name="Rectangle 5">
+            <a:extLst>
+              <a:ext uri="{FF2B5EF4-FFF2-40B4-BE49-F238E27FC236}">
+                <a16:creationId xmlns:a16="http://schemas.microsoft.com/office/drawing/2014/main" id="{7934F5FF-DA5C-49F8-99D9-29F71D393050}"/>
+              </a:ext>
+            </a:extLst>
+          </p:cNvPr>
           <p:cNvSpPr/>
           <p:nvPr/>
         </p:nvSpPr>
         <p:spPr>
           <a:xfrm>
-            <a:off x="5610225" y="6276894"/>
-            <a:ext cx="6581775" cy="453605"/>
+            <a:off x="1" y="6276894"/>
+            <a:ext cx="12192000" cy="453605"/>
           </a:xfrm>
           <a:prstGeom prst="rect">
             <a:avLst/>
@@ -9405,7 +9780,13 @@
       </p:sp>
       <p:pic>
         <p:nvPicPr>
-          <p:cNvPr id="7" name="Picture 6"/>
+          <p:cNvPr id="8" name="Picture 7">
+            <a:extLst>
+              <a:ext uri="{FF2B5EF4-FFF2-40B4-BE49-F238E27FC236}">
+                <a16:creationId xmlns:a16="http://schemas.microsoft.com/office/drawing/2014/main" id="{46C59E82-C643-4A02-8624-78BE233BD7C1}"/>
+              </a:ext>
+            </a:extLst>
+          </p:cNvPr>
           <p:cNvPicPr>
             <a:picLocks noChangeAspect="1"/>
           </p:cNvPicPr>
@@ -9419,7 +9800,7 @@
         </p:blipFill>
         <p:spPr>
           <a:xfrm>
-            <a:off x="2147058" y="1661834"/>
+            <a:off x="2143916" y="1918686"/>
             <a:ext cx="7904167" cy="3748368"/>
           </a:xfrm>
           <a:prstGeom prst="rect">
@@ -9430,7 +9811,7 @@
     </p:spTree>
     <p:extLst>
       <p:ext uri="{BB962C8B-B14F-4D97-AF65-F5344CB8AC3E}">
-        <p14:creationId xmlns:p14="http://schemas.microsoft.com/office/powerpoint/2010/main" val="362128473"/>
+        <p14:creationId xmlns:p14="http://schemas.microsoft.com/office/powerpoint/2010/main" val="510135563"/>
       </p:ext>
     </p:extLst>
   </p:cSld>
@@ -9459,7 +9840,13 @@
       </p:grpSpPr>
       <p:sp>
         <p:nvSpPr>
-          <p:cNvPr id="2" name="Title 1"/>
+          <p:cNvPr id="2" name="Title 1">
+            <a:extLst>
+              <a:ext uri="{FF2B5EF4-FFF2-40B4-BE49-F238E27FC236}">
+                <a16:creationId xmlns:a16="http://schemas.microsoft.com/office/drawing/2014/main" id="{475FAD96-FE9C-497B-A8DE-368A04EA9966}"/>
+              </a:ext>
+            </a:extLst>
+          </p:cNvPr>
           <p:cNvSpPr>
             <a:spLocks noGrp="1"/>
           </p:cNvSpPr>
@@ -9481,7 +9868,13 @@
       </p:sp>
       <p:sp>
         <p:nvSpPr>
-          <p:cNvPr id="3" name="Text Placeholder 2"/>
+          <p:cNvPr id="3" name="Text Placeholder 2">
+            <a:extLst>
+              <a:ext uri="{FF2B5EF4-FFF2-40B4-BE49-F238E27FC236}">
+                <a16:creationId xmlns:a16="http://schemas.microsoft.com/office/drawing/2014/main" id="{091D90BD-9A43-4E47-BBB0-942CF0806A01}"/>
+              </a:ext>
+            </a:extLst>
+          </p:cNvPr>
           <p:cNvSpPr>
             <a:spLocks noGrp="1"/>
           </p:cNvSpPr>
@@ -9498,13 +9891,16 @@
               <a:rPr lang="en-US" dirty="0"/>
               <a:t>Using the Compiler API in Real-World Scenarios</a:t>
             </a:r>
+          </a:p>
+          <a:p>
+            <a:endParaRPr lang="en-US" dirty="0"/>
           </a:p>
         </p:txBody>
       </p:sp>
     </p:spTree>
     <p:extLst>
       <p:ext uri="{BB962C8B-B14F-4D97-AF65-F5344CB8AC3E}">
-        <p14:creationId xmlns:p14="http://schemas.microsoft.com/office/powerpoint/2010/main" val="3965253506"/>
+        <p14:creationId xmlns:p14="http://schemas.microsoft.com/office/powerpoint/2010/main" val="3198416429"/>
       </p:ext>
     </p:extLst>
   </p:cSld>
@@ -9533,7 +9929,13 @@
       </p:grpSpPr>
       <p:sp>
         <p:nvSpPr>
-          <p:cNvPr id="3" name="Title 2"/>
+          <p:cNvPr id="2" name="Title 1">
+            <a:extLst>
+              <a:ext uri="{FF2B5EF4-FFF2-40B4-BE49-F238E27FC236}">
+                <a16:creationId xmlns:a16="http://schemas.microsoft.com/office/drawing/2014/main" id="{13E17694-CE37-4055-BC47-23C3E2BE7940}"/>
+              </a:ext>
+            </a:extLst>
+          </p:cNvPr>
           <p:cNvSpPr>
             <a:spLocks noGrp="1"/>
           </p:cNvSpPr>
@@ -9555,14 +9957,20 @@
       </p:sp>
       <p:sp>
         <p:nvSpPr>
-          <p:cNvPr id="6" name="Rectangle 5"/>
+          <p:cNvPr id="6" name="Rectangle 5">
+            <a:extLst>
+              <a:ext uri="{FF2B5EF4-FFF2-40B4-BE49-F238E27FC236}">
+                <a16:creationId xmlns:a16="http://schemas.microsoft.com/office/drawing/2014/main" id="{7934F5FF-DA5C-49F8-99D9-29F71D393050}"/>
+              </a:ext>
+            </a:extLst>
+          </p:cNvPr>
           <p:cNvSpPr/>
           <p:nvPr/>
         </p:nvSpPr>
         <p:spPr>
           <a:xfrm>
-            <a:off x="5610225" y="6276894"/>
-            <a:ext cx="6581775" cy="453605"/>
+            <a:off x="1" y="6276894"/>
+            <a:ext cx="12192000" cy="453605"/>
           </a:xfrm>
           <a:prstGeom prst="rect">
             <a:avLst/>
@@ -9587,10 +9995,10 @@
       </p:sp>
       <p:pic>
         <p:nvPicPr>
-          <p:cNvPr id="2" name="Picture 1">
+          <p:cNvPr id="8" name="Picture 7">
             <a:extLst>
               <a:ext uri="{FF2B5EF4-FFF2-40B4-BE49-F238E27FC236}">
-                <a16:creationId xmlns:a16="http://schemas.microsoft.com/office/drawing/2014/main" id="{3EF20BF3-4456-46F0-B3AF-94A78D523D72}"/>
+                <a16:creationId xmlns:a16="http://schemas.microsoft.com/office/drawing/2014/main" id="{624F6D2E-F49D-4401-8BF3-E4712F628DE2}"/>
               </a:ext>
             </a:extLst>
           </p:cNvPr>
@@ -9607,7 +10015,7 @@
         </p:blipFill>
         <p:spPr>
           <a:xfrm>
-            <a:off x="2080652" y="1099812"/>
+            <a:off x="2080652" y="1459402"/>
             <a:ext cx="8030696" cy="4658375"/>
           </a:xfrm>
           <a:prstGeom prst="rect">
@@ -9618,7 +10026,7 @@
     </p:spTree>
     <p:extLst>
       <p:ext uri="{BB962C8B-B14F-4D97-AF65-F5344CB8AC3E}">
-        <p14:creationId xmlns:p14="http://schemas.microsoft.com/office/powerpoint/2010/main" val="1826738028"/>
+        <p14:creationId xmlns:p14="http://schemas.microsoft.com/office/powerpoint/2010/main" val="3346395511"/>
       </p:ext>
     </p:extLst>
   </p:cSld>
@@ -9647,7 +10055,13 @@
       </p:grpSpPr>
       <p:sp>
         <p:nvSpPr>
-          <p:cNvPr id="2" name="Title 1"/>
+          <p:cNvPr id="2" name="Title 1">
+            <a:extLst>
+              <a:ext uri="{FF2B5EF4-FFF2-40B4-BE49-F238E27FC236}">
+                <a16:creationId xmlns:a16="http://schemas.microsoft.com/office/drawing/2014/main" id="{28FDD7BB-29CD-4CFA-B113-158C39859BE8}"/>
+              </a:ext>
+            </a:extLst>
+          </p:cNvPr>
           <p:cNvSpPr>
             <a:spLocks noGrp="1"/>
           </p:cNvSpPr>
@@ -9669,12 +10083,18 @@
       </p:sp>
       <p:sp>
         <p:nvSpPr>
-          <p:cNvPr id="4" name="Text Placeholder 3"/>
+          <p:cNvPr id="3" name="Subtitle 2">
+            <a:extLst>
+              <a:ext uri="{FF2B5EF4-FFF2-40B4-BE49-F238E27FC236}">
+                <a16:creationId xmlns:a16="http://schemas.microsoft.com/office/drawing/2014/main" id="{2EAF0956-CF51-4575-8465-AA5B3F8672A4}"/>
+              </a:ext>
+            </a:extLst>
+          </p:cNvPr>
           <p:cNvSpPr>
             <a:spLocks noGrp="1"/>
           </p:cNvSpPr>
           <p:nvPr>
-            <p:ph type="body" idx="10"/>
+            <p:ph type="subTitle" idx="1"/>
           </p:nvPr>
         </p:nvSpPr>
         <p:spPr/>
@@ -9687,24 +10107,24 @@
               <a:t>Jason Bock</a:t>
             </a:r>
           </a:p>
-          <a:p>
-            <a:r>
-              <a:rPr lang="en-US" dirty="0"/>
-              <a:t>Practice Lead</a:t>
-            </a:r>
-          </a:p>
-        </p:txBody>
-      </p:sp>
-      <p:sp>
-        <p:nvSpPr>
-          <p:cNvPr id="5" name="TextBox 4"/>
+        </p:txBody>
+      </p:sp>
+      <p:sp>
+        <p:nvSpPr>
+          <p:cNvPr id="5" name="TextBox 4">
+            <a:extLst>
+              <a:ext uri="{FF2B5EF4-FFF2-40B4-BE49-F238E27FC236}">
+                <a16:creationId xmlns:a16="http://schemas.microsoft.com/office/drawing/2014/main" id="{04B3E84D-B7D6-46FB-BE35-D3CFB2E1E0CD}"/>
+              </a:ext>
+            </a:extLst>
+          </p:cNvPr>
           <p:cNvSpPr txBox="1"/>
           <p:nvPr/>
         </p:nvSpPr>
         <p:spPr>
           <a:xfrm>
-            <a:off x="2383705" y="3637066"/>
-            <a:ext cx="6282776" cy="2521226"/>
+            <a:off x="0" y="4787757"/>
+            <a:ext cx="9670912" cy="2070243"/>
           </a:xfrm>
           <a:prstGeom prst="rect">
             <a:avLst/>
@@ -9724,6 +10144,9 @@
           </a:p>
           <a:p>
             <a:pPr marL="285750" indent="-285750">
+              <a:buClr>
+                <a:schemeClr val="tx1"/>
+              </a:buClr>
               <a:buFont typeface="Arial" panose="020B0604020202020204" pitchFamily="34" charset="0"/>
               <a:buChar char="•"/>
             </a:pPr>
@@ -9734,6 +10157,9 @@
           </a:p>
           <a:p>
             <a:pPr marL="285750" indent="-285750">
+              <a:buClr>
+                <a:schemeClr val="tx1"/>
+              </a:buClr>
               <a:buFont typeface="Arial" panose="020B0604020202020204" pitchFamily="34" charset="0"/>
               <a:buChar char="•"/>
             </a:pPr>
@@ -9744,6 +10170,9 @@
           </a:p>
           <a:p>
             <a:pPr marL="285750" indent="-285750">
+              <a:buClr>
+                <a:schemeClr val="tx1"/>
+              </a:buClr>
               <a:buFont typeface="Arial" panose="020B0604020202020204" pitchFamily="34" charset="0"/>
               <a:buChar char="•"/>
             </a:pPr>
@@ -9754,6 +10183,9 @@
           </a:p>
           <a:p>
             <a:pPr marL="285750" indent="-285750">
+              <a:buClr>
+                <a:schemeClr val="tx1"/>
+              </a:buClr>
               <a:buFont typeface="Arial" panose="020B0604020202020204" pitchFamily="34" charset="0"/>
               <a:buChar char="•"/>
             </a:pPr>
@@ -9764,6 +10196,9 @@
           </a:p>
           <a:p>
             <a:pPr marL="285750" indent="-285750">
+              <a:buClr>
+                <a:schemeClr val="tx1"/>
+              </a:buClr>
               <a:buFont typeface="Arial" panose="020B0604020202020204" pitchFamily="34" charset="0"/>
               <a:buChar char="•"/>
             </a:pPr>
@@ -9774,6 +10209,9 @@
           </a:p>
           <a:p>
             <a:pPr marL="285750" indent="-285750">
+              <a:buClr>
+                <a:schemeClr val="tx1"/>
+              </a:buClr>
               <a:buFont typeface="Arial" panose="020B0604020202020204" pitchFamily="34" charset="0"/>
               <a:buChar char="•"/>
             </a:pPr>
@@ -9787,7 +10225,7 @@
     </p:spTree>
     <p:extLst>
       <p:ext uri="{BB962C8B-B14F-4D97-AF65-F5344CB8AC3E}">
-        <p14:creationId xmlns:p14="http://schemas.microsoft.com/office/powerpoint/2010/main" val="2438853453"/>
+        <p14:creationId xmlns:p14="http://schemas.microsoft.com/office/powerpoint/2010/main" val="3025590924"/>
       </p:ext>
     </p:extLst>
   </p:cSld>
@@ -9816,11 +10254,45 @@
       </p:grpSpPr>
       <p:sp>
         <p:nvSpPr>
-          <p:cNvPr id="2" name="Content Placeholder 1"/>
+          <p:cNvPr id="2" name="Title 1">
+            <a:extLst>
+              <a:ext uri="{FF2B5EF4-FFF2-40B4-BE49-F238E27FC236}">
+                <a16:creationId xmlns:a16="http://schemas.microsoft.com/office/drawing/2014/main" id="{36710E48-A016-40A3-9CF2-752FD8E3204B}"/>
+              </a:ext>
+            </a:extLst>
+          </p:cNvPr>
           <p:cNvSpPr>
             <a:spLocks noGrp="1"/>
           </p:cNvSpPr>
           <p:nvPr>
+            <p:ph type="title"/>
+          </p:nvPr>
+        </p:nvSpPr>
+        <p:spPr/>
+        <p:txBody>
+          <a:bodyPr/>
+          <a:lstStyle/>
+          <a:p>
+            <a:r>
+              <a:rPr lang="en-US" dirty="0"/>
+              <a:t>Personal Info</a:t>
+            </a:r>
+          </a:p>
+        </p:txBody>
+      </p:sp>
+      <p:sp>
+        <p:nvSpPr>
+          <p:cNvPr id="3" name="Content Placeholder 2">
+            <a:extLst>
+              <a:ext uri="{FF2B5EF4-FFF2-40B4-BE49-F238E27FC236}">
+                <a16:creationId xmlns:a16="http://schemas.microsoft.com/office/drawing/2014/main" id="{EDC3CAC5-D82C-4212-910D-3A0A44EBA6B0}"/>
+              </a:ext>
+            </a:extLst>
+          </p:cNvPr>
+          <p:cNvSpPr>
+            <a:spLocks noGrp="1"/>
+          </p:cNvSpPr>
+          <p:nvPr>
             <p:ph idx="1"/>
           </p:nvPr>
         </p:nvSpPr>
@@ -9828,12 +10300,6 @@
         <p:txBody>
           <a:bodyPr/>
           <a:lstStyle/>
-          <a:p>
-            <a:r>
-              <a:rPr lang="en-US" dirty="0"/>
-              <a:t>http://www.magenic.com</a:t>
-            </a:r>
-          </a:p>
           <a:p>
             <a:r>
               <a:rPr lang="en-US" dirty="0"/>
@@ -9855,32 +10321,7 @@
           <a:p>
             <a:r>
               <a:rPr lang="en-US" dirty="0"/>
-              <a:t>jasonb@magenic.com</a:t>
-            </a:r>
-          </a:p>
-          <a:p>
-            <a:endParaRPr lang="en-US" dirty="0"/>
-          </a:p>
-        </p:txBody>
-      </p:sp>
-      <p:sp>
-        <p:nvSpPr>
-          <p:cNvPr id="3" name="Title 2"/>
-          <p:cNvSpPr>
-            <a:spLocks noGrp="1"/>
-          </p:cNvSpPr>
-          <p:nvPr>
-            <p:ph type="title"/>
-          </p:nvPr>
-        </p:nvSpPr>
-        <p:spPr/>
-        <p:txBody>
-          <a:bodyPr/>
-          <a:lstStyle/>
-          <a:p>
-            <a:r>
-              <a:rPr lang="en-US" dirty="0"/>
-              <a:t>Personal Info</a:t>
+              <a:t>jason.r.bock@outlook.com</a:t>
             </a:r>
           </a:p>
         </p:txBody>
@@ -9888,7 +10329,7 @@
     </p:spTree>
     <p:extLst>
       <p:ext uri="{BB962C8B-B14F-4D97-AF65-F5344CB8AC3E}">
-        <p14:creationId xmlns:p14="http://schemas.microsoft.com/office/powerpoint/2010/main" val="3900950698"/>
+        <p14:creationId xmlns:p14="http://schemas.microsoft.com/office/powerpoint/2010/main" val="1171871458"/>
       </p:ext>
     </p:extLst>
   </p:cSld>
@@ -9917,7 +10358,41 @@
       </p:grpSpPr>
       <p:sp>
         <p:nvSpPr>
-          <p:cNvPr id="2" name="Content Placeholder 1"/>
+          <p:cNvPr id="2" name="Title 1">
+            <a:extLst>
+              <a:ext uri="{FF2B5EF4-FFF2-40B4-BE49-F238E27FC236}">
+                <a16:creationId xmlns:a16="http://schemas.microsoft.com/office/drawing/2014/main" id="{36710E48-A016-40A3-9CF2-752FD8E3204B}"/>
+              </a:ext>
+            </a:extLst>
+          </p:cNvPr>
+          <p:cNvSpPr>
+            <a:spLocks noGrp="1"/>
+          </p:cNvSpPr>
+          <p:nvPr>
+            <p:ph type="title"/>
+          </p:nvPr>
+        </p:nvSpPr>
+        <p:spPr/>
+        <p:txBody>
+          <a:bodyPr/>
+          <a:lstStyle/>
+          <a:p>
+            <a:r>
+              <a:rPr lang="en-US" dirty="0"/>
+              <a:t>Downloads</a:t>
+            </a:r>
+          </a:p>
+        </p:txBody>
+      </p:sp>
+      <p:sp>
+        <p:nvSpPr>
+          <p:cNvPr id="6" name="Content Placeholder 1">
+            <a:extLst>
+              <a:ext uri="{FF2B5EF4-FFF2-40B4-BE49-F238E27FC236}">
+                <a16:creationId xmlns:a16="http://schemas.microsoft.com/office/drawing/2014/main" id="{29E132E5-7EC1-4996-9538-3D3118E352CF}"/>
+              </a:ext>
+            </a:extLst>
+          </p:cNvPr>
           <p:cNvSpPr>
             <a:spLocks noGrp="1"/>
           </p:cNvSpPr>
@@ -9927,7 +10402,7 @@
         </p:nvSpPr>
         <p:spPr>
           <a:xfrm>
-            <a:off x="432154" y="911225"/>
+            <a:off x="432154" y="1592868"/>
             <a:ext cx="11430000" cy="4810845"/>
           </a:xfrm>
         </p:spPr>
@@ -9939,7 +10414,7 @@
               <a:buNone/>
             </a:pPr>
             <a:r>
-              <a:rPr lang="en-US" sz="3800" dirty="0"/>
+              <a:rPr lang="en-US" sz="2400" dirty="0"/>
               <a:t>https://github.com/MarimerLLC/csla</a:t>
             </a:r>
           </a:p>
@@ -9948,7 +10423,7 @@
               <a:buNone/>
             </a:pPr>
             <a:r>
-              <a:rPr lang="en-US" sz="3800" dirty="0"/>
+              <a:rPr lang="en-US" sz="2400" dirty="0"/>
               <a:t>https://github.com/JasonBock/AutoArrange</a:t>
             </a:r>
           </a:p>
@@ -9957,7 +10432,7 @@
               <a:buNone/>
             </a:pPr>
             <a:r>
-              <a:rPr lang="en-US" sz="3800" dirty="0"/>
+              <a:rPr lang="en-US" sz="2400" dirty="0"/>
               <a:t>https://github.com/JasonBock/Rocks</a:t>
             </a:r>
           </a:p>
@@ -9966,7 +10441,7 @@
               <a:buNone/>
             </a:pPr>
             <a:r>
-              <a:rPr lang="en-US" sz="3800" dirty="0"/>
+              <a:rPr lang="en-US" sz="2400" dirty="0"/>
               <a:t>https://github.com/JasonBock/EditorConfigGenerator</a:t>
             </a:r>
           </a:p>
@@ -9974,37 +10449,15 @@
             <a:pPr marL="68580" indent="0" algn="ctr">
               <a:buNone/>
             </a:pPr>
-            <a:endParaRPr lang="en-US" sz="3800" dirty="0"/>
+            <a:endParaRPr lang="en-US" sz="2400" dirty="0"/>
           </a:p>
           <a:p>
             <a:pPr marL="68580" indent="0" algn="ctr">
               <a:buNone/>
             </a:pPr>
             <a:r>
-              <a:rPr lang="en-US" sz="3800" dirty="0"/>
+              <a:rPr lang="en-US" sz="2400" dirty="0"/>
               <a:t>https://github.com/JasonBock/Presentations</a:t>
-            </a:r>
-          </a:p>
-        </p:txBody>
-      </p:sp>
-      <p:sp>
-        <p:nvSpPr>
-          <p:cNvPr id="3" name="Title 2"/>
-          <p:cNvSpPr>
-            <a:spLocks noGrp="1"/>
-          </p:cNvSpPr>
-          <p:nvPr>
-            <p:ph type="title"/>
-          </p:nvPr>
-        </p:nvSpPr>
-        <p:spPr/>
-        <p:txBody>
-          <a:bodyPr/>
-          <a:lstStyle/>
-          <a:p>
-            <a:r>
-              <a:rPr lang="en-US" dirty="0"/>
-              <a:t>Downloads</a:t>
             </a:r>
           </a:p>
         </p:txBody>
@@ -10012,7 +10465,7 @@
     </p:spTree>
     <p:extLst>
       <p:ext uri="{BB962C8B-B14F-4D97-AF65-F5344CB8AC3E}">
-        <p14:creationId xmlns:p14="http://schemas.microsoft.com/office/powerpoint/2010/main" val="3026418117"/>
+        <p14:creationId xmlns:p14="http://schemas.microsoft.com/office/powerpoint/2010/main" val="3372829682"/>
       </p:ext>
     </p:extLst>
   </p:cSld>
@@ -10041,7 +10494,41 @@
       </p:grpSpPr>
       <p:sp>
         <p:nvSpPr>
-          <p:cNvPr id="2" name="Content Placeholder 1"/>
+          <p:cNvPr id="2" name="Title 1">
+            <a:extLst>
+              <a:ext uri="{FF2B5EF4-FFF2-40B4-BE49-F238E27FC236}">
+                <a16:creationId xmlns:a16="http://schemas.microsoft.com/office/drawing/2014/main" id="{36710E48-A016-40A3-9CF2-752FD8E3204B}"/>
+              </a:ext>
+            </a:extLst>
+          </p:cNvPr>
+          <p:cNvSpPr>
+            <a:spLocks noGrp="1"/>
+          </p:cNvSpPr>
+          <p:nvPr>
+            <p:ph type="title"/>
+          </p:nvPr>
+        </p:nvSpPr>
+        <p:spPr/>
+        <p:txBody>
+          <a:bodyPr/>
+          <a:lstStyle/>
+          <a:p>
+            <a:r>
+              <a:rPr lang="en-US" dirty="0"/>
+              <a:t>Overview</a:t>
+            </a:r>
+          </a:p>
+        </p:txBody>
+      </p:sp>
+      <p:sp>
+        <p:nvSpPr>
+          <p:cNvPr id="3" name="Content Placeholder 2">
+            <a:extLst>
+              <a:ext uri="{FF2B5EF4-FFF2-40B4-BE49-F238E27FC236}">
+                <a16:creationId xmlns:a16="http://schemas.microsoft.com/office/drawing/2014/main" id="{EDC3CAC5-D82C-4212-910D-3A0A44EBA6B0}"/>
+              </a:ext>
+            </a:extLst>
+          </p:cNvPr>
           <p:cNvSpPr>
             <a:spLocks noGrp="1"/>
           </p:cNvSpPr>
@@ -10065,299 +10552,78 @@
               <a:t>Demos</a:t>
             </a:r>
           </a:p>
-          <a:p>
-            <a:endParaRPr lang="en-US" dirty="0"/>
-          </a:p>
-        </p:txBody>
-      </p:sp>
-      <p:sp>
-        <p:nvSpPr>
-          <p:cNvPr id="3" name="Title 2"/>
-          <p:cNvSpPr>
-            <a:spLocks noGrp="1"/>
-          </p:cNvSpPr>
-          <p:nvPr>
-            <p:ph type="title"/>
-          </p:nvPr>
-        </p:nvSpPr>
-        <p:spPr/>
-        <p:txBody>
-          <a:bodyPr/>
-          <a:lstStyle/>
-          <a:p>
-            <a:r>
-              <a:rPr lang="en-US" dirty="0"/>
-              <a:t>Overview	</a:t>
-            </a:r>
-          </a:p>
-        </p:txBody>
-      </p:sp>
-      <p:sp>
-        <p:nvSpPr>
-          <p:cNvPr id="4" name="Content Placeholder 1"/>
-          <p:cNvSpPr txBox="1">
-            <a:spLocks/>
-          </p:cNvSpPr>
+        </p:txBody>
+      </p:sp>
+      <p:sp>
+        <p:nvSpPr>
+          <p:cNvPr id="4" name="TextBox 3">
+            <a:extLst>
+              <a:ext uri="{FF2B5EF4-FFF2-40B4-BE49-F238E27FC236}">
+                <a16:creationId xmlns:a16="http://schemas.microsoft.com/office/drawing/2014/main" id="{8DBBCDCA-2107-4E8B-88C2-5B1AA2C9D02E}"/>
+              </a:ext>
+            </a:extLst>
+          </p:cNvPr>
+          <p:cNvSpPr txBox="1"/>
           <p:nvPr/>
         </p:nvSpPr>
         <p:spPr>
           <a:xfrm>
-            <a:off x="4039437" y="3027681"/>
-            <a:ext cx="8024097" cy="2704438"/>
+            <a:off x="4014112" y="3264912"/>
+            <a:ext cx="6892914" cy="2677656"/>
           </a:xfrm>
           <a:prstGeom prst="rect">
             <a:avLst/>
           </a:prstGeom>
+          <a:noFill/>
         </p:spPr>
         <p:txBody>
-          <a:bodyPr vert="horz" lIns="91440" tIns="45720" rIns="91440" bIns="45720" rtlCol="0" anchor="ctr" anchorCtr="0">
-            <a:noAutofit/>
+          <a:bodyPr wrap="none" rtlCol="0">
+            <a:spAutoFit/>
           </a:bodyPr>
-          <a:lstStyle>
-            <a:lvl1pPr marL="342900" indent="-274320" algn="l" defTabSz="914400" rtl="0" eaLnBrk="1" latinLnBrk="0" hangingPunct="1">
-              <a:spcBef>
-                <a:spcPct val="20000"/>
-              </a:spcBef>
-              <a:buClr>
-                <a:srgbClr val="7AB800"/>
-              </a:buClr>
-              <a:buSzPct val="90000"/>
-              <a:buFont typeface="Arial" pitchFamily="34" charset="0"/>
-              <a:buChar char="•"/>
-              <a:defRPr sz="2200" kern="1200">
-                <a:solidFill>
-                  <a:srgbClr val="1E1E1E"/>
-                </a:solidFill>
-                <a:latin typeface="Calibri"/>
-                <a:ea typeface="+mn-ea"/>
-                <a:cs typeface="Calibri"/>
-              </a:defRPr>
-            </a:lvl1pPr>
-            <a:lvl2pPr marL="640080" indent="-274320" algn="l" defTabSz="914400" rtl="0" eaLnBrk="1" latinLnBrk="0" hangingPunct="1">
-              <a:spcBef>
-                <a:spcPct val="20000"/>
-              </a:spcBef>
-              <a:buClr>
-                <a:srgbClr val="7AB800"/>
-              </a:buClr>
-              <a:buSzPct val="90000"/>
-              <a:buFont typeface="Calibri" pitchFamily="34" charset="0"/>
-              <a:buChar char="–"/>
-              <a:defRPr sz="2200" kern="1200">
-                <a:solidFill>
-                  <a:srgbClr val="1E1E1E"/>
-                </a:solidFill>
-                <a:latin typeface="Calibri"/>
-                <a:ea typeface="+mn-ea"/>
-                <a:cs typeface="Calibri"/>
-              </a:defRPr>
-            </a:lvl2pPr>
-            <a:lvl3pPr marL="914400" indent="-228600" algn="l" defTabSz="914400" rtl="0" eaLnBrk="1" latinLnBrk="0" hangingPunct="1">
-              <a:spcBef>
-                <a:spcPct val="20000"/>
-              </a:spcBef>
-              <a:buClr>
-                <a:srgbClr val="7AB800"/>
-              </a:buClr>
-              <a:buSzPct val="90000"/>
-              <a:buFont typeface="Arial" pitchFamily="34" charset="0"/>
-              <a:buChar char="•"/>
-              <a:defRPr sz="1800" kern="1200">
-                <a:solidFill>
-                  <a:srgbClr val="1E1E1E"/>
-                </a:solidFill>
-                <a:latin typeface="Calibri"/>
-                <a:ea typeface="+mn-ea"/>
-                <a:cs typeface="Calibri"/>
-              </a:defRPr>
-            </a:lvl3pPr>
-            <a:lvl4pPr marL="1124712" indent="-228600" algn="l" defTabSz="914400" rtl="0" eaLnBrk="1" latinLnBrk="0" hangingPunct="1">
-              <a:spcBef>
-                <a:spcPct val="20000"/>
-              </a:spcBef>
-              <a:buClr>
-                <a:srgbClr val="7AB800"/>
-              </a:buClr>
-              <a:buSzPct val="90000"/>
-              <a:buFont typeface="Arial" pitchFamily="34" charset="0"/>
-              <a:buChar char="•"/>
-              <a:defRPr sz="1600" kern="1200">
-                <a:solidFill>
-                  <a:srgbClr val="1E1E1E"/>
-                </a:solidFill>
-                <a:latin typeface="Calibri"/>
-                <a:ea typeface="+mn-ea"/>
-                <a:cs typeface="Calibri"/>
-              </a:defRPr>
-            </a:lvl4pPr>
-            <a:lvl5pPr marL="1325880" indent="-228600" algn="l" defTabSz="914400" rtl="0" eaLnBrk="1" latinLnBrk="0" hangingPunct="1">
-              <a:spcBef>
-                <a:spcPct val="20000"/>
-              </a:spcBef>
-              <a:buClr>
-                <a:srgbClr val="7AB800"/>
-              </a:buClr>
-              <a:buSzPct val="90000"/>
-              <a:buFont typeface="Arial" pitchFamily="34" charset="0"/>
-              <a:buChar char="•"/>
-              <a:defRPr sz="1400" kern="1200" baseline="0">
-                <a:solidFill>
-                  <a:srgbClr val="1E1E1E"/>
-                </a:solidFill>
-                <a:latin typeface="Calibri"/>
-                <a:ea typeface="+mn-ea"/>
-                <a:cs typeface="Calibri"/>
-              </a:defRPr>
-            </a:lvl5pPr>
-            <a:lvl6pPr marL="1517904" indent="-228600" algn="l" defTabSz="914400" rtl="0" eaLnBrk="1" latinLnBrk="0" hangingPunct="1">
-              <a:spcBef>
-                <a:spcPct val="20000"/>
-              </a:spcBef>
-              <a:buClr>
-                <a:schemeClr val="accent1"/>
-              </a:buClr>
-              <a:buSzPct val="76000"/>
-              <a:buFont typeface="Wingdings 2" pitchFamily="18" charset="2"/>
-              <a:buChar char=""/>
-              <a:defRPr sz="1400" kern="1200">
-                <a:solidFill>
-                  <a:schemeClr val="tx2"/>
-                </a:solidFill>
-                <a:latin typeface="+mn-lt"/>
-                <a:ea typeface="+mn-ea"/>
-                <a:cs typeface="+mn-cs"/>
-              </a:defRPr>
-            </a:lvl6pPr>
-            <a:lvl7pPr marL="1719072" indent="-228600" algn="l" defTabSz="914400" rtl="0" eaLnBrk="1" latinLnBrk="0" hangingPunct="1">
-              <a:spcBef>
-                <a:spcPct val="20000"/>
-              </a:spcBef>
-              <a:buClr>
-                <a:schemeClr val="accent1"/>
-              </a:buClr>
-              <a:buSzPct val="76000"/>
-              <a:buFont typeface="Wingdings 2" pitchFamily="18" charset="2"/>
-              <a:buChar char=""/>
-              <a:defRPr sz="1400" kern="1200">
-                <a:solidFill>
-                  <a:schemeClr val="tx2"/>
-                </a:solidFill>
-                <a:latin typeface="+mn-lt"/>
-                <a:ea typeface="+mn-ea"/>
-                <a:cs typeface="+mn-cs"/>
-              </a:defRPr>
-            </a:lvl7pPr>
-            <a:lvl8pPr marL="1920240" indent="-228600" algn="l" defTabSz="914400" rtl="0" eaLnBrk="1" latinLnBrk="0" hangingPunct="1">
-              <a:spcBef>
-                <a:spcPct val="20000"/>
-              </a:spcBef>
-              <a:buClr>
-                <a:schemeClr val="accent1"/>
-              </a:buClr>
-              <a:buSzPct val="76000"/>
-              <a:buFont typeface="Wingdings 2" pitchFamily="18" charset="2"/>
-              <a:buChar char=""/>
-              <a:defRPr sz="1400" kern="1200">
-                <a:solidFill>
-                  <a:schemeClr val="tx2"/>
-                </a:solidFill>
-                <a:latin typeface="+mn-lt"/>
-                <a:ea typeface="+mn-ea"/>
-                <a:cs typeface="+mn-cs"/>
-              </a:defRPr>
-            </a:lvl8pPr>
-            <a:lvl9pPr marL="2121408" indent="-228600" algn="l" defTabSz="914400" rtl="0" eaLnBrk="1" latinLnBrk="0" hangingPunct="1">
-              <a:spcBef>
-                <a:spcPct val="20000"/>
-              </a:spcBef>
-              <a:buClr>
-                <a:schemeClr val="accent1"/>
-              </a:buClr>
-              <a:buSzPct val="76000"/>
-              <a:buFont typeface="Wingdings 2" pitchFamily="18" charset="2"/>
-              <a:buChar char=""/>
-              <a:defRPr sz="1400" kern="1200">
-                <a:solidFill>
-                  <a:schemeClr val="tx2"/>
-                </a:solidFill>
-                <a:latin typeface="+mn-lt"/>
-                <a:ea typeface="+mn-ea"/>
-                <a:cs typeface="+mn-cs"/>
-              </a:defRPr>
-            </a:lvl9pPr>
-          </a:lstStyle>
-          <a:p>
-            <a:pPr marL="68580" indent="0" algn="ctr">
-              <a:buFont typeface="Arial" pitchFamily="34" charset="0"/>
-              <a:buNone/>
-            </a:pPr>
-            <a:r>
-              <a:rPr lang="en-US" sz="2000" dirty="0">
-                <a:latin typeface="+mn-lt"/>
-              </a:rPr>
+          <a:lstStyle/>
+          <a:p>
+            <a:pPr algn="ctr"/>
+            <a:r>
+              <a:rPr lang="en-US" sz="2400" dirty="0"/>
               <a:t>Remember…</a:t>
             </a:r>
           </a:p>
           <a:p>
-            <a:pPr marL="68580" indent="0" algn="ctr">
-              <a:buNone/>
-            </a:pPr>
-            <a:r>
-              <a:rPr lang="en-US" sz="2000" dirty="0">
-                <a:latin typeface="+mn-lt"/>
-              </a:rPr>
+            <a:pPr algn="ctr"/>
+            <a:r>
+              <a:rPr lang="en-US" sz="2400" dirty="0"/>
               <a:t>https://github.com/MarimerLLC/csla</a:t>
             </a:r>
           </a:p>
           <a:p>
-            <a:pPr marL="68580" indent="0" algn="ctr">
-              <a:buNone/>
-            </a:pPr>
-            <a:r>
-              <a:rPr lang="en-US" sz="2000" dirty="0">
-                <a:latin typeface="+mn-lt"/>
-              </a:rPr>
+            <a:pPr algn="ctr"/>
+            <a:r>
+              <a:rPr lang="en-US" sz="2400" dirty="0"/>
               <a:t>https://github.com/JasonBock/AutoArrange</a:t>
             </a:r>
           </a:p>
           <a:p>
-            <a:pPr marL="68580" indent="0" algn="ctr">
-              <a:buNone/>
-            </a:pPr>
-            <a:r>
-              <a:rPr lang="en-US" sz="2000" dirty="0">
-                <a:latin typeface="+mn-lt"/>
-              </a:rPr>
+            <a:pPr algn="ctr"/>
+            <a:r>
+              <a:rPr lang="en-US" sz="2400" dirty="0"/>
               <a:t>https://github.com/JasonBock/Rocks</a:t>
             </a:r>
           </a:p>
           <a:p>
-            <a:pPr marL="68580" indent="0" algn="ctr">
-              <a:buNone/>
-            </a:pPr>
-            <a:r>
-              <a:rPr lang="en-US" sz="2000" dirty="0">
-                <a:latin typeface="+mn-lt"/>
-              </a:rPr>
+            <a:pPr algn="ctr"/>
+            <a:r>
+              <a:rPr lang="en-US" sz="2400" dirty="0"/>
               <a:t>https://github.com/JasonBock/EditorConfigGenerator</a:t>
             </a:r>
           </a:p>
           <a:p>
-            <a:pPr marL="68580" indent="0" algn="ctr">
-              <a:buNone/>
-            </a:pPr>
-            <a:endParaRPr lang="en-US" sz="2000" dirty="0">
-              <a:latin typeface="+mn-lt"/>
-            </a:endParaRPr>
-          </a:p>
-          <a:p>
-            <a:pPr marL="68580" indent="0" algn="ctr">
-              <a:buNone/>
-            </a:pPr>
-            <a:r>
-              <a:rPr lang="en-US" sz="2000" dirty="0">
-                <a:latin typeface="+mn-lt"/>
-              </a:rPr>
+            <a:pPr algn="ctr"/>
+            <a:endParaRPr lang="en-US" sz="2400" dirty="0"/>
+          </a:p>
+          <a:p>
+            <a:pPr algn="ctr"/>
+            <a:r>
+              <a:rPr lang="en-US" sz="2400" dirty="0"/>
               <a:t>https://github.com/JasonBock/Presentations</a:t>
             </a:r>
           </a:p>
@@ -10366,7 +10632,7 @@
     </p:spTree>
     <p:extLst>
       <p:ext uri="{BB962C8B-B14F-4D97-AF65-F5344CB8AC3E}">
-        <p14:creationId xmlns:p14="http://schemas.microsoft.com/office/powerpoint/2010/main" val="1849878929"/>
+        <p14:creationId xmlns:p14="http://schemas.microsoft.com/office/powerpoint/2010/main" val="1694529763"/>
       </p:ext>
     </p:extLst>
   </p:cSld>
@@ -10395,7 +10661,13 @@
       </p:grpSpPr>
       <p:sp>
         <p:nvSpPr>
-          <p:cNvPr id="3" name="Title 2"/>
+          <p:cNvPr id="2" name="Title 1">
+            <a:extLst>
+              <a:ext uri="{FF2B5EF4-FFF2-40B4-BE49-F238E27FC236}">
+                <a16:creationId xmlns:a16="http://schemas.microsoft.com/office/drawing/2014/main" id="{13E17694-CE37-4055-BC47-23C3E2BE7940}"/>
+              </a:ext>
+            </a:extLst>
+          </p:cNvPr>
           <p:cNvSpPr>
             <a:spLocks noGrp="1"/>
           </p:cNvSpPr>
@@ -10410,14 +10682,20 @@
           <a:p>
             <a:r>
               <a:rPr lang="en-US" dirty="0"/>
-              <a:t>Compiler API History</a:t>
+              <a:t>Compiler API</a:t>
             </a:r>
           </a:p>
         </p:txBody>
       </p:sp>
       <p:pic>
         <p:nvPicPr>
-          <p:cNvPr id="4" name="Picture 3"/>
+          <p:cNvPr id="12" name="Picture 11">
+            <a:extLst>
+              <a:ext uri="{FF2B5EF4-FFF2-40B4-BE49-F238E27FC236}">
+                <a16:creationId xmlns:a16="http://schemas.microsoft.com/office/drawing/2014/main" id="{0A30F2C1-A48A-4C47-8869-3F3E41788030}"/>
+              </a:ext>
+            </a:extLst>
+          </p:cNvPr>
           <p:cNvPicPr>
             <a:picLocks noChangeAspect="1" noChangeArrowheads="1"/>
           </p:cNvPicPr>
@@ -10438,7 +10716,7 @@
         </p:blipFill>
         <p:spPr bwMode="auto">
           <a:xfrm>
-            <a:off x="4060792" y="1816297"/>
+            <a:off x="4057650" y="2124522"/>
             <a:ext cx="4076699" cy="3277667"/>
           </a:xfrm>
           <a:prstGeom prst="rect">
@@ -10481,14 +10759,20 @@
       </p:pic>
       <p:sp>
         <p:nvSpPr>
-          <p:cNvPr id="6" name="Rectangle 5"/>
+          <p:cNvPr id="13" name="Rectangle 12">
+            <a:extLst>
+              <a:ext uri="{FF2B5EF4-FFF2-40B4-BE49-F238E27FC236}">
+                <a16:creationId xmlns:a16="http://schemas.microsoft.com/office/drawing/2014/main" id="{9089658D-AEAA-47AB-8F4F-20498B07EF01}"/>
+              </a:ext>
+            </a:extLst>
+          </p:cNvPr>
           <p:cNvSpPr/>
           <p:nvPr/>
         </p:nvSpPr>
         <p:spPr>
           <a:xfrm>
-            <a:off x="5610225" y="6276894"/>
-            <a:ext cx="6581775" cy="453605"/>
+            <a:off x="1" y="6276894"/>
+            <a:ext cx="12192000" cy="453605"/>
           </a:xfrm>
           <a:prstGeom prst="rect">
             <a:avLst/>
@@ -10514,7 +10798,7 @@
     </p:spTree>
     <p:extLst>
       <p:ext uri="{BB962C8B-B14F-4D97-AF65-F5344CB8AC3E}">
-        <p14:creationId xmlns:p14="http://schemas.microsoft.com/office/powerpoint/2010/main" val="1137664414"/>
+        <p14:creationId xmlns:p14="http://schemas.microsoft.com/office/powerpoint/2010/main" val="4294231335"/>
       </p:ext>
     </p:extLst>
   </p:cSld>
@@ -10543,7 +10827,13 @@
       </p:grpSpPr>
       <p:sp>
         <p:nvSpPr>
-          <p:cNvPr id="3" name="Title 2"/>
+          <p:cNvPr id="2" name="Title 1">
+            <a:extLst>
+              <a:ext uri="{FF2B5EF4-FFF2-40B4-BE49-F238E27FC236}">
+                <a16:creationId xmlns:a16="http://schemas.microsoft.com/office/drawing/2014/main" id="{13E17694-CE37-4055-BC47-23C3E2BE7940}"/>
+              </a:ext>
+            </a:extLst>
+          </p:cNvPr>
           <p:cNvSpPr>
             <a:spLocks noGrp="1"/>
           </p:cNvSpPr>
@@ -10558,20 +10848,26 @@
           <a:p>
             <a:r>
               <a:rPr lang="en-US" dirty="0"/>
-              <a:t>Compiler API History</a:t>
-            </a:r>
-          </a:p>
-        </p:txBody>
-      </p:sp>
-      <p:sp>
-        <p:nvSpPr>
-          <p:cNvPr id="5" name="Right Arrow 4"/>
+              <a:t>Compiler API</a:t>
+            </a:r>
+          </a:p>
+        </p:txBody>
+      </p:sp>
+      <p:sp>
+        <p:nvSpPr>
+          <p:cNvPr id="5" name="Right Arrow 4">
+            <a:extLst>
+              <a:ext uri="{FF2B5EF4-FFF2-40B4-BE49-F238E27FC236}">
+                <a16:creationId xmlns:a16="http://schemas.microsoft.com/office/drawing/2014/main" id="{A17EF877-8EB5-4A73-AC2D-71E069E4FD52}"/>
+              </a:ext>
+            </a:extLst>
+          </p:cNvPr>
           <p:cNvSpPr/>
           <p:nvPr/>
         </p:nvSpPr>
         <p:spPr>
           <a:xfrm>
-            <a:off x="4511951" y="3170813"/>
+            <a:off x="4511951" y="3479035"/>
             <a:ext cx="457200" cy="228600"/>
           </a:xfrm>
           <a:prstGeom prst="rightArrow">
@@ -10605,13 +10901,19 @@
       </p:sp>
       <p:sp>
         <p:nvSpPr>
-          <p:cNvPr id="7" name="Rounded Rectangle 6"/>
+          <p:cNvPr id="6" name="Rounded Rectangle 6">
+            <a:extLst>
+              <a:ext uri="{FF2B5EF4-FFF2-40B4-BE49-F238E27FC236}">
+                <a16:creationId xmlns:a16="http://schemas.microsoft.com/office/drawing/2014/main" id="{328D87C4-C46C-4C3C-8877-439BCEE895FF}"/>
+              </a:ext>
+            </a:extLst>
+          </p:cNvPr>
           <p:cNvSpPr/>
           <p:nvPr/>
         </p:nvSpPr>
         <p:spPr>
           <a:xfrm>
-            <a:off x="5054876" y="2874479"/>
+            <a:off x="5054876" y="3182701"/>
             <a:ext cx="1257300" cy="821268"/>
           </a:xfrm>
           <a:prstGeom prst="roundRect">
@@ -10655,13 +10957,19 @@
       </p:sp>
       <p:sp>
         <p:nvSpPr>
-          <p:cNvPr id="8" name="Right Arrow 7"/>
+          <p:cNvPr id="7" name="Right Arrow 7">
+            <a:extLst>
+              <a:ext uri="{FF2B5EF4-FFF2-40B4-BE49-F238E27FC236}">
+                <a16:creationId xmlns:a16="http://schemas.microsoft.com/office/drawing/2014/main" id="{947271B9-5791-44B3-98E8-5D26EBCEF47B}"/>
+              </a:ext>
+            </a:extLst>
+          </p:cNvPr>
           <p:cNvSpPr/>
           <p:nvPr/>
         </p:nvSpPr>
         <p:spPr>
           <a:xfrm>
-            <a:off x="6397901" y="3170813"/>
+            <a:off x="6397901" y="3479035"/>
             <a:ext cx="457200" cy="228600"/>
           </a:xfrm>
           <a:prstGeom prst="rightArrow">
@@ -10695,13 +11003,19 @@
       </p:sp>
       <p:sp>
         <p:nvSpPr>
-          <p:cNvPr id="9" name="Rounded Rectangle 8"/>
+          <p:cNvPr id="8" name="Rounded Rectangle 8">
+            <a:extLst>
+              <a:ext uri="{FF2B5EF4-FFF2-40B4-BE49-F238E27FC236}">
+                <a16:creationId xmlns:a16="http://schemas.microsoft.com/office/drawing/2014/main" id="{F0C97F6D-8CAE-48D2-9B68-6CF22380F83A}"/>
+              </a:ext>
+            </a:extLst>
+          </p:cNvPr>
           <p:cNvSpPr/>
           <p:nvPr/>
         </p:nvSpPr>
         <p:spPr>
           <a:xfrm>
-            <a:off x="6931301" y="2874479"/>
+            <a:off x="6931301" y="3182701"/>
             <a:ext cx="2286000" cy="821268"/>
           </a:xfrm>
           <a:prstGeom prst="roundRect">
@@ -10745,13 +11059,19 @@
       </p:sp>
       <p:sp>
         <p:nvSpPr>
-          <p:cNvPr id="10" name="Flowchart: Multidocument 9"/>
+          <p:cNvPr id="9" name="Flowchart: Multidocument 8">
+            <a:extLst>
+              <a:ext uri="{FF2B5EF4-FFF2-40B4-BE49-F238E27FC236}">
+                <a16:creationId xmlns:a16="http://schemas.microsoft.com/office/drawing/2014/main" id="{EABD43C2-DD8E-47A4-831F-51A53A55AE63}"/>
+              </a:ext>
+            </a:extLst>
+          </p:cNvPr>
           <p:cNvSpPr/>
           <p:nvPr/>
         </p:nvSpPr>
         <p:spPr>
           <a:xfrm>
-            <a:off x="3340376" y="2905637"/>
+            <a:off x="3340376" y="3213859"/>
             <a:ext cx="1060704" cy="758952"/>
           </a:xfrm>
           <a:prstGeom prst="flowChartMultidocument">
@@ -10786,7 +11106,7 @@
     </p:spTree>
     <p:extLst>
       <p:ext uri="{BB962C8B-B14F-4D97-AF65-F5344CB8AC3E}">
-        <p14:creationId xmlns:p14="http://schemas.microsoft.com/office/powerpoint/2010/main" val="1166962426"/>
+        <p14:creationId xmlns:p14="http://schemas.microsoft.com/office/powerpoint/2010/main" val="902564308"/>
       </p:ext>
     </p:extLst>
   </p:cSld>
@@ -10815,7 +11135,13 @@
       </p:grpSpPr>
       <p:sp>
         <p:nvSpPr>
-          <p:cNvPr id="3" name="Title 2"/>
+          <p:cNvPr id="2" name="Title 1">
+            <a:extLst>
+              <a:ext uri="{FF2B5EF4-FFF2-40B4-BE49-F238E27FC236}">
+                <a16:creationId xmlns:a16="http://schemas.microsoft.com/office/drawing/2014/main" id="{13E17694-CE37-4055-BC47-23C3E2BE7940}"/>
+              </a:ext>
+            </a:extLst>
+          </p:cNvPr>
           <p:cNvSpPr>
             <a:spLocks noGrp="1"/>
           </p:cNvSpPr>
@@ -10830,20 +11156,26 @@
           <a:p>
             <a:r>
               <a:rPr lang="en-US" dirty="0"/>
-              <a:t>Compiler API History</a:t>
-            </a:r>
-          </a:p>
-        </p:txBody>
-      </p:sp>
-      <p:sp>
-        <p:nvSpPr>
-          <p:cNvPr id="5" name="Right Arrow 4"/>
+              <a:t>Compiler API</a:t>
+            </a:r>
+          </a:p>
+        </p:txBody>
+      </p:sp>
+      <p:sp>
+        <p:nvSpPr>
+          <p:cNvPr id="5" name="Right Arrow 4">
+            <a:extLst>
+              <a:ext uri="{FF2B5EF4-FFF2-40B4-BE49-F238E27FC236}">
+                <a16:creationId xmlns:a16="http://schemas.microsoft.com/office/drawing/2014/main" id="{A17EF877-8EB5-4A73-AC2D-71E069E4FD52}"/>
+              </a:ext>
+            </a:extLst>
+          </p:cNvPr>
           <p:cNvSpPr/>
           <p:nvPr/>
         </p:nvSpPr>
         <p:spPr>
           <a:xfrm>
-            <a:off x="4511951" y="3170813"/>
+            <a:off x="4511951" y="3479035"/>
             <a:ext cx="457200" cy="228600"/>
           </a:xfrm>
           <a:prstGeom prst="rightArrow">
@@ -10877,13 +11209,19 @@
       </p:sp>
       <p:sp>
         <p:nvSpPr>
-          <p:cNvPr id="7" name="Rounded Rectangle 6"/>
+          <p:cNvPr id="6" name="Rounded Rectangle 6">
+            <a:extLst>
+              <a:ext uri="{FF2B5EF4-FFF2-40B4-BE49-F238E27FC236}">
+                <a16:creationId xmlns:a16="http://schemas.microsoft.com/office/drawing/2014/main" id="{328D87C4-C46C-4C3C-8877-439BCEE895FF}"/>
+              </a:ext>
+            </a:extLst>
+          </p:cNvPr>
           <p:cNvSpPr/>
           <p:nvPr/>
         </p:nvSpPr>
         <p:spPr>
           <a:xfrm>
-            <a:off x="5054876" y="2874479"/>
+            <a:off x="5054876" y="3182701"/>
             <a:ext cx="1257300" cy="821268"/>
           </a:xfrm>
           <a:prstGeom prst="roundRect">
@@ -10927,13 +11265,19 @@
       </p:sp>
       <p:sp>
         <p:nvSpPr>
-          <p:cNvPr id="8" name="Right Arrow 7"/>
+          <p:cNvPr id="7" name="Right Arrow 7">
+            <a:extLst>
+              <a:ext uri="{FF2B5EF4-FFF2-40B4-BE49-F238E27FC236}">
+                <a16:creationId xmlns:a16="http://schemas.microsoft.com/office/drawing/2014/main" id="{947271B9-5791-44B3-98E8-5D26EBCEF47B}"/>
+              </a:ext>
+            </a:extLst>
+          </p:cNvPr>
           <p:cNvSpPr/>
           <p:nvPr/>
         </p:nvSpPr>
         <p:spPr>
           <a:xfrm>
-            <a:off x="6397901" y="3170813"/>
+            <a:off x="6397901" y="3479035"/>
             <a:ext cx="457200" cy="228600"/>
           </a:xfrm>
           <a:prstGeom prst="rightArrow">
@@ -10967,13 +11311,19 @@
       </p:sp>
       <p:sp>
         <p:nvSpPr>
-          <p:cNvPr id="9" name="Rounded Rectangle 8"/>
+          <p:cNvPr id="8" name="Rounded Rectangle 8">
+            <a:extLst>
+              <a:ext uri="{FF2B5EF4-FFF2-40B4-BE49-F238E27FC236}">
+                <a16:creationId xmlns:a16="http://schemas.microsoft.com/office/drawing/2014/main" id="{F0C97F6D-8CAE-48D2-9B68-6CF22380F83A}"/>
+              </a:ext>
+            </a:extLst>
+          </p:cNvPr>
           <p:cNvSpPr/>
           <p:nvPr/>
         </p:nvSpPr>
         <p:spPr>
           <a:xfrm>
-            <a:off x="6931301" y="2874479"/>
+            <a:off x="6931301" y="3182701"/>
             <a:ext cx="2286000" cy="821268"/>
           </a:xfrm>
           <a:prstGeom prst="roundRect">
@@ -11017,13 +11367,19 @@
       </p:sp>
       <p:sp>
         <p:nvSpPr>
-          <p:cNvPr id="10" name="Flowchart: Multidocument 9"/>
+          <p:cNvPr id="9" name="Flowchart: Multidocument 8">
+            <a:extLst>
+              <a:ext uri="{FF2B5EF4-FFF2-40B4-BE49-F238E27FC236}">
+                <a16:creationId xmlns:a16="http://schemas.microsoft.com/office/drawing/2014/main" id="{EABD43C2-DD8E-47A4-831F-51A53A55AE63}"/>
+              </a:ext>
+            </a:extLst>
+          </p:cNvPr>
           <p:cNvSpPr/>
           <p:nvPr/>
         </p:nvSpPr>
         <p:spPr>
           <a:xfrm>
-            <a:off x="3340376" y="2905637"/>
+            <a:off x="3340376" y="3213859"/>
             <a:ext cx="1060704" cy="758952"/>
           </a:xfrm>
           <a:prstGeom prst="flowChartMultidocument">
@@ -11057,13 +11413,19 @@
       </p:sp>
       <p:sp>
         <p:nvSpPr>
-          <p:cNvPr id="11" name="Rounded Rectangle 10"/>
+          <p:cNvPr id="10" name="Rounded Rectangle 10">
+            <a:extLst>
+              <a:ext uri="{FF2B5EF4-FFF2-40B4-BE49-F238E27FC236}">
+                <a16:creationId xmlns:a16="http://schemas.microsoft.com/office/drawing/2014/main" id="{A474E460-9517-4734-952A-AC6FC9360378}"/>
+              </a:ext>
+            </a:extLst>
+          </p:cNvPr>
           <p:cNvSpPr/>
           <p:nvPr/>
         </p:nvSpPr>
         <p:spPr>
           <a:xfrm>
-            <a:off x="5054876" y="4412974"/>
+            <a:off x="5054876" y="4700649"/>
             <a:ext cx="1257300" cy="821268"/>
           </a:xfrm>
           <a:prstGeom prst="roundRect">
@@ -11107,13 +11469,19 @@
       </p:sp>
       <p:sp>
         <p:nvSpPr>
-          <p:cNvPr id="12" name="Right Arrow 11"/>
+          <p:cNvPr id="11" name="Right Arrow 11">
+            <a:extLst>
+              <a:ext uri="{FF2B5EF4-FFF2-40B4-BE49-F238E27FC236}">
+                <a16:creationId xmlns:a16="http://schemas.microsoft.com/office/drawing/2014/main" id="{D510EC28-E206-4DA7-98E5-A9D7A16CEC5E}"/>
+              </a:ext>
+            </a:extLst>
+          </p:cNvPr>
           <p:cNvSpPr/>
           <p:nvPr/>
         </p:nvSpPr>
         <p:spPr>
           <a:xfrm rot="16200000">
-            <a:off x="5454926" y="3985408"/>
+            <a:off x="5454926" y="4273083"/>
             <a:ext cx="457200" cy="228600"/>
           </a:xfrm>
           <a:prstGeom prst="rightArrow">
@@ -11147,14 +11515,20 @@
       </p:sp>
       <p:sp>
         <p:nvSpPr>
-          <p:cNvPr id="13" name="Rectangle 12"/>
+          <p:cNvPr id="12" name="Rectangle 11">
+            <a:extLst>
+              <a:ext uri="{FF2B5EF4-FFF2-40B4-BE49-F238E27FC236}">
+                <a16:creationId xmlns:a16="http://schemas.microsoft.com/office/drawing/2014/main" id="{C64EF720-A5B8-4F8F-A7C7-232122E31B65}"/>
+              </a:ext>
+            </a:extLst>
+          </p:cNvPr>
           <p:cNvSpPr/>
           <p:nvPr/>
         </p:nvSpPr>
         <p:spPr>
           <a:xfrm>
-            <a:off x="5610225" y="6276894"/>
-            <a:ext cx="6581775" cy="453605"/>
+            <a:off x="1" y="6276894"/>
+            <a:ext cx="12192000" cy="453605"/>
           </a:xfrm>
           <a:prstGeom prst="rect">
             <a:avLst/>
@@ -11180,7 +11554,7 @@
     </p:spTree>
     <p:extLst>
       <p:ext uri="{BB962C8B-B14F-4D97-AF65-F5344CB8AC3E}">
-        <p14:creationId xmlns:p14="http://schemas.microsoft.com/office/powerpoint/2010/main" val="3084191325"/>
+        <p14:creationId xmlns:p14="http://schemas.microsoft.com/office/powerpoint/2010/main" val="3213660737"/>
       </p:ext>
     </p:extLst>
   </p:cSld>
@@ -11209,7 +11583,13 @@
       </p:grpSpPr>
       <p:sp>
         <p:nvSpPr>
-          <p:cNvPr id="3" name="Title 2"/>
+          <p:cNvPr id="2" name="Title 1">
+            <a:extLst>
+              <a:ext uri="{FF2B5EF4-FFF2-40B4-BE49-F238E27FC236}">
+                <a16:creationId xmlns:a16="http://schemas.microsoft.com/office/drawing/2014/main" id="{13E17694-CE37-4055-BC47-23C3E2BE7940}"/>
+              </a:ext>
+            </a:extLst>
+          </p:cNvPr>
           <p:cNvSpPr>
             <a:spLocks noGrp="1"/>
           </p:cNvSpPr>
@@ -11224,19 +11604,31 @@
           <a:p>
             <a:r>
               <a:rPr lang="en-US" dirty="0"/>
-              <a:t>Compiler API History</a:t>
+              <a:t>Compiler API</a:t>
             </a:r>
           </a:p>
         </p:txBody>
       </p:sp>
       <p:graphicFrame>
         <p:nvGraphicFramePr>
-          <p:cNvPr id="11" name="Diagram 10"/>
+          <p:cNvPr id="5" name="Diagram 4">
+            <a:extLst>
+              <a:ext uri="{FF2B5EF4-FFF2-40B4-BE49-F238E27FC236}">
+                <a16:creationId xmlns:a16="http://schemas.microsoft.com/office/drawing/2014/main" id="{A68424B9-F853-4D72-BEC1-126EF017727B}"/>
+              </a:ext>
+            </a:extLst>
+          </p:cNvPr>
           <p:cNvGraphicFramePr/>
-          <p:nvPr/>
+          <p:nvPr>
+            <p:extLst>
+              <p:ext uri="{D42A27DB-BD31-4B8C-83A1-F6EECF244321}">
+                <p14:modId xmlns:p14="http://schemas.microsoft.com/office/powerpoint/2010/main" val="478128790"/>
+              </p:ext>
+            </p:extLst>
+          </p:nvPr>
         </p:nvGraphicFramePr>
         <p:xfrm>
-          <a:off x="2111344" y="1368968"/>
+          <a:off x="2111344" y="1728561"/>
           <a:ext cx="8155778" cy="4316215"/>
         </p:xfrm>
         <a:graphic>
@@ -11248,7 +11640,7 @@
     </p:spTree>
     <p:extLst>
       <p:ext uri="{BB962C8B-B14F-4D97-AF65-F5344CB8AC3E}">
-        <p14:creationId xmlns:p14="http://schemas.microsoft.com/office/powerpoint/2010/main" val="813831525"/>
+        <p14:creationId xmlns:p14="http://schemas.microsoft.com/office/powerpoint/2010/main" val="965906108"/>
       </p:ext>
     </p:extLst>
   </p:cSld>
@@ -11277,7 +11669,13 @@
       </p:grpSpPr>
       <p:sp>
         <p:nvSpPr>
-          <p:cNvPr id="3" name="Title 2"/>
+          <p:cNvPr id="2" name="Title 1">
+            <a:extLst>
+              <a:ext uri="{FF2B5EF4-FFF2-40B4-BE49-F238E27FC236}">
+                <a16:creationId xmlns:a16="http://schemas.microsoft.com/office/drawing/2014/main" id="{13E17694-CE37-4055-BC47-23C3E2BE7940}"/>
+              </a:ext>
+            </a:extLst>
+          </p:cNvPr>
           <p:cNvSpPr>
             <a:spLocks noGrp="1"/>
           </p:cNvSpPr>
@@ -11292,14 +11690,20 @@
           <a:p>
             <a:r>
               <a:rPr lang="en-US" dirty="0"/>
-              <a:t>Compiler API History</a:t>
+              <a:t>Compiler API</a:t>
             </a:r>
           </a:p>
         </p:txBody>
       </p:sp>
       <p:pic>
         <p:nvPicPr>
-          <p:cNvPr id="4" name="Picture 3"/>
+          <p:cNvPr id="5" name="Picture 4">
+            <a:extLst>
+              <a:ext uri="{FF2B5EF4-FFF2-40B4-BE49-F238E27FC236}">
+                <a16:creationId xmlns:a16="http://schemas.microsoft.com/office/drawing/2014/main" id="{ADD6DCDB-E5DD-47BD-8F78-1CF993694A2B}"/>
+              </a:ext>
+            </a:extLst>
+          </p:cNvPr>
           <p:cNvPicPr>
             <a:picLocks noChangeAspect="1"/>
           </p:cNvPicPr>
@@ -11319,7 +11723,7 @@
         </p:blipFill>
         <p:spPr>
           <a:xfrm>
-            <a:off x="2750152" y="1183640"/>
+            <a:off x="2747010" y="1690688"/>
             <a:ext cx="6697980" cy="4465320"/>
           </a:xfrm>
           <a:prstGeom prst="rect">
@@ -11330,7 +11734,7 @@
     </p:spTree>
     <p:extLst>
       <p:ext uri="{BB962C8B-B14F-4D97-AF65-F5344CB8AC3E}">
-        <p14:creationId xmlns:p14="http://schemas.microsoft.com/office/powerpoint/2010/main" val="2924887852"/>
+        <p14:creationId xmlns:p14="http://schemas.microsoft.com/office/powerpoint/2010/main" val="405194066"/>
       </p:ext>
     </p:extLst>
   </p:cSld>
@@ -11341,56 +11745,150 @@
 </file>
 
 <file path=ppt/theme/theme1.xml><?xml version="1.0" encoding="utf-8"?>
-<a:theme xmlns:a="http://schemas.openxmlformats.org/drawingml/2006/main" name="MGNC_PPT_FINAL">
+<a:theme xmlns:a="http://schemas.openxmlformats.org/drawingml/2006/main" name="Office Theme">
   <a:themeElements>
-    <a:clrScheme name="MAGENIC COLORS">
+    <a:clrScheme name="Office">
       <a:dk1>
-        <a:srgbClr val="53565A"/>
+        <a:sysClr val="windowText" lastClr="000000"/>
       </a:dk1>
       <a:lt1>
         <a:sysClr val="window" lastClr="FFFFFF"/>
       </a:lt1>
       <a:dk2>
-        <a:srgbClr val="78BE3C"/>
+        <a:srgbClr val="44546A"/>
       </a:dk2>
       <a:lt2>
-        <a:srgbClr val="FFC32C"/>
+        <a:srgbClr val="E7E6E6"/>
       </a:lt2>
       <a:accent1>
-        <a:srgbClr val="78BE3C"/>
+        <a:srgbClr val="4472C4"/>
       </a:accent1>
       <a:accent2>
-        <a:srgbClr val="00A9E0"/>
+        <a:srgbClr val="ED7D31"/>
       </a:accent2>
       <a:accent3>
-        <a:srgbClr val="F26A21"/>
+        <a:srgbClr val="A5A5A5"/>
       </a:accent3>
       <a:accent4>
-        <a:srgbClr val="E31C79"/>
+        <a:srgbClr val="FFC000"/>
       </a:accent4>
       <a:accent5>
-        <a:srgbClr val="75787B"/>
+        <a:srgbClr val="5B9BD5"/>
       </a:accent5>
       <a:accent6>
-        <a:srgbClr val="97999B"/>
+        <a:srgbClr val="70AD47"/>
       </a:accent6>
       <a:hlink>
-        <a:srgbClr val="F37121"/>
+        <a:srgbClr val="0563C1"/>
       </a:hlink>
       <a:folHlink>
-        <a:srgbClr val="75787B"/>
+        <a:srgbClr val="954F72"/>
       </a:folHlink>
     </a:clrScheme>
-    <a:fontScheme name="Magenic_Fonts">
+    <a:fontScheme name="Office">
       <a:majorFont>
-        <a:latin typeface="Franklin Gothic Medium Cond"/>
+        <a:latin typeface="Calibri Light" panose="020F0302020204030204"/>
         <a:ea typeface=""/>
         <a:cs typeface=""/>
+        <a:font script="Jpan" typeface="游ゴシック Light"/>
+        <a:font script="Hang" typeface="맑은 고딕"/>
+        <a:font script="Hans" typeface="等线 Light"/>
+        <a:font script="Hant" typeface="新細明體"/>
+        <a:font script="Arab" typeface="Times New Roman"/>
+        <a:font script="Hebr" typeface="Times New Roman"/>
+        <a:font script="Thai" typeface="Angsana New"/>
+        <a:font script="Ethi" typeface="Nyala"/>
+        <a:font script="Beng" typeface="Vrinda"/>
+        <a:font script="Gujr" typeface="Shruti"/>
+        <a:font script="Khmr" typeface="MoolBoran"/>
+        <a:font script="Knda" typeface="Tunga"/>
+        <a:font script="Guru" typeface="Raavi"/>
+        <a:font script="Cans" typeface="Euphemia"/>
+        <a:font script="Cher" typeface="Plantagenet Cherokee"/>
+        <a:font script="Yiii" typeface="Microsoft Yi Baiti"/>
+        <a:font script="Tibt" typeface="Microsoft Himalaya"/>
+        <a:font script="Thaa" typeface="MV Boli"/>
+        <a:font script="Deva" typeface="Mangal"/>
+        <a:font script="Telu" typeface="Gautami"/>
+        <a:font script="Taml" typeface="Latha"/>
+        <a:font script="Syrc" typeface="Estrangelo Edessa"/>
+        <a:font script="Orya" typeface="Kalinga"/>
+        <a:font script="Mlym" typeface="Kartika"/>
+        <a:font script="Laoo" typeface="DokChampa"/>
+        <a:font script="Sinh" typeface="Iskoola Pota"/>
+        <a:font script="Mong" typeface="Mongolian Baiti"/>
+        <a:font script="Viet" typeface="Times New Roman"/>
+        <a:font script="Uigh" typeface="Microsoft Uighur"/>
+        <a:font script="Geor" typeface="Sylfaen"/>
+        <a:font script="Armn" typeface="Arial"/>
+        <a:font script="Bugi" typeface="Leelawadee UI"/>
+        <a:font script="Bopo" typeface="Microsoft JhengHei"/>
+        <a:font script="Java" typeface="Javanese Text"/>
+        <a:font script="Lisu" typeface="Segoe UI"/>
+        <a:font script="Mymr" typeface="Myanmar Text"/>
+        <a:font script="Nkoo" typeface="Ebrima"/>
+        <a:font script="Olck" typeface="Nirmala UI"/>
+        <a:font script="Osma" typeface="Ebrima"/>
+        <a:font script="Phag" typeface="Phagspa"/>
+        <a:font script="Syrn" typeface="Estrangelo Edessa"/>
+        <a:font script="Syrj" typeface="Estrangelo Edessa"/>
+        <a:font script="Syre" typeface="Estrangelo Edessa"/>
+        <a:font script="Sora" typeface="Nirmala UI"/>
+        <a:font script="Tale" typeface="Microsoft Tai Le"/>
+        <a:font script="Talu" typeface="Microsoft New Tai Lue"/>
+        <a:font script="Tfng" typeface="Ebrima"/>
       </a:majorFont>
       <a:minorFont>
-        <a:latin typeface="Franklin Gothic Book"/>
+        <a:latin typeface="Calibri" panose="020F0502020204030204"/>
         <a:ea typeface=""/>
         <a:cs typeface=""/>
+        <a:font script="Jpan" typeface="游ゴシック"/>
+        <a:font script="Hang" typeface="맑은 고딕"/>
+        <a:font script="Hans" typeface="等线"/>
+        <a:font script="Hant" typeface="新細明體"/>
+        <a:font script="Arab" typeface="Arial"/>
+        <a:font script="Hebr" typeface="Arial"/>
+        <a:font script="Thai" typeface="Cordia New"/>
+        <a:font script="Ethi" typeface="Nyala"/>
+        <a:font script="Beng" typeface="Vrinda"/>
+        <a:font script="Gujr" typeface="Shruti"/>
+        <a:font script="Khmr" typeface="DaunPenh"/>
+        <a:font script="Knda" typeface="Tunga"/>
+        <a:font script="Guru" typeface="Raavi"/>
+        <a:font script="Cans" typeface="Euphemia"/>
+        <a:font script="Cher" typeface="Plantagenet Cherokee"/>
+        <a:font script="Yiii" typeface="Microsoft Yi Baiti"/>
+        <a:font script="Tibt" typeface="Microsoft Himalaya"/>
+        <a:font script="Thaa" typeface="MV Boli"/>
+        <a:font script="Deva" typeface="Mangal"/>
+        <a:font script="Telu" typeface="Gautami"/>
+        <a:font script="Taml" typeface="Latha"/>
+        <a:font script="Syrc" typeface="Estrangelo Edessa"/>
+        <a:font script="Orya" typeface="Kalinga"/>
+        <a:font script="Mlym" typeface="Kartika"/>
+        <a:font script="Laoo" typeface="DokChampa"/>
+        <a:font script="Sinh" typeface="Iskoola Pota"/>
+        <a:font script="Mong" typeface="Mongolian Baiti"/>
+        <a:font script="Viet" typeface="Arial"/>
+        <a:font script="Uigh" typeface="Microsoft Uighur"/>
+        <a:font script="Geor" typeface="Sylfaen"/>
+        <a:font script="Armn" typeface="Arial"/>
+        <a:font script="Bugi" typeface="Leelawadee UI"/>
+        <a:font script="Bopo" typeface="Microsoft JhengHei"/>
+        <a:font script="Java" typeface="Javanese Text"/>
+        <a:font script="Lisu" typeface="Segoe UI"/>
+        <a:font script="Mymr" typeface="Myanmar Text"/>
+        <a:font script="Nkoo" typeface="Ebrima"/>
+        <a:font script="Olck" typeface="Nirmala UI"/>
+        <a:font script="Osma" typeface="Ebrima"/>
+        <a:font script="Phag" typeface="Phagspa"/>
+        <a:font script="Syrn" typeface="Estrangelo Edessa"/>
+        <a:font script="Syrj" typeface="Estrangelo Edessa"/>
+        <a:font script="Syre" typeface="Estrangelo Edessa"/>
+        <a:font script="Sora" typeface="Nirmala UI"/>
+        <a:font script="Tale" typeface="Microsoft Tai Le"/>
+        <a:font script="Talu" typeface="Microsoft New Tai Lue"/>
+        <a:font script="Tfng" typeface="Ebrima"/>
       </a:minorFont>
     </a:fontScheme>
     <a:fmtScheme name="Office">
@@ -11535,7 +12033,7 @@
   <a:extraClrSchemeLst/>
   <a:extLst>
     <a:ext uri="{05A4C25C-085E-4340-85A3-A5531E510DB2}">
-      <thm15:themeFamily xmlns:thm15="http://schemas.microsoft.com/office/thememl/2012/main" name="PPT_Master_010418" id="{FD514EA2-D8BF-1745-B545-7CA5720180D6}" vid="{3BCCA1D8-FBB2-C345-8A21-8D90A811E668}"/>
+      <thm15:themeFamily xmlns:thm15="http://schemas.microsoft.com/office/thememl/2012/main" name="Office Theme" id="{62F939B6-93AF-4DB8-9C6B-D6C7DFDC589F}" vid="{4A3C46E8-61CC-4603-A589-7422A47A8E4A}"/>
     </a:ext>
   </a:extLst>
 </a:theme>
@@ -11552,44 +12050,44 @@
         <a:sysClr val="window" lastClr="FFFFFF"/>
       </a:lt1>
       <a:dk2>
-        <a:srgbClr val="1F497D"/>
+        <a:srgbClr val="44546A"/>
       </a:dk2>
       <a:lt2>
-        <a:srgbClr val="EEECE1"/>
+        <a:srgbClr val="E7E6E6"/>
       </a:lt2>
       <a:accent1>
-        <a:srgbClr val="4F81BD"/>
+        <a:srgbClr val="4472C4"/>
       </a:accent1>
       <a:accent2>
-        <a:srgbClr val="C0504D"/>
+        <a:srgbClr val="ED7D31"/>
       </a:accent2>
       <a:accent3>
-        <a:srgbClr val="9BBB59"/>
+        <a:srgbClr val="A5A5A5"/>
       </a:accent3>
       <a:accent4>
-        <a:srgbClr val="8064A2"/>
+        <a:srgbClr val="FFC000"/>
       </a:accent4>
       <a:accent5>
-        <a:srgbClr val="4BACC6"/>
+        <a:srgbClr val="5B9BD5"/>
       </a:accent5>
       <a:accent6>
-        <a:srgbClr val="F79646"/>
+        <a:srgbClr val="70AD47"/>
       </a:accent6>
       <a:hlink>
-        <a:srgbClr val="0000FF"/>
+        <a:srgbClr val="0563C1"/>
       </a:hlink>
       <a:folHlink>
-        <a:srgbClr val="800080"/>
+        <a:srgbClr val="954F72"/>
       </a:folHlink>
     </a:clrScheme>
     <a:fontScheme name="Office">
       <a:majorFont>
-        <a:latin typeface="Calibri"/>
+        <a:latin typeface="Calibri Light" panose="020F0302020204030204"/>
         <a:ea typeface=""/>
         <a:cs typeface=""/>
-        <a:font script="Jpan" typeface="ＭＳ Ｐゴシック"/>
+        <a:font script="Jpan" typeface="游ゴシック Light"/>
         <a:font script="Hang" typeface="맑은 고딕"/>
-        <a:font script="Hans" typeface="宋体"/>
+        <a:font script="Hans" typeface="等线 Light"/>
         <a:font script="Hant" typeface="新細明體"/>
         <a:font script="Arab" typeface="Times New Roman"/>
         <a:font script="Hebr" typeface="Times New Roman"/>
@@ -11617,14 +12115,31 @@
         <a:font script="Viet" typeface="Times New Roman"/>
         <a:font script="Uigh" typeface="Microsoft Uighur"/>
         <a:font script="Geor" typeface="Sylfaen"/>
+        <a:font script="Armn" typeface="Arial"/>
+        <a:font script="Bugi" typeface="Leelawadee UI"/>
+        <a:font script="Bopo" typeface="Microsoft JhengHei"/>
+        <a:font script="Java" typeface="Javanese Text"/>
+        <a:font script="Lisu" typeface="Segoe UI"/>
+        <a:font script="Mymr" typeface="Myanmar Text"/>
+        <a:font script="Nkoo" typeface="Ebrima"/>
+        <a:font script="Olck" typeface="Nirmala UI"/>
+        <a:font script="Osma" typeface="Ebrima"/>
+        <a:font script="Phag" typeface="Phagspa"/>
+        <a:font script="Syrn" typeface="Estrangelo Edessa"/>
+        <a:font script="Syrj" typeface="Estrangelo Edessa"/>
+        <a:font script="Syre" typeface="Estrangelo Edessa"/>
+        <a:font script="Sora" typeface="Nirmala UI"/>
+        <a:font script="Tale" typeface="Microsoft Tai Le"/>
+        <a:font script="Talu" typeface="Microsoft New Tai Lue"/>
+        <a:font script="Tfng" typeface="Ebrima"/>
       </a:majorFont>
       <a:minorFont>
-        <a:latin typeface="Calibri"/>
+        <a:latin typeface="Calibri" panose="020F0502020204030204"/>
         <a:ea typeface=""/>
         <a:cs typeface=""/>
-        <a:font script="Jpan" typeface="ＭＳ Ｐゴシック"/>
+        <a:font script="Jpan" typeface="游ゴシック"/>
         <a:font script="Hang" typeface="맑은 고딕"/>
-        <a:font script="Hans" typeface="宋体"/>
+        <a:font script="Hans" typeface="等线"/>
         <a:font script="Hant" typeface="新細明體"/>
         <a:font script="Arab" typeface="Arial"/>
         <a:font script="Hebr" typeface="Arial"/>
@@ -11652,6 +12167,23 @@
         <a:font script="Viet" typeface="Arial"/>
         <a:font script="Uigh" typeface="Microsoft Uighur"/>
         <a:font script="Geor" typeface="Sylfaen"/>
+        <a:font script="Armn" typeface="Arial"/>
+        <a:font script="Bugi" typeface="Leelawadee UI"/>
+        <a:font script="Bopo" typeface="Microsoft JhengHei"/>
+        <a:font script="Java" typeface="Javanese Text"/>
+        <a:font script="Lisu" typeface="Segoe UI"/>
+        <a:font script="Mymr" typeface="Myanmar Text"/>
+        <a:font script="Nkoo" typeface="Ebrima"/>
+        <a:font script="Olck" typeface="Nirmala UI"/>
+        <a:font script="Osma" typeface="Ebrima"/>
+        <a:font script="Phag" typeface="Phagspa"/>
+        <a:font script="Syrn" typeface="Estrangelo Edessa"/>
+        <a:font script="Syrj" typeface="Estrangelo Edessa"/>
+        <a:font script="Syre" typeface="Estrangelo Edessa"/>
+        <a:font script="Sora" typeface="Nirmala UI"/>
+        <a:font script="Tale" typeface="Microsoft Tai Le"/>
+        <a:font script="Talu" typeface="Microsoft New Tai Lue"/>
+        <a:font script="Tfng" typeface="Ebrima"/>
       </a:minorFont>
     </a:fontScheme>
     <a:fmtScheme name="Office">
@@ -11663,462 +12195,141 @@
           <a:gsLst>
             <a:gs pos="0">
               <a:schemeClr val="phClr">
-                <a:tint val="50000"/>
-                <a:satMod val="300000"/>
+                <a:lumMod val="110000"/>
+                <a:satMod val="105000"/>
+                <a:tint val="67000"/>
               </a:schemeClr>
             </a:gs>
-            <a:gs pos="35000">
+            <a:gs pos="50000">
               <a:schemeClr val="phClr">
-                <a:tint val="37000"/>
-                <a:satMod val="300000"/>
+                <a:lumMod val="105000"/>
+                <a:satMod val="103000"/>
+                <a:tint val="73000"/>
               </a:schemeClr>
             </a:gs>
             <a:gs pos="100000">
               <a:schemeClr val="phClr">
-                <a:tint val="15000"/>
-                <a:satMod val="350000"/>
+                <a:lumMod val="105000"/>
+                <a:satMod val="109000"/>
+                <a:tint val="81000"/>
               </a:schemeClr>
             </a:gs>
           </a:gsLst>
-          <a:lin ang="16200000" scaled="1"/>
+          <a:lin ang="5400000" scaled="0"/>
         </a:gradFill>
         <a:gradFill rotWithShape="1">
           <a:gsLst>
             <a:gs pos="0">
               <a:schemeClr val="phClr">
-                <a:tint val="100000"/>
+                <a:satMod val="103000"/>
+                <a:lumMod val="102000"/>
+                <a:tint val="94000"/>
+              </a:schemeClr>
+            </a:gs>
+            <a:gs pos="50000">
+              <a:schemeClr val="phClr">
+                <a:satMod val="110000"/>
+                <a:lumMod val="100000"/>
                 <a:shade val="100000"/>
-                <a:satMod val="130000"/>
               </a:schemeClr>
             </a:gs>
             <a:gs pos="100000">
               <a:schemeClr val="phClr">
-                <a:tint val="50000"/>
-                <a:shade val="100000"/>
-                <a:satMod val="350000"/>
+                <a:lumMod val="99000"/>
+                <a:satMod val="120000"/>
+                <a:shade val="78000"/>
               </a:schemeClr>
             </a:gs>
           </a:gsLst>
-          <a:lin ang="16200000" scaled="0"/>
+          <a:lin ang="5400000" scaled="0"/>
         </a:gradFill>
       </a:fillStyleLst>
       <a:lnStyleLst>
-        <a:ln w="9525" cap="flat" cmpd="sng" algn="ctr">
-          <a:solidFill>
-            <a:schemeClr val="phClr">
-              <a:shade val="95000"/>
-              <a:satMod val="105000"/>
-            </a:schemeClr>
-          </a:solidFill>
-          <a:prstDash val="solid"/>
-        </a:ln>
-        <a:ln w="25400" cap="flat" cmpd="sng" algn="ctr">
+        <a:ln w="6350" cap="flat" cmpd="sng" algn="ctr">
           <a:solidFill>
             <a:schemeClr val="phClr"/>
           </a:solidFill>
           <a:prstDash val="solid"/>
+          <a:miter lim="800000"/>
         </a:ln>
-        <a:ln w="38100" cap="flat" cmpd="sng" algn="ctr">
+        <a:ln w="12700" cap="flat" cmpd="sng" algn="ctr">
           <a:solidFill>
             <a:schemeClr val="phClr"/>
           </a:solidFill>
           <a:prstDash val="solid"/>
+          <a:miter lim="800000"/>
+        </a:ln>
+        <a:ln w="19050" cap="flat" cmpd="sng" algn="ctr">
+          <a:solidFill>
+            <a:schemeClr val="phClr"/>
+          </a:solidFill>
+          <a:prstDash val="solid"/>
+          <a:miter lim="800000"/>
         </a:ln>
       </a:lnStyleLst>
       <a:effectStyleLst>
         <a:effectStyle>
+          <a:effectLst/>
+        </a:effectStyle>
+        <a:effectStyle>
+          <a:effectLst/>
+        </a:effectStyle>
+        <a:effectStyle>
           <a:effectLst>
-            <a:outerShdw blurRad="40000" dist="20000" dir="5400000" rotWithShape="0">
+            <a:outerShdw blurRad="57150" dist="19050" dir="5400000" algn="ctr" rotWithShape="0">
               <a:srgbClr val="000000">
-                <a:alpha val="38000"/>
+                <a:alpha val="63000"/>
               </a:srgbClr>
             </a:outerShdw>
           </a:effectLst>
-        </a:effectStyle>
-        <a:effectStyle>
-          <a:effectLst>
-            <a:outerShdw blurRad="40000" dist="23000" dir="5400000" rotWithShape="0">
-              <a:srgbClr val="000000">
-                <a:alpha val="35000"/>
-              </a:srgbClr>
-            </a:outerShdw>
-          </a:effectLst>
-        </a:effectStyle>
-        <a:effectStyle>
-          <a:effectLst>
-            <a:outerShdw blurRad="40000" dist="23000" dir="5400000" rotWithShape="0">
-              <a:srgbClr val="000000">
-                <a:alpha val="35000"/>
-              </a:srgbClr>
-            </a:outerShdw>
-          </a:effectLst>
-          <a:scene3d>
-            <a:camera prst="orthographicFront">
-              <a:rot lat="0" lon="0" rev="0"/>
-            </a:camera>
-            <a:lightRig rig="threePt" dir="t">
-              <a:rot lat="0" lon="0" rev="1200000"/>
-            </a:lightRig>
-          </a:scene3d>
-          <a:sp3d>
-            <a:bevelT w="63500" h="25400"/>
-          </a:sp3d>
         </a:effectStyle>
       </a:effectStyleLst>
       <a:bgFillStyleLst>
         <a:solidFill>
           <a:schemeClr val="phClr"/>
         </a:solidFill>
+        <a:solidFill>
+          <a:schemeClr val="phClr">
+            <a:tint val="95000"/>
+            <a:satMod val="170000"/>
+          </a:schemeClr>
+        </a:solidFill>
         <a:gradFill rotWithShape="1">
           <a:gsLst>
             <a:gs pos="0">
               <a:schemeClr val="phClr">
-                <a:tint val="40000"/>
-                <a:satMod val="350000"/>
+                <a:tint val="93000"/>
+                <a:satMod val="150000"/>
+                <a:shade val="98000"/>
+                <a:lumMod val="102000"/>
               </a:schemeClr>
             </a:gs>
-            <a:gs pos="40000">
+            <a:gs pos="50000">
               <a:schemeClr val="phClr">
-                <a:tint val="45000"/>
-                <a:shade val="99000"/>
-                <a:satMod val="350000"/>
+                <a:tint val="98000"/>
+                <a:satMod val="130000"/>
+                <a:shade val="90000"/>
+                <a:lumMod val="103000"/>
               </a:schemeClr>
             </a:gs>
             <a:gs pos="100000">
               <a:schemeClr val="phClr">
-                <a:shade val="20000"/>
-                <a:satMod val="255000"/>
+                <a:shade val="63000"/>
+                <a:satMod val="120000"/>
               </a:schemeClr>
             </a:gs>
           </a:gsLst>
-          <a:path path="circle">
-            <a:fillToRect l="50000" t="-80000" r="50000" b="180000"/>
-          </a:path>
-        </a:gradFill>
-        <a:gradFill rotWithShape="1">
-          <a:gsLst>
-            <a:gs pos="0">
-              <a:schemeClr val="phClr">
-                <a:tint val="80000"/>
-                <a:satMod val="300000"/>
-              </a:schemeClr>
-            </a:gs>
-            <a:gs pos="100000">
-              <a:schemeClr val="phClr">
-                <a:shade val="30000"/>
-                <a:satMod val="200000"/>
-              </a:schemeClr>
-            </a:gs>
-          </a:gsLst>
-          <a:path path="circle">
-            <a:fillToRect l="50000" t="50000" r="50000" b="50000"/>
-          </a:path>
+          <a:lin ang="5400000" scaled="0"/>
         </a:gradFill>
       </a:bgFillStyleLst>
     </a:fmtScheme>
   </a:themeElements>
-  <a:objectDefaults>
-    <a:spDef>
-      <a:spPr/>
-      <a:bodyPr/>
-      <a:lstStyle/>
-      <a:style>
-        <a:lnRef idx="1">
-          <a:schemeClr val="accent1"/>
-        </a:lnRef>
-        <a:fillRef idx="3">
-          <a:schemeClr val="accent1"/>
-        </a:fillRef>
-        <a:effectRef idx="2">
-          <a:schemeClr val="accent1"/>
-        </a:effectRef>
-        <a:fontRef idx="minor">
-          <a:schemeClr val="lt1"/>
-        </a:fontRef>
-      </a:style>
-    </a:spDef>
-    <a:lnDef>
-      <a:spPr/>
-      <a:bodyPr/>
-      <a:lstStyle/>
-      <a:style>
-        <a:lnRef idx="2">
-          <a:schemeClr val="accent1"/>
-        </a:lnRef>
-        <a:fillRef idx="0">
-          <a:schemeClr val="accent1"/>
-        </a:fillRef>
-        <a:effectRef idx="1">
-          <a:schemeClr val="accent1"/>
-        </a:effectRef>
-        <a:fontRef idx="minor">
-          <a:schemeClr val="tx1"/>
-        </a:fontRef>
-      </a:style>
-    </a:lnDef>
-  </a:objectDefaults>
+  <a:objectDefaults/>
   <a:extraClrSchemeLst/>
+  <a:extLst>
+    <a:ext uri="{05A4C25C-085E-4340-85A3-A5531E510DB2}">
+      <thm15:themeFamily xmlns:thm15="http://schemas.microsoft.com/office/thememl/2012/main" name="Office Theme" id="{62F939B6-93AF-4DB8-9C6B-D6C7DFDC589F}" vid="{4A3C46E8-61CC-4603-A589-7422A47A8E4A}"/>
+    </a:ext>
+  </a:extLst>
 </a:theme>
-</file>
-
-<file path=customXml/item1.xml><?xml version="1.0" encoding="utf-8"?>
-<ct:contentTypeSchema xmlns:ct="http://schemas.microsoft.com/office/2006/metadata/contentType" xmlns:ma="http://schemas.microsoft.com/office/2006/metadata/properties/metaAttributes" ct:_="" ma:_="" ma:contentTypeName="Document" ma:contentTypeID="0x010100FD047A0B1BD8FE45B080D14CD83AD5DB" ma:contentTypeVersion="4" ma:contentTypeDescription="Create a new document." ma:contentTypeScope="" ma:versionID="bb8fe93aa668ed2e9af0b4a91588e96f">
-  <xsd:schema xmlns:xsd="http://www.w3.org/2001/XMLSchema" xmlns:xs="http://www.w3.org/2001/XMLSchema" xmlns:p="http://schemas.microsoft.com/office/2006/metadata/properties" xmlns:ns2="f0d6b4bb-fd12-4740-8884-687737dcca9a" targetNamespace="http://schemas.microsoft.com/office/2006/metadata/properties" ma:root="true" ma:fieldsID="9ccf4b7a71e6b6cf55d0a74afbac0ca8" ns2:_="">
-    <xsd:import namespace="f0d6b4bb-fd12-4740-8884-687737dcca9a"/>
-    <xsd:element name="properties">
-      <xsd:complexType>
-        <xsd:sequence>
-          <xsd:element name="documentManagement">
-            <xsd:complexType>
-              <xsd:all>
-                <xsd:element ref="ns2:Tech_x0020_Used" minOccurs="0"/>
-                <xsd:element ref="ns2:Document_x0020_Type" minOccurs="0"/>
-                <xsd:element ref="ns2:Industry_x002f_Vertical" minOccurs="0"/>
-                <xsd:element ref="ns2:Company" minOccurs="0"/>
-              </xsd:all>
-            </xsd:complexType>
-          </xsd:element>
-        </xsd:sequence>
-      </xsd:complexType>
-    </xsd:element>
-  </xsd:schema>
-  <xsd:schema xmlns:xsd="http://www.w3.org/2001/XMLSchema" xmlns:xs="http://www.w3.org/2001/XMLSchema" xmlns:dms="http://schemas.microsoft.com/office/2006/documentManagement/types" xmlns:pc="http://schemas.microsoft.com/office/infopath/2007/PartnerControls" targetNamespace="f0d6b4bb-fd12-4740-8884-687737dcca9a" elementFormDefault="qualified">
-    <xsd:import namespace="http://schemas.microsoft.com/office/2006/documentManagement/types"/>
-    <xsd:import namespace="http://schemas.microsoft.com/office/infopath/2007/PartnerControls"/>
-    <xsd:element name="Tech_x0020_Used" ma:index="8" nillable="true" ma:displayName="Tech Used" ma:internalName="Tech_x0020_Used">
-      <xsd:complexType>
-        <xsd:complexContent>
-          <xsd:extension base="dms:MultiChoice">
-            <xsd:sequence>
-              <xsd:element name="Value" maxOccurs="unbounded" minOccurs="0" nillable="true">
-                <xsd:simpleType>
-                  <xsd:restriction base="dms:Choice">
-                    <xsd:enumeration value="App Dev"/>
-                    <xsd:enumeration value="Mobile"/>
-                    <xsd:enumeration value="Biztalk"/>
-                    <xsd:enumeration value="Azure"/>
-                    <xsd:enumeration value="Data Services"/>
-                    <xsd:enumeration value="Application Lifecycle Mgmt"/>
-                    <xsd:enumeration value="SharePoint"/>
-                    <xsd:enumeration value="UX/UI"/>
-                    <xsd:enumeration value="QAT"/>
-                    <xsd:enumeration value="Support &amp; Maintenance"/>
-                  </xsd:restriction>
-                </xsd:simpleType>
-              </xsd:element>
-            </xsd:sequence>
-          </xsd:extension>
-        </xsd:complexContent>
-      </xsd:complexType>
-    </xsd:element>
-    <xsd:element name="Document_x0020_Type" ma:index="9" nillable="true" ma:displayName="Document Type" ma:default="Case Study" ma:internalName="Document_x0020_Type" ma:requiredMultiChoice="true">
-      <xsd:complexType>
-        <xsd:complexContent>
-          <xsd:extension base="dms:MultiChoice">
-            <xsd:sequence>
-              <xsd:element name="Value" maxOccurs="unbounded" minOccurs="0" nillable="true">
-                <xsd:simpleType>
-                  <xsd:restriction base="dms:Choice">
-                    <xsd:enumeration value="Proposal"/>
-                    <xsd:enumeration value="Template"/>
-                    <xsd:enumeration value="Graphics"/>
-                    <xsd:enumeration value="Presentation"/>
-                    <xsd:enumeration value="Base Deck"/>
-                    <xsd:enumeration value="Envisioning"/>
-                    <xsd:enumeration value="Case Study"/>
-                    <xsd:enumeration value="Estimate"/>
-                    <xsd:enumeration value="Client Supplied Docs / RFP"/>
-                    <xsd:enumeration value="Pursuit Docs"/>
-                    <xsd:enumeration value="White Paper"/>
-                  </xsd:restriction>
-                </xsd:simpleType>
-              </xsd:element>
-            </xsd:sequence>
-          </xsd:extension>
-        </xsd:complexContent>
-      </xsd:complexType>
-    </xsd:element>
-    <xsd:element name="Industry_x002f_Vertical" ma:index="10" nillable="true" ma:displayName="Industry/Vertical" ma:format="RadioButtons" ma:internalName="Industry_x002f_Vertical">
-      <xsd:simpleType>
-        <xsd:restriction base="dms:Choice">
-          <xsd:enumeration value="Retail"/>
-          <xsd:enumeration value="Manufacturing"/>
-          <xsd:enumeration value="Transportation/Logistics"/>
-          <xsd:enumeration value="Financial Services/Banking"/>
-          <xsd:enumeration value="Healthcare/Life Sciences"/>
-          <xsd:enumeration value="Insurance"/>
-          <xsd:enumeration value="Professional Services"/>
-          <xsd:enumeration value="Misc."/>
-        </xsd:restriction>
-      </xsd:simpleType>
-    </xsd:element>
-    <xsd:element name="Company" ma:index="11" nillable="true" ma:displayName="Company" ma:internalName="Company">
-      <xsd:simpleType>
-        <xsd:restriction base="dms:Text">
-          <xsd:maxLength value="255"/>
-        </xsd:restriction>
-      </xsd:simpleType>
-    </xsd:element>
-  </xsd:schema>
-  <xsd:schema xmlns="http://schemas.openxmlformats.org/package/2006/metadata/core-properties" xmlns:xsd="http://www.w3.org/2001/XMLSchema" xmlns:xsi="http://www.w3.org/2001/XMLSchema-instance" xmlns:dc="http://purl.org/dc/elements/1.1/" xmlns:dcterms="http://purl.org/dc/terms/" xmlns:odoc="http://schemas.microsoft.com/internal/obd" targetNamespace="http://schemas.openxmlformats.org/package/2006/metadata/core-properties" elementFormDefault="qualified" attributeFormDefault="unqualified" blockDefault="#all">
-    <xsd:import namespace="http://purl.org/dc/elements/1.1/" schemaLocation="http://dublincore.org/schemas/xmls/qdc/2003/04/02/dc.xsd"/>
-    <xsd:import namespace="http://purl.org/dc/terms/" schemaLocation="http://dublincore.org/schemas/xmls/qdc/2003/04/02/dcterms.xsd"/>
-    <xsd:element name="coreProperties" type="CT_coreProperties"/>
-    <xsd:complexType name="CT_coreProperties">
-      <xsd:all>
-        <xsd:element ref="dc:creator" minOccurs="0" maxOccurs="1"/>
-        <xsd:element ref="dcterms:created" minOccurs="0" maxOccurs="1"/>
-        <xsd:element ref="dc:identifier" minOccurs="0" maxOccurs="1"/>
-        <xsd:element name="contentType" minOccurs="0" maxOccurs="1" type="xsd:string" ma:index="0" ma:displayName="Content Type"/>
-        <xsd:element ref="dc:title" minOccurs="0" maxOccurs="1" ma:index="4" ma:displayName="Title"/>
-        <xsd:element ref="dc:subject" minOccurs="0" maxOccurs="1"/>
-        <xsd:element ref="dc:description" minOccurs="0" maxOccurs="1"/>
-        <xsd:element name="keywords" minOccurs="0" maxOccurs="1" type="xsd:string"/>
-        <xsd:element ref="dc:language" minOccurs="0" maxOccurs="1"/>
-        <xsd:element name="category" minOccurs="0" maxOccurs="1" type="xsd:string"/>
-        <xsd:element name="version" minOccurs="0" maxOccurs="1" type="xsd:string"/>
-        <xsd:element name="revision" minOccurs="0" maxOccurs="1" type="xsd:string">
-          <xsd:annotation>
-            <xsd:documentation>
-                        This value indicates the number of saves or revisions. The application is responsible for updating this value after each revision.
-                    </xsd:documentation>
-          </xsd:annotation>
-        </xsd:element>
-        <xsd:element name="lastModifiedBy" minOccurs="0" maxOccurs="1" type="xsd:string"/>
-        <xsd:element ref="dcterms:modified" minOccurs="0" maxOccurs="1"/>
-        <xsd:element name="contentStatus" minOccurs="0" maxOccurs="1" type="xsd:string"/>
-      </xsd:all>
-    </xsd:complexType>
-  </xsd:schema>
-  <xs:schema xmlns:pc="http://schemas.microsoft.com/office/infopath/2007/PartnerControls" xmlns:xs="http://www.w3.org/2001/XMLSchema" targetNamespace="http://schemas.microsoft.com/office/infopath/2007/PartnerControls" elementFormDefault="qualified" attributeFormDefault="unqualified">
-    <xs:element name="Person">
-      <xs:complexType>
-        <xs:sequence>
-          <xs:element ref="pc:DisplayName" minOccurs="0"/>
-          <xs:element ref="pc:AccountId" minOccurs="0"/>
-          <xs:element ref="pc:AccountType" minOccurs="0"/>
-        </xs:sequence>
-      </xs:complexType>
-    </xs:element>
-    <xs:element name="DisplayName" type="xs:string"/>
-    <xs:element name="AccountId" type="xs:string"/>
-    <xs:element name="AccountType" type="xs:string"/>
-    <xs:element name="BDCAssociatedEntity">
-      <xs:complexType>
-        <xs:sequence>
-          <xs:element ref="pc:BDCEntity" minOccurs="0" maxOccurs="unbounded"/>
-        </xs:sequence>
-        <xs:attribute ref="pc:EntityNamespace"/>
-        <xs:attribute ref="pc:EntityName"/>
-        <xs:attribute ref="pc:SystemInstanceName"/>
-        <xs:attribute ref="pc:AssociationName"/>
-      </xs:complexType>
-    </xs:element>
-    <xs:attribute name="EntityNamespace" type="xs:string"/>
-    <xs:attribute name="EntityName" type="xs:string"/>
-    <xs:attribute name="SystemInstanceName" type="xs:string"/>
-    <xs:attribute name="AssociationName" type="xs:string"/>
-    <xs:element name="BDCEntity">
-      <xs:complexType>
-        <xs:sequence>
-          <xs:element ref="pc:EntityDisplayName" minOccurs="0"/>
-          <xs:element ref="pc:EntityInstanceReference" minOccurs="0"/>
-          <xs:element ref="pc:EntityId1" minOccurs="0"/>
-          <xs:element ref="pc:EntityId2" minOccurs="0"/>
-          <xs:element ref="pc:EntityId3" minOccurs="0"/>
-          <xs:element ref="pc:EntityId4" minOccurs="0"/>
-          <xs:element ref="pc:EntityId5" minOccurs="0"/>
-        </xs:sequence>
-      </xs:complexType>
-    </xs:element>
-    <xs:element name="EntityDisplayName" type="xs:string"/>
-    <xs:element name="EntityInstanceReference" type="xs:string"/>
-    <xs:element name="EntityId1" type="xs:string"/>
-    <xs:element name="EntityId2" type="xs:string"/>
-    <xs:element name="EntityId3" type="xs:string"/>
-    <xs:element name="EntityId4" type="xs:string"/>
-    <xs:element name="EntityId5" type="xs:string"/>
-    <xs:element name="Terms">
-      <xs:complexType>
-        <xs:sequence>
-          <xs:element ref="pc:TermInfo" minOccurs="0" maxOccurs="unbounded"/>
-        </xs:sequence>
-      </xs:complexType>
-    </xs:element>
-    <xs:element name="TermInfo">
-      <xs:complexType>
-        <xs:sequence>
-          <xs:element ref="pc:TermName" minOccurs="0"/>
-          <xs:element ref="pc:TermId" minOccurs="0"/>
-        </xs:sequence>
-      </xs:complexType>
-    </xs:element>
-    <xs:element name="TermName" type="xs:string"/>
-    <xs:element name="TermId" type="xs:string"/>
-  </xs:schema>
-</ct:contentTypeSchema>
-</file>
-
-<file path=customXml/item2.xml><?xml version="1.0" encoding="utf-8"?>
-<p:properties xmlns:p="http://schemas.microsoft.com/office/2006/metadata/properties" xmlns:xsi="http://www.w3.org/2001/XMLSchema-instance" xmlns:pc="http://schemas.microsoft.com/office/infopath/2007/PartnerControls">
-  <documentManagement>
-    <Company xmlns="f0d6b4bb-fd12-4740-8884-687737dcca9a">Magenic</Company>
-    <Tech_x0020_Used xmlns="f0d6b4bb-fd12-4740-8884-687737dcca9a"/>
-    <Document_x0020_Type xmlns="f0d6b4bb-fd12-4740-8884-687737dcca9a">
-      <Value>Template</Value>
-    </Document_x0020_Type>
-    <Industry_x002f_Vertical xmlns="f0d6b4bb-fd12-4740-8884-687737dcca9a" xsi:nil="true"/>
-  </documentManagement>
-</p:properties>
-</file>
-
-<file path=customXml/item3.xml><?xml version="1.0" encoding="utf-8"?>
-<?mso-contentType ?>
-<FormTemplates xmlns="http://schemas.microsoft.com/sharepoint/v3/contenttype/forms">
-  <Display>DocumentLibraryForm</Display>
-  <Edit>DocumentLibraryForm</Edit>
-  <New>DocumentLibraryForm</New>
-</FormTemplates>
-</file>
-
-<file path=customXml/itemProps1.xml><?xml version="1.0" encoding="utf-8"?>
-<ds:datastoreItem xmlns:ds="http://schemas.openxmlformats.org/officeDocument/2006/customXml" ds:itemID="{554ECF4A-C03F-4D49-9C40-03179AA8928E}">
-  <ds:schemaRefs>
-    <ds:schemaRef ds:uri="http://schemas.microsoft.com/office/2006/metadata/contentType"/>
-    <ds:schemaRef ds:uri="http://schemas.microsoft.com/office/2006/metadata/properties/metaAttributes"/>
-    <ds:schemaRef ds:uri="http://www.w3.org/2001/XMLSchema"/>
-    <ds:schemaRef ds:uri="http://schemas.microsoft.com/office/2006/metadata/properties"/>
-    <ds:schemaRef ds:uri="f0d6b4bb-fd12-4740-8884-687737dcca9a"/>
-    <ds:schemaRef ds:uri="http://schemas.microsoft.com/office/2006/documentManagement/types"/>
-    <ds:schemaRef ds:uri="http://schemas.microsoft.com/office/infopath/2007/PartnerControls"/>
-    <ds:schemaRef ds:uri="http://schemas.openxmlformats.org/package/2006/metadata/core-properties"/>
-    <ds:schemaRef ds:uri="http://purl.org/dc/elements/1.1/"/>
-    <ds:schemaRef ds:uri="http://purl.org/dc/terms/"/>
-    <ds:schemaRef ds:uri="http://schemas.microsoft.com/internal/obd"/>
-  </ds:schemaRefs>
-</ds:datastoreItem>
-</file>
-
-<file path=customXml/itemProps2.xml><?xml version="1.0" encoding="utf-8"?>
-<ds:datastoreItem xmlns:ds="http://schemas.openxmlformats.org/officeDocument/2006/customXml" ds:itemID="{65A3A91F-3324-4EE4-8BF2-C3B78E1D1674}">
-  <ds:schemaRefs>
-    <ds:schemaRef ds:uri="http://purl.org/dc/dcmitype/"/>
-    <ds:schemaRef ds:uri="http://schemas.microsoft.com/office/infopath/2007/PartnerControls"/>
-    <ds:schemaRef ds:uri="f0d6b4bb-fd12-4740-8884-687737dcca9a"/>
-    <ds:schemaRef ds:uri="http://purl.org/dc/elements/1.1/"/>
-    <ds:schemaRef ds:uri="http://schemas.microsoft.com/office/2006/documentManagement/types"/>
-    <ds:schemaRef ds:uri="http://purl.org/dc/terms/"/>
-    <ds:schemaRef ds:uri="http://schemas.openxmlformats.org/package/2006/metadata/core-properties"/>
-    <ds:schemaRef ds:uri="http://schemas.microsoft.com/office/2006/metadata/properties"/>
-    <ds:schemaRef ds:uri="http://www.w3.org/XML/1998/namespace"/>
-  </ds:schemaRefs>
-</ds:datastoreItem>
-</file>
-
-<file path=customXml/itemProps3.xml><?xml version="1.0" encoding="utf-8"?>
-<ds:datastoreItem xmlns:ds="http://schemas.openxmlformats.org/officeDocument/2006/customXml" ds:itemID="{D18D97D8-3C52-47EE-88EC-CF46155D7428}">
-  <ds:schemaRefs>
-    <ds:schemaRef ds:uri="http://schemas.microsoft.com/sharepoint/v3/contenttype/forms"/>
-  </ds:schemaRefs>
-</ds:datastoreItem>
 </file>